--- a/OpsValidation.pptx
+++ b/OpsValidation.pptx
@@ -9,22 +9,28 @@
     <p:sldMasterId id="2147484389" r:id="rId8"/>
   </p:sldMasterIdLst>
   <p:notesMasterIdLst>
-    <p:notesMasterId r:id="rId19"/>
+    <p:notesMasterId r:id="rId25"/>
   </p:notesMasterIdLst>
   <p:handoutMasterIdLst>
-    <p:handoutMasterId r:id="rId20"/>
+    <p:handoutMasterId r:id="rId26"/>
   </p:handoutMasterIdLst>
   <p:sldIdLst>
     <p:sldId id="1409" r:id="rId9"/>
     <p:sldId id="1410" r:id="rId10"/>
     <p:sldId id="1411" r:id="rId11"/>
     <p:sldId id="1412" r:id="rId12"/>
-    <p:sldId id="1415" r:id="rId13"/>
-    <p:sldId id="1454" r:id="rId14"/>
-    <p:sldId id="1430" r:id="rId15"/>
-    <p:sldId id="1433" r:id="rId16"/>
-    <p:sldId id="1455" r:id="rId17"/>
-    <p:sldId id="1448" r:id="rId18"/>
+    <p:sldId id="1454" r:id="rId13"/>
+    <p:sldId id="1456" r:id="rId14"/>
+    <p:sldId id="1459" r:id="rId15"/>
+    <p:sldId id="1460" r:id="rId16"/>
+    <p:sldId id="1457" r:id="rId17"/>
+    <p:sldId id="1458" r:id="rId18"/>
+    <p:sldId id="1430" r:id="rId19"/>
+    <p:sldId id="1463" r:id="rId20"/>
+    <p:sldId id="1433" r:id="rId21"/>
+    <p:sldId id="1462" r:id="rId22"/>
+    <p:sldId id="1455" r:id="rId23"/>
+    <p:sldId id="1461" r:id="rId24"/>
   </p:sldIdLst>
   <p:sldSz cx="12436475" cy="6994525"/>
   <p:notesSz cx="6858000" cy="9144000"/>
@@ -4916,7 +4922,7 @@
               <a:rPr lang="en-US" smtClean="0">
                 <a:latin typeface="Segoe UI" pitchFamily="34" charset="0"/>
               </a:rPr>
-              <a:t>2/7/2017 9:42 PM</a:t>
+              <a:t>2/10/2017 8:49 AM</a:t>
             </a:fld>
             <a:endParaRPr lang="en-US" dirty="0">
               <a:latin typeface="Segoe UI" pitchFamily="34" charset="0"/>
@@ -5197,7 +5203,7 @@
           <a:p>
             <a:fld id="{38EEC551-8CDA-4EB6-89BB-2A86C9F091C8}" type="datetime8">
               <a:rPr lang="en-US" smtClean="0"/>
-              <a:t>2/7/2017 9:42 PM</a:t>
+              <a:t>2/10/2017 8:49 AM</a:t>
             </a:fld>
             <a:endParaRPr lang="en-US" dirty="0"/>
           </a:p>
@@ -5722,7 +5728,7 @@
           <a:p>
             <a:fld id="{38EEC551-8CDA-4EB6-89BB-2A86C9F091C8}" type="datetime8">
               <a:rPr lang="en-US" smtClean="0"/>
-              <a:t>2/7/2017 9:56 PM</a:t>
+              <a:t>2/10/2017 9:05 AM</a:t>
             </a:fld>
             <a:endParaRPr lang="en-US" dirty="0"/>
           </a:p>
@@ -5755,7 +5761,1525 @@
     </p:spTree>
     <p:extLst>
       <p:ext uri="{BB962C8B-B14F-4D97-AF65-F5344CB8AC3E}">
-        <p14:creationId xmlns:p14="http://schemas.microsoft.com/office/powerpoint/2010/main" val="3829023950"/>
+        <p14:creationId xmlns:p14="http://schemas.microsoft.com/office/powerpoint/2010/main" val="2374676106"/>
+      </p:ext>
+    </p:extLst>
+  </p:cSld>
+  <p:clrMapOvr>
+    <a:masterClrMapping/>
+  </p:clrMapOvr>
+</p:notes>
+</file>
+
+<file path=ppt/notesSlides/notesSlide11.xml><?xml version="1.0" encoding="utf-8"?>
+<p:notes xmlns:a="http://schemas.openxmlformats.org/drawingml/2006/main" xmlns:r="http://schemas.openxmlformats.org/officeDocument/2006/relationships" xmlns:p="http://schemas.openxmlformats.org/presentationml/2006/main">
+  <p:cSld>
+    <p:spTree>
+      <p:nvGrpSpPr>
+        <p:cNvPr id="1" name=""/>
+        <p:cNvGrpSpPr/>
+        <p:nvPr/>
+      </p:nvGrpSpPr>
+      <p:grpSpPr>
+        <a:xfrm>
+          <a:off x="0" y="0"/>
+          <a:ext cx="0" cy="0"/>
+          <a:chOff x="0" y="0"/>
+          <a:chExt cx="0" cy="0"/>
+        </a:xfrm>
+      </p:grpSpPr>
+      <p:sp>
+        <p:nvSpPr>
+          <p:cNvPr id="2" name="Slide Image Placeholder 1"/>
+          <p:cNvSpPr>
+            <a:spLocks noGrp="1" noRot="1" noChangeAspect="1"/>
+          </p:cNvSpPr>
+          <p:nvPr>
+            <p:ph type="sldImg"/>
+          </p:nvPr>
+        </p:nvSpPr>
+        <p:spPr/>
+      </p:sp>
+      <p:sp>
+        <p:nvSpPr>
+          <p:cNvPr id="3" name="Notes Placeholder 2"/>
+          <p:cNvSpPr>
+            <a:spLocks noGrp="1"/>
+          </p:cNvSpPr>
+          <p:nvPr>
+            <p:ph type="body" idx="1"/>
+          </p:nvPr>
+        </p:nvSpPr>
+        <p:spPr/>
+        <p:txBody>
+          <a:bodyPr/>
+          <a:lstStyle/>
+          <a:p>
+            <a:endParaRPr lang="en-US" dirty="0"/>
+          </a:p>
+        </p:txBody>
+      </p:sp>
+      <p:sp>
+        <p:nvSpPr>
+          <p:cNvPr id="4" name="Header Placeholder 3"/>
+          <p:cNvSpPr>
+            <a:spLocks noGrp="1"/>
+          </p:cNvSpPr>
+          <p:nvPr>
+            <p:ph type="hdr" sz="quarter" idx="10"/>
+          </p:nvPr>
+        </p:nvSpPr>
+        <p:spPr/>
+        <p:txBody>
+          <a:bodyPr/>
+          <a:lstStyle/>
+          <a:p>
+            <a:pPr marL="0" marR="0" lvl="0" indent="0" defTabSz="914400" eaLnBrk="1" fontAlgn="auto" latinLnBrk="0" hangingPunct="1">
+              <a:lnSpc>
+                <a:spcPct val="100000"/>
+              </a:lnSpc>
+              <a:spcBef>
+                <a:spcPts val="0"/>
+              </a:spcBef>
+              <a:spcAft>
+                <a:spcPts val="0"/>
+              </a:spcAft>
+              <a:buClrTx/>
+              <a:buSzTx/>
+              <a:buFontTx/>
+              <a:buNone/>
+              <a:tabLst/>
+              <a:defRPr/>
+            </a:pPr>
+            <a:endParaRPr kumimoji="0" lang="en-US" sz="1800" b="0" i="0" u="none" strike="noStrike" kern="0" cap="none" spc="0" normalizeH="0" baseline="0" noProof="0" dirty="0">
+              <a:ln>
+                <a:noFill/>
+              </a:ln>
+              <a:solidFill>
+                <a:sysClr val="windowText" lastClr="000000"/>
+              </a:solidFill>
+              <a:effectLst/>
+              <a:uLnTx/>
+              <a:uFillTx/>
+            </a:endParaRPr>
+          </a:p>
+        </p:txBody>
+      </p:sp>
+      <p:sp>
+        <p:nvSpPr>
+          <p:cNvPr id="5" name="Footer Placeholder 4"/>
+          <p:cNvSpPr>
+            <a:spLocks noGrp="1"/>
+          </p:cNvSpPr>
+          <p:nvPr>
+            <p:ph type="ftr" sz="quarter" idx="11"/>
+          </p:nvPr>
+        </p:nvSpPr>
+        <p:spPr/>
+        <p:txBody>
+          <a:bodyPr/>
+          <a:lstStyle/>
+          <a:p>
+            <a:pPr marL="0" marR="0" lvl="0" indent="0" defTabSz="914099" eaLnBrk="0" fontAlgn="auto" latinLnBrk="0" hangingPunct="0">
+              <a:lnSpc>
+                <a:spcPct val="100000"/>
+              </a:lnSpc>
+              <a:spcBef>
+                <a:spcPts val="0"/>
+              </a:spcBef>
+              <a:spcAft>
+                <a:spcPts val="0"/>
+              </a:spcAft>
+              <a:buClrTx/>
+              <a:buSzTx/>
+              <a:buFontTx/>
+              <a:buNone/>
+              <a:tabLst/>
+              <a:defRPr/>
+            </a:pPr>
+            <a:r>
+              <a:rPr kumimoji="0" lang="en-US" sz="400" b="0" i="0" u="none" strike="noStrike" kern="0" cap="none" spc="0" normalizeH="0" baseline="0" noProof="0" dirty="0">
+                <a:ln>
+                  <a:noFill/>
+                </a:ln>
+                <a:gradFill>
+                  <a:gsLst>
+                    <a:gs pos="0">
+                      <a:prstClr val="black"/>
+                    </a:gs>
+                    <a:gs pos="100000">
+                      <a:prstClr val="black"/>
+                    </a:gs>
+                  </a:gsLst>
+                  <a:lin ang="5400000" scaled="0"/>
+                </a:gradFill>
+                <a:effectLst/>
+                <a:uLnTx/>
+                <a:uFillTx/>
+                <a:latin typeface="Segoe UI" pitchFamily="34" charset="0"/>
+                <a:ea typeface="Segoe UI" pitchFamily="34" charset="0"/>
+                <a:cs typeface="Segoe UI" pitchFamily="34" charset="0"/>
+              </a:rPr>
+              <a:t>© 2014 Microsoft Corporation. All rights reserved. MICROSOFT MAKES NO WARRANTIES, EXPRESS, IMPLIED OR STATUTORY, AS TO THE INFORMATION IN THIS PRESENTATION.</a:t>
+            </a:r>
+          </a:p>
+        </p:txBody>
+      </p:sp>
+      <p:sp>
+        <p:nvSpPr>
+          <p:cNvPr id="6" name="Date Placeholder 5"/>
+          <p:cNvSpPr>
+            <a:spLocks noGrp="1"/>
+          </p:cNvSpPr>
+          <p:nvPr>
+            <p:ph type="dt" idx="12"/>
+          </p:nvPr>
+        </p:nvSpPr>
+        <p:spPr/>
+        <p:txBody>
+          <a:bodyPr/>
+          <a:lstStyle/>
+          <a:p>
+            <a:pPr marL="0" marR="0" lvl="0" indent="0" defTabSz="914400" eaLnBrk="1" fontAlgn="auto" latinLnBrk="0" hangingPunct="1">
+              <a:lnSpc>
+                <a:spcPct val="100000"/>
+              </a:lnSpc>
+              <a:spcBef>
+                <a:spcPts val="0"/>
+              </a:spcBef>
+              <a:spcAft>
+                <a:spcPts val="0"/>
+              </a:spcAft>
+              <a:buClrTx/>
+              <a:buSzTx/>
+              <a:buFontTx/>
+              <a:buNone/>
+              <a:tabLst/>
+              <a:defRPr/>
+            </a:pPr>
+            <a:fld id="{7D10C09F-FCA1-48C8-B40D-42E1045D109E}" type="datetime8">
+              <a:rPr kumimoji="0" lang="en-US" sz="1800" b="0" i="0" u="none" strike="noStrike" kern="0" cap="none" spc="0" normalizeH="0" baseline="0" noProof="0" smtClean="0">
+                <a:ln>
+                  <a:noFill/>
+                </a:ln>
+                <a:solidFill>
+                  <a:sysClr val="windowText" lastClr="000000"/>
+                </a:solidFill>
+                <a:effectLst/>
+                <a:uLnTx/>
+                <a:uFillTx/>
+              </a:rPr>
+              <a:pPr marL="0" marR="0" lvl="0" indent="0" defTabSz="914400" eaLnBrk="1" fontAlgn="auto" latinLnBrk="0" hangingPunct="1">
+                <a:lnSpc>
+                  <a:spcPct val="100000"/>
+                </a:lnSpc>
+                <a:spcBef>
+                  <a:spcPts val="0"/>
+                </a:spcBef>
+                <a:spcAft>
+                  <a:spcPts val="0"/>
+                </a:spcAft>
+                <a:buClrTx/>
+                <a:buSzTx/>
+                <a:buFontTx/>
+                <a:buNone/>
+                <a:tabLst/>
+                <a:defRPr/>
+              </a:pPr>
+              <a:t>2/10/2017 8:49 AM</a:t>
+            </a:fld>
+            <a:endParaRPr kumimoji="0" lang="en-US" sz="1800" b="0" i="0" u="none" strike="noStrike" kern="0" cap="none" spc="0" normalizeH="0" baseline="0" noProof="0" dirty="0">
+              <a:ln>
+                <a:noFill/>
+              </a:ln>
+              <a:solidFill>
+                <a:sysClr val="windowText" lastClr="000000"/>
+              </a:solidFill>
+              <a:effectLst/>
+              <a:uLnTx/>
+              <a:uFillTx/>
+            </a:endParaRPr>
+          </a:p>
+        </p:txBody>
+      </p:sp>
+      <p:sp>
+        <p:nvSpPr>
+          <p:cNvPr id="7" name="Slide Number Placeholder 6"/>
+          <p:cNvSpPr>
+            <a:spLocks noGrp="1"/>
+          </p:cNvSpPr>
+          <p:nvPr>
+            <p:ph type="sldNum" sz="quarter" idx="13"/>
+          </p:nvPr>
+        </p:nvSpPr>
+        <p:spPr/>
+        <p:txBody>
+          <a:bodyPr/>
+          <a:lstStyle/>
+          <a:p>
+            <a:pPr marL="0" marR="0" lvl="0" indent="0" defTabSz="914400" eaLnBrk="1" fontAlgn="auto" latinLnBrk="0" hangingPunct="1">
+              <a:lnSpc>
+                <a:spcPct val="100000"/>
+              </a:lnSpc>
+              <a:spcBef>
+                <a:spcPts val="0"/>
+              </a:spcBef>
+              <a:spcAft>
+                <a:spcPts val="0"/>
+              </a:spcAft>
+              <a:buClrTx/>
+              <a:buSzTx/>
+              <a:buFontTx/>
+              <a:buNone/>
+              <a:tabLst/>
+              <a:defRPr/>
+            </a:pPr>
+            <a:fld id="{B4008EB6-D09E-4580-8CD6-DDB14511944F}" type="slidenum">
+              <a:rPr kumimoji="0" lang="en-US" sz="1800" b="0" i="0" u="none" strike="noStrike" kern="0" cap="none" spc="0" normalizeH="0" baseline="0" noProof="0" smtClean="0">
+                <a:ln>
+                  <a:noFill/>
+                </a:ln>
+                <a:solidFill>
+                  <a:sysClr val="windowText" lastClr="000000"/>
+                </a:solidFill>
+                <a:effectLst/>
+                <a:uLnTx/>
+                <a:uFillTx/>
+              </a:rPr>
+              <a:pPr marL="0" marR="0" lvl="0" indent="0" defTabSz="914400" eaLnBrk="1" fontAlgn="auto" latinLnBrk="0" hangingPunct="1">
+                <a:lnSpc>
+                  <a:spcPct val="100000"/>
+                </a:lnSpc>
+                <a:spcBef>
+                  <a:spcPts val="0"/>
+                </a:spcBef>
+                <a:spcAft>
+                  <a:spcPts val="0"/>
+                </a:spcAft>
+                <a:buClrTx/>
+                <a:buSzTx/>
+                <a:buFontTx/>
+                <a:buNone/>
+                <a:tabLst/>
+                <a:defRPr/>
+              </a:pPr>
+              <a:t>11</a:t>
+            </a:fld>
+            <a:endParaRPr kumimoji="0" lang="en-US" sz="1800" b="0" i="0" u="none" strike="noStrike" kern="0" cap="none" spc="0" normalizeH="0" baseline="0" noProof="0" dirty="0">
+              <a:ln>
+                <a:noFill/>
+              </a:ln>
+              <a:solidFill>
+                <a:sysClr val="windowText" lastClr="000000"/>
+              </a:solidFill>
+              <a:effectLst/>
+              <a:uLnTx/>
+              <a:uFillTx/>
+            </a:endParaRPr>
+          </a:p>
+        </p:txBody>
+      </p:sp>
+    </p:spTree>
+    <p:extLst>
+      <p:ext uri="{BB962C8B-B14F-4D97-AF65-F5344CB8AC3E}">
+        <p14:creationId xmlns:p14="http://schemas.microsoft.com/office/powerpoint/2010/main" val="3886261604"/>
+      </p:ext>
+    </p:extLst>
+  </p:cSld>
+  <p:clrMapOvr>
+    <a:masterClrMapping/>
+  </p:clrMapOvr>
+</p:notes>
+</file>
+
+<file path=ppt/notesSlides/notesSlide12.xml><?xml version="1.0" encoding="utf-8"?>
+<p:notes xmlns:a="http://schemas.openxmlformats.org/drawingml/2006/main" xmlns:r="http://schemas.openxmlformats.org/officeDocument/2006/relationships" xmlns:p="http://schemas.openxmlformats.org/presentationml/2006/main">
+  <p:cSld>
+    <p:spTree>
+      <p:nvGrpSpPr>
+        <p:cNvPr id="1" name=""/>
+        <p:cNvGrpSpPr/>
+        <p:nvPr/>
+      </p:nvGrpSpPr>
+      <p:grpSpPr>
+        <a:xfrm>
+          <a:off x="0" y="0"/>
+          <a:ext cx="0" cy="0"/>
+          <a:chOff x="0" y="0"/>
+          <a:chExt cx="0" cy="0"/>
+        </a:xfrm>
+      </p:grpSpPr>
+      <p:sp>
+        <p:nvSpPr>
+          <p:cNvPr id="2" name="Slide Image Placeholder 1"/>
+          <p:cNvSpPr>
+            <a:spLocks noGrp="1" noRot="1" noChangeAspect="1"/>
+          </p:cNvSpPr>
+          <p:nvPr>
+            <p:ph type="sldImg"/>
+          </p:nvPr>
+        </p:nvSpPr>
+        <p:spPr/>
+      </p:sp>
+      <p:sp>
+        <p:nvSpPr>
+          <p:cNvPr id="3" name="Notes Placeholder 2"/>
+          <p:cNvSpPr>
+            <a:spLocks noGrp="1"/>
+          </p:cNvSpPr>
+          <p:nvPr>
+            <p:ph type="body" idx="1"/>
+          </p:nvPr>
+        </p:nvSpPr>
+        <p:spPr/>
+        <p:txBody>
+          <a:bodyPr/>
+          <a:lstStyle/>
+          <a:p>
+            <a:endParaRPr lang="en-US"/>
+          </a:p>
+        </p:txBody>
+      </p:sp>
+      <p:sp>
+        <p:nvSpPr>
+          <p:cNvPr id="4" name="Header Placeholder 3"/>
+          <p:cNvSpPr>
+            <a:spLocks noGrp="1"/>
+          </p:cNvSpPr>
+          <p:nvPr>
+            <p:ph type="hdr" sz="quarter" idx="10"/>
+          </p:nvPr>
+        </p:nvSpPr>
+        <p:spPr/>
+        <p:txBody>
+          <a:bodyPr/>
+          <a:lstStyle/>
+          <a:p>
+            <a:r>
+              <a:rPr lang="en-US"/>
+              <a:t>Microsoft 2016</a:t>
+            </a:r>
+            <a:endParaRPr lang="en-US" dirty="0"/>
+          </a:p>
+        </p:txBody>
+      </p:sp>
+      <p:sp>
+        <p:nvSpPr>
+          <p:cNvPr id="5" name="Footer Placeholder 4"/>
+          <p:cNvSpPr>
+            <a:spLocks noGrp="1"/>
+          </p:cNvSpPr>
+          <p:nvPr>
+            <p:ph type="ftr" sz="quarter" idx="11"/>
+          </p:nvPr>
+        </p:nvSpPr>
+        <p:spPr/>
+        <p:txBody>
+          <a:bodyPr/>
+          <a:lstStyle/>
+          <a:p>
+            <a:pPr defTabSz="914099" eaLnBrk="0" hangingPunct="0"/>
+            <a:r>
+              <a:rPr lang="en-US" sz="400">
+                <a:gradFill>
+                  <a:gsLst>
+                    <a:gs pos="0">
+                      <a:prstClr val="black"/>
+                    </a:gs>
+                    <a:gs pos="100000">
+                      <a:prstClr val="black"/>
+                    </a:gs>
+                  </a:gsLst>
+                  <a:lin ang="5400000" scaled="0"/>
+                </a:gradFill>
+                <a:latin typeface="Segoe UI" pitchFamily="34" charset="0"/>
+                <a:ea typeface="Segoe UI" pitchFamily="34" charset="0"/>
+                <a:cs typeface="Segoe UI" pitchFamily="34" charset="0"/>
+              </a:rPr>
+              <a:t>© 2016 Microsoft Corporation. All rights reserved. MICROSOFT MAKES NO WARRANTIES, EXPRESS, IMPLIED OR STATUTORY, AS TO THE INFORMATION IN THIS PRESENTATION.</a:t>
+            </a:r>
+            <a:endParaRPr lang="en-US" sz="400" dirty="0">
+              <a:gradFill>
+                <a:gsLst>
+                  <a:gs pos="0">
+                    <a:prstClr val="black"/>
+                  </a:gs>
+                  <a:gs pos="100000">
+                    <a:prstClr val="black"/>
+                  </a:gs>
+                </a:gsLst>
+                <a:lin ang="5400000" scaled="0"/>
+              </a:gradFill>
+              <a:latin typeface="Segoe UI" pitchFamily="34" charset="0"/>
+              <a:ea typeface="Segoe UI" pitchFamily="34" charset="0"/>
+              <a:cs typeface="Segoe UI" pitchFamily="34" charset="0"/>
+            </a:endParaRPr>
+          </a:p>
+        </p:txBody>
+      </p:sp>
+      <p:sp>
+        <p:nvSpPr>
+          <p:cNvPr id="6" name="Date Placeholder 5"/>
+          <p:cNvSpPr>
+            <a:spLocks noGrp="1"/>
+          </p:cNvSpPr>
+          <p:nvPr>
+            <p:ph type="dt" idx="12"/>
+          </p:nvPr>
+        </p:nvSpPr>
+        <p:spPr/>
+        <p:txBody>
+          <a:bodyPr/>
+          <a:lstStyle/>
+          <a:p>
+            <a:fld id="{38EEC551-8CDA-4EB6-89BB-2A86C9F091C8}" type="datetime8">
+              <a:rPr lang="en-US" smtClean="0"/>
+              <a:t>2/10/2017 9:50 AM</a:t>
+            </a:fld>
+            <a:endParaRPr lang="en-US" dirty="0"/>
+          </a:p>
+        </p:txBody>
+      </p:sp>
+      <p:sp>
+        <p:nvSpPr>
+          <p:cNvPr id="7" name="Slide Number Placeholder 6"/>
+          <p:cNvSpPr>
+            <a:spLocks noGrp="1"/>
+          </p:cNvSpPr>
+          <p:nvPr>
+            <p:ph type="sldNum" sz="quarter" idx="13"/>
+          </p:nvPr>
+        </p:nvSpPr>
+        <p:spPr/>
+        <p:txBody>
+          <a:bodyPr/>
+          <a:lstStyle/>
+          <a:p>
+            <a:fld id="{B4008EB6-D09E-4580-8CD6-DDB14511944F}" type="slidenum">
+              <a:rPr lang="en-US" smtClean="0"/>
+              <a:pPr/>
+              <a:t>12</a:t>
+            </a:fld>
+            <a:endParaRPr lang="en-US" dirty="0"/>
+          </a:p>
+        </p:txBody>
+      </p:sp>
+    </p:spTree>
+    <p:extLst>
+      <p:ext uri="{BB962C8B-B14F-4D97-AF65-F5344CB8AC3E}">
+        <p14:creationId xmlns:p14="http://schemas.microsoft.com/office/powerpoint/2010/main" val="2316521493"/>
+      </p:ext>
+    </p:extLst>
+  </p:cSld>
+  <p:clrMapOvr>
+    <a:masterClrMapping/>
+  </p:clrMapOvr>
+</p:notes>
+</file>
+
+<file path=ppt/notesSlides/notesSlide13.xml><?xml version="1.0" encoding="utf-8"?>
+<p:notes xmlns:a="http://schemas.openxmlformats.org/drawingml/2006/main" xmlns:r="http://schemas.openxmlformats.org/officeDocument/2006/relationships" xmlns:p="http://schemas.openxmlformats.org/presentationml/2006/main">
+  <p:cSld>
+    <p:spTree>
+      <p:nvGrpSpPr>
+        <p:cNvPr id="1" name=""/>
+        <p:cNvGrpSpPr/>
+        <p:nvPr/>
+      </p:nvGrpSpPr>
+      <p:grpSpPr>
+        <a:xfrm>
+          <a:off x="0" y="0"/>
+          <a:ext cx="0" cy="0"/>
+          <a:chOff x="0" y="0"/>
+          <a:chExt cx="0" cy="0"/>
+        </a:xfrm>
+      </p:grpSpPr>
+      <p:sp>
+        <p:nvSpPr>
+          <p:cNvPr id="2" name="Slide Image Placeholder 1"/>
+          <p:cNvSpPr>
+            <a:spLocks noGrp="1" noRot="1" noChangeAspect="1"/>
+          </p:cNvSpPr>
+          <p:nvPr>
+            <p:ph type="sldImg"/>
+          </p:nvPr>
+        </p:nvSpPr>
+        <p:spPr/>
+      </p:sp>
+      <p:sp>
+        <p:nvSpPr>
+          <p:cNvPr id="3" name="Notes Placeholder 2"/>
+          <p:cNvSpPr>
+            <a:spLocks noGrp="1"/>
+          </p:cNvSpPr>
+          <p:nvPr>
+            <p:ph type="body" idx="1"/>
+          </p:nvPr>
+        </p:nvSpPr>
+        <p:spPr/>
+        <p:txBody>
+          <a:bodyPr/>
+          <a:lstStyle/>
+          <a:p>
+            <a:endParaRPr lang="en-US" dirty="0"/>
+          </a:p>
+        </p:txBody>
+      </p:sp>
+      <p:sp>
+        <p:nvSpPr>
+          <p:cNvPr id="4" name="Header Placeholder 3"/>
+          <p:cNvSpPr>
+            <a:spLocks noGrp="1"/>
+          </p:cNvSpPr>
+          <p:nvPr>
+            <p:ph type="hdr" sz="quarter" idx="10"/>
+          </p:nvPr>
+        </p:nvSpPr>
+        <p:spPr/>
+        <p:txBody>
+          <a:bodyPr/>
+          <a:lstStyle/>
+          <a:p>
+            <a:pPr marL="0" marR="0" lvl="0" indent="0" defTabSz="914400" eaLnBrk="1" fontAlgn="auto" latinLnBrk="0" hangingPunct="1">
+              <a:lnSpc>
+                <a:spcPct val="100000"/>
+              </a:lnSpc>
+              <a:spcBef>
+                <a:spcPts val="0"/>
+              </a:spcBef>
+              <a:spcAft>
+                <a:spcPts val="0"/>
+              </a:spcAft>
+              <a:buClrTx/>
+              <a:buSzTx/>
+              <a:buFontTx/>
+              <a:buNone/>
+              <a:tabLst/>
+              <a:defRPr/>
+            </a:pPr>
+            <a:endParaRPr kumimoji="0" lang="en-US" sz="1800" b="0" i="0" u="none" strike="noStrike" kern="0" cap="none" spc="0" normalizeH="0" baseline="0" noProof="0" dirty="0">
+              <a:ln>
+                <a:noFill/>
+              </a:ln>
+              <a:solidFill>
+                <a:sysClr val="windowText" lastClr="000000"/>
+              </a:solidFill>
+              <a:effectLst/>
+              <a:uLnTx/>
+              <a:uFillTx/>
+            </a:endParaRPr>
+          </a:p>
+        </p:txBody>
+      </p:sp>
+      <p:sp>
+        <p:nvSpPr>
+          <p:cNvPr id="5" name="Footer Placeholder 4"/>
+          <p:cNvSpPr>
+            <a:spLocks noGrp="1"/>
+          </p:cNvSpPr>
+          <p:nvPr>
+            <p:ph type="ftr" sz="quarter" idx="11"/>
+          </p:nvPr>
+        </p:nvSpPr>
+        <p:spPr/>
+        <p:txBody>
+          <a:bodyPr/>
+          <a:lstStyle/>
+          <a:p>
+            <a:pPr marL="0" marR="0" lvl="0" indent="0" defTabSz="914099" eaLnBrk="0" fontAlgn="auto" latinLnBrk="0" hangingPunct="0">
+              <a:lnSpc>
+                <a:spcPct val="100000"/>
+              </a:lnSpc>
+              <a:spcBef>
+                <a:spcPts val="0"/>
+              </a:spcBef>
+              <a:spcAft>
+                <a:spcPts val="0"/>
+              </a:spcAft>
+              <a:buClrTx/>
+              <a:buSzTx/>
+              <a:buFontTx/>
+              <a:buNone/>
+              <a:tabLst/>
+              <a:defRPr/>
+            </a:pPr>
+            <a:r>
+              <a:rPr kumimoji="0" lang="en-US" sz="400" b="0" i="0" u="none" strike="noStrike" kern="0" cap="none" spc="0" normalizeH="0" baseline="0" noProof="0" dirty="0">
+                <a:ln>
+                  <a:noFill/>
+                </a:ln>
+                <a:gradFill>
+                  <a:gsLst>
+                    <a:gs pos="0">
+                      <a:prstClr val="black"/>
+                    </a:gs>
+                    <a:gs pos="100000">
+                      <a:prstClr val="black"/>
+                    </a:gs>
+                  </a:gsLst>
+                  <a:lin ang="5400000" scaled="0"/>
+                </a:gradFill>
+                <a:effectLst/>
+                <a:uLnTx/>
+                <a:uFillTx/>
+                <a:latin typeface="Segoe UI" pitchFamily="34" charset="0"/>
+                <a:ea typeface="Segoe UI" pitchFamily="34" charset="0"/>
+                <a:cs typeface="Segoe UI" pitchFamily="34" charset="0"/>
+              </a:rPr>
+              <a:t>© 2014 Microsoft Corporation. All rights reserved. MICROSOFT MAKES NO WARRANTIES, EXPRESS, IMPLIED OR STATUTORY, AS TO THE INFORMATION IN THIS PRESENTATION.</a:t>
+            </a:r>
+          </a:p>
+        </p:txBody>
+      </p:sp>
+      <p:sp>
+        <p:nvSpPr>
+          <p:cNvPr id="6" name="Date Placeholder 5"/>
+          <p:cNvSpPr>
+            <a:spLocks noGrp="1"/>
+          </p:cNvSpPr>
+          <p:nvPr>
+            <p:ph type="dt" idx="12"/>
+          </p:nvPr>
+        </p:nvSpPr>
+        <p:spPr/>
+        <p:txBody>
+          <a:bodyPr/>
+          <a:lstStyle/>
+          <a:p>
+            <a:pPr marL="0" marR="0" lvl="0" indent="0" defTabSz="914400" eaLnBrk="1" fontAlgn="auto" latinLnBrk="0" hangingPunct="1">
+              <a:lnSpc>
+                <a:spcPct val="100000"/>
+              </a:lnSpc>
+              <a:spcBef>
+                <a:spcPts val="0"/>
+              </a:spcBef>
+              <a:spcAft>
+                <a:spcPts val="0"/>
+              </a:spcAft>
+              <a:buClrTx/>
+              <a:buSzTx/>
+              <a:buFontTx/>
+              <a:buNone/>
+              <a:tabLst/>
+              <a:defRPr/>
+            </a:pPr>
+            <a:fld id="{7D10C09F-FCA1-48C8-B40D-42E1045D109E}" type="datetime8">
+              <a:rPr kumimoji="0" lang="en-US" sz="1800" b="0" i="0" u="none" strike="noStrike" kern="0" cap="none" spc="0" normalizeH="0" baseline="0" noProof="0" smtClean="0">
+                <a:ln>
+                  <a:noFill/>
+                </a:ln>
+                <a:solidFill>
+                  <a:sysClr val="windowText" lastClr="000000"/>
+                </a:solidFill>
+                <a:effectLst/>
+                <a:uLnTx/>
+                <a:uFillTx/>
+              </a:rPr>
+              <a:pPr marL="0" marR="0" lvl="0" indent="0" defTabSz="914400" eaLnBrk="1" fontAlgn="auto" latinLnBrk="0" hangingPunct="1">
+                <a:lnSpc>
+                  <a:spcPct val="100000"/>
+                </a:lnSpc>
+                <a:spcBef>
+                  <a:spcPts val="0"/>
+                </a:spcBef>
+                <a:spcAft>
+                  <a:spcPts val="0"/>
+                </a:spcAft>
+                <a:buClrTx/>
+                <a:buSzTx/>
+                <a:buFontTx/>
+                <a:buNone/>
+                <a:tabLst/>
+                <a:defRPr/>
+              </a:pPr>
+              <a:t>2/10/2017 9:47 AM</a:t>
+            </a:fld>
+            <a:endParaRPr kumimoji="0" lang="en-US" sz="1800" b="0" i="0" u="none" strike="noStrike" kern="0" cap="none" spc="0" normalizeH="0" baseline="0" noProof="0" dirty="0">
+              <a:ln>
+                <a:noFill/>
+              </a:ln>
+              <a:solidFill>
+                <a:sysClr val="windowText" lastClr="000000"/>
+              </a:solidFill>
+              <a:effectLst/>
+              <a:uLnTx/>
+              <a:uFillTx/>
+            </a:endParaRPr>
+          </a:p>
+        </p:txBody>
+      </p:sp>
+      <p:sp>
+        <p:nvSpPr>
+          <p:cNvPr id="7" name="Slide Number Placeholder 6"/>
+          <p:cNvSpPr>
+            <a:spLocks noGrp="1"/>
+          </p:cNvSpPr>
+          <p:nvPr>
+            <p:ph type="sldNum" sz="quarter" idx="13"/>
+          </p:nvPr>
+        </p:nvSpPr>
+        <p:spPr/>
+        <p:txBody>
+          <a:bodyPr/>
+          <a:lstStyle/>
+          <a:p>
+            <a:pPr marL="0" marR="0" lvl="0" indent="0" defTabSz="914400" eaLnBrk="1" fontAlgn="auto" latinLnBrk="0" hangingPunct="1">
+              <a:lnSpc>
+                <a:spcPct val="100000"/>
+              </a:lnSpc>
+              <a:spcBef>
+                <a:spcPts val="0"/>
+              </a:spcBef>
+              <a:spcAft>
+                <a:spcPts val="0"/>
+              </a:spcAft>
+              <a:buClrTx/>
+              <a:buSzTx/>
+              <a:buFontTx/>
+              <a:buNone/>
+              <a:tabLst/>
+              <a:defRPr/>
+            </a:pPr>
+            <a:fld id="{B4008EB6-D09E-4580-8CD6-DDB14511944F}" type="slidenum">
+              <a:rPr kumimoji="0" lang="en-US" sz="1800" b="0" i="0" u="none" strike="noStrike" kern="0" cap="none" spc="0" normalizeH="0" baseline="0" noProof="0" smtClean="0">
+                <a:ln>
+                  <a:noFill/>
+                </a:ln>
+                <a:solidFill>
+                  <a:sysClr val="windowText" lastClr="000000"/>
+                </a:solidFill>
+                <a:effectLst/>
+                <a:uLnTx/>
+                <a:uFillTx/>
+              </a:rPr>
+              <a:pPr marL="0" marR="0" lvl="0" indent="0" defTabSz="914400" eaLnBrk="1" fontAlgn="auto" latinLnBrk="0" hangingPunct="1">
+                <a:lnSpc>
+                  <a:spcPct val="100000"/>
+                </a:lnSpc>
+                <a:spcBef>
+                  <a:spcPts val="0"/>
+                </a:spcBef>
+                <a:spcAft>
+                  <a:spcPts val="0"/>
+                </a:spcAft>
+                <a:buClrTx/>
+                <a:buSzTx/>
+                <a:buFontTx/>
+                <a:buNone/>
+                <a:tabLst/>
+                <a:defRPr/>
+              </a:pPr>
+              <a:t>13</a:t>
+            </a:fld>
+            <a:endParaRPr kumimoji="0" lang="en-US" sz="1800" b="0" i="0" u="none" strike="noStrike" kern="0" cap="none" spc="0" normalizeH="0" baseline="0" noProof="0" dirty="0">
+              <a:ln>
+                <a:noFill/>
+              </a:ln>
+              <a:solidFill>
+                <a:sysClr val="windowText" lastClr="000000"/>
+              </a:solidFill>
+              <a:effectLst/>
+              <a:uLnTx/>
+              <a:uFillTx/>
+            </a:endParaRPr>
+          </a:p>
+        </p:txBody>
+      </p:sp>
+    </p:spTree>
+    <p:extLst>
+      <p:ext uri="{BB962C8B-B14F-4D97-AF65-F5344CB8AC3E}">
+        <p14:creationId xmlns:p14="http://schemas.microsoft.com/office/powerpoint/2010/main" val="1424257584"/>
+      </p:ext>
+    </p:extLst>
+  </p:cSld>
+  <p:clrMapOvr>
+    <a:masterClrMapping/>
+  </p:clrMapOvr>
+</p:notes>
+</file>
+
+<file path=ppt/notesSlides/notesSlide14.xml><?xml version="1.0" encoding="utf-8"?>
+<p:notes xmlns:a="http://schemas.openxmlformats.org/drawingml/2006/main" xmlns:r="http://schemas.openxmlformats.org/officeDocument/2006/relationships" xmlns:p="http://schemas.openxmlformats.org/presentationml/2006/main">
+  <p:cSld>
+    <p:spTree>
+      <p:nvGrpSpPr>
+        <p:cNvPr id="1" name=""/>
+        <p:cNvGrpSpPr/>
+        <p:nvPr/>
+      </p:nvGrpSpPr>
+      <p:grpSpPr>
+        <a:xfrm>
+          <a:off x="0" y="0"/>
+          <a:ext cx="0" cy="0"/>
+          <a:chOff x="0" y="0"/>
+          <a:chExt cx="0" cy="0"/>
+        </a:xfrm>
+      </p:grpSpPr>
+      <p:sp>
+        <p:nvSpPr>
+          <p:cNvPr id="2" name="Slide Image Placeholder 1"/>
+          <p:cNvSpPr>
+            <a:spLocks noGrp="1" noRot="1" noChangeAspect="1"/>
+          </p:cNvSpPr>
+          <p:nvPr>
+            <p:ph type="sldImg"/>
+          </p:nvPr>
+        </p:nvSpPr>
+        <p:spPr/>
+      </p:sp>
+      <p:sp>
+        <p:nvSpPr>
+          <p:cNvPr id="3" name="Notes Placeholder 2"/>
+          <p:cNvSpPr>
+            <a:spLocks noGrp="1"/>
+          </p:cNvSpPr>
+          <p:nvPr>
+            <p:ph type="body" idx="1"/>
+          </p:nvPr>
+        </p:nvSpPr>
+        <p:spPr/>
+        <p:txBody>
+          <a:bodyPr/>
+          <a:lstStyle/>
+          <a:p>
+            <a:endParaRPr lang="en-US"/>
+          </a:p>
+        </p:txBody>
+      </p:sp>
+      <p:sp>
+        <p:nvSpPr>
+          <p:cNvPr id="4" name="Header Placeholder 3"/>
+          <p:cNvSpPr>
+            <a:spLocks noGrp="1"/>
+          </p:cNvSpPr>
+          <p:nvPr>
+            <p:ph type="hdr" sz="quarter" idx="10"/>
+          </p:nvPr>
+        </p:nvSpPr>
+        <p:spPr/>
+        <p:txBody>
+          <a:bodyPr/>
+          <a:lstStyle/>
+          <a:p>
+            <a:r>
+              <a:rPr lang="en-US"/>
+              <a:t>Microsoft 2016</a:t>
+            </a:r>
+            <a:endParaRPr lang="en-US" dirty="0"/>
+          </a:p>
+        </p:txBody>
+      </p:sp>
+      <p:sp>
+        <p:nvSpPr>
+          <p:cNvPr id="5" name="Footer Placeholder 4"/>
+          <p:cNvSpPr>
+            <a:spLocks noGrp="1"/>
+          </p:cNvSpPr>
+          <p:nvPr>
+            <p:ph type="ftr" sz="quarter" idx="11"/>
+          </p:nvPr>
+        </p:nvSpPr>
+        <p:spPr/>
+        <p:txBody>
+          <a:bodyPr/>
+          <a:lstStyle/>
+          <a:p>
+            <a:pPr defTabSz="914099" eaLnBrk="0" hangingPunct="0"/>
+            <a:r>
+              <a:rPr lang="en-US" sz="400">
+                <a:gradFill>
+                  <a:gsLst>
+                    <a:gs pos="0">
+                      <a:prstClr val="black"/>
+                    </a:gs>
+                    <a:gs pos="100000">
+                      <a:prstClr val="black"/>
+                    </a:gs>
+                  </a:gsLst>
+                  <a:lin ang="5400000" scaled="0"/>
+                </a:gradFill>
+                <a:latin typeface="Segoe UI" pitchFamily="34" charset="0"/>
+                <a:ea typeface="Segoe UI" pitchFamily="34" charset="0"/>
+                <a:cs typeface="Segoe UI" pitchFamily="34" charset="0"/>
+              </a:rPr>
+              <a:t>© 2016 Microsoft Corporation. All rights reserved. MICROSOFT MAKES NO WARRANTIES, EXPRESS, IMPLIED OR STATUTORY, AS TO THE INFORMATION IN THIS PRESENTATION.</a:t>
+            </a:r>
+            <a:endParaRPr lang="en-US" sz="400" dirty="0">
+              <a:gradFill>
+                <a:gsLst>
+                  <a:gs pos="0">
+                    <a:prstClr val="black"/>
+                  </a:gs>
+                  <a:gs pos="100000">
+                    <a:prstClr val="black"/>
+                  </a:gs>
+                </a:gsLst>
+                <a:lin ang="5400000" scaled="0"/>
+              </a:gradFill>
+              <a:latin typeface="Segoe UI" pitchFamily="34" charset="0"/>
+              <a:ea typeface="Segoe UI" pitchFamily="34" charset="0"/>
+              <a:cs typeface="Segoe UI" pitchFamily="34" charset="0"/>
+            </a:endParaRPr>
+          </a:p>
+        </p:txBody>
+      </p:sp>
+      <p:sp>
+        <p:nvSpPr>
+          <p:cNvPr id="6" name="Date Placeholder 5"/>
+          <p:cNvSpPr>
+            <a:spLocks noGrp="1"/>
+          </p:cNvSpPr>
+          <p:nvPr>
+            <p:ph type="dt" idx="12"/>
+          </p:nvPr>
+        </p:nvSpPr>
+        <p:spPr/>
+        <p:txBody>
+          <a:bodyPr/>
+          <a:lstStyle/>
+          <a:p>
+            <a:fld id="{38EEC551-8CDA-4EB6-89BB-2A86C9F091C8}" type="datetime8">
+              <a:rPr lang="en-US" smtClean="0"/>
+              <a:t>2/10/2017 9:50 AM</a:t>
+            </a:fld>
+            <a:endParaRPr lang="en-US" dirty="0"/>
+          </a:p>
+        </p:txBody>
+      </p:sp>
+      <p:sp>
+        <p:nvSpPr>
+          <p:cNvPr id="7" name="Slide Number Placeholder 6"/>
+          <p:cNvSpPr>
+            <a:spLocks noGrp="1"/>
+          </p:cNvSpPr>
+          <p:nvPr>
+            <p:ph type="sldNum" sz="quarter" idx="13"/>
+          </p:nvPr>
+        </p:nvSpPr>
+        <p:spPr/>
+        <p:txBody>
+          <a:bodyPr/>
+          <a:lstStyle/>
+          <a:p>
+            <a:fld id="{B4008EB6-D09E-4580-8CD6-DDB14511944F}" type="slidenum">
+              <a:rPr lang="en-US" smtClean="0"/>
+              <a:pPr/>
+              <a:t>14</a:t>
+            </a:fld>
+            <a:endParaRPr lang="en-US" dirty="0"/>
+          </a:p>
+        </p:txBody>
+      </p:sp>
+    </p:spTree>
+    <p:extLst>
+      <p:ext uri="{BB962C8B-B14F-4D97-AF65-F5344CB8AC3E}">
+        <p14:creationId xmlns:p14="http://schemas.microsoft.com/office/powerpoint/2010/main" val="3636838499"/>
+      </p:ext>
+    </p:extLst>
+  </p:cSld>
+  <p:clrMapOvr>
+    <a:masterClrMapping/>
+  </p:clrMapOvr>
+</p:notes>
+</file>
+
+<file path=ppt/notesSlides/notesSlide15.xml><?xml version="1.0" encoding="utf-8"?>
+<p:notes xmlns:a="http://schemas.openxmlformats.org/drawingml/2006/main" xmlns:r="http://schemas.openxmlformats.org/officeDocument/2006/relationships" xmlns:p="http://schemas.openxmlformats.org/presentationml/2006/main">
+  <p:cSld>
+    <p:spTree>
+      <p:nvGrpSpPr>
+        <p:cNvPr id="1" name=""/>
+        <p:cNvGrpSpPr/>
+        <p:nvPr/>
+      </p:nvGrpSpPr>
+      <p:grpSpPr>
+        <a:xfrm>
+          <a:off x="0" y="0"/>
+          <a:ext cx="0" cy="0"/>
+          <a:chOff x="0" y="0"/>
+          <a:chExt cx="0" cy="0"/>
+        </a:xfrm>
+      </p:grpSpPr>
+      <p:sp>
+        <p:nvSpPr>
+          <p:cNvPr id="2" name="Slide Image Placeholder 1"/>
+          <p:cNvSpPr>
+            <a:spLocks noGrp="1" noRot="1" noChangeAspect="1"/>
+          </p:cNvSpPr>
+          <p:nvPr>
+            <p:ph type="sldImg"/>
+          </p:nvPr>
+        </p:nvSpPr>
+        <p:spPr/>
+      </p:sp>
+      <p:sp>
+        <p:nvSpPr>
+          <p:cNvPr id="3" name="Notes Placeholder 2"/>
+          <p:cNvSpPr>
+            <a:spLocks noGrp="1"/>
+          </p:cNvSpPr>
+          <p:nvPr>
+            <p:ph type="body" idx="1"/>
+          </p:nvPr>
+        </p:nvSpPr>
+        <p:spPr/>
+        <p:txBody>
+          <a:bodyPr/>
+          <a:lstStyle/>
+          <a:p>
+            <a:endParaRPr lang="en-US" dirty="0"/>
+          </a:p>
+        </p:txBody>
+      </p:sp>
+      <p:sp>
+        <p:nvSpPr>
+          <p:cNvPr id="4" name="Header Placeholder 3"/>
+          <p:cNvSpPr>
+            <a:spLocks noGrp="1"/>
+          </p:cNvSpPr>
+          <p:nvPr>
+            <p:ph type="hdr" sz="quarter" idx="10"/>
+          </p:nvPr>
+        </p:nvSpPr>
+        <p:spPr/>
+        <p:txBody>
+          <a:bodyPr/>
+          <a:lstStyle/>
+          <a:p>
+            <a:pPr marL="0" marR="0" lvl="0" indent="0" defTabSz="914400" eaLnBrk="1" fontAlgn="auto" latinLnBrk="0" hangingPunct="1">
+              <a:lnSpc>
+                <a:spcPct val="100000"/>
+              </a:lnSpc>
+              <a:spcBef>
+                <a:spcPts val="0"/>
+              </a:spcBef>
+              <a:spcAft>
+                <a:spcPts val="0"/>
+              </a:spcAft>
+              <a:buClrTx/>
+              <a:buSzTx/>
+              <a:buFontTx/>
+              <a:buNone/>
+              <a:tabLst/>
+              <a:defRPr/>
+            </a:pPr>
+            <a:endParaRPr kumimoji="0" lang="en-US" sz="1800" b="0" i="0" u="none" strike="noStrike" kern="0" cap="none" spc="0" normalizeH="0" baseline="0" noProof="0" dirty="0">
+              <a:ln>
+                <a:noFill/>
+              </a:ln>
+              <a:solidFill>
+                <a:sysClr val="windowText" lastClr="000000"/>
+              </a:solidFill>
+              <a:effectLst/>
+              <a:uLnTx/>
+              <a:uFillTx/>
+            </a:endParaRPr>
+          </a:p>
+        </p:txBody>
+      </p:sp>
+      <p:sp>
+        <p:nvSpPr>
+          <p:cNvPr id="5" name="Footer Placeholder 4"/>
+          <p:cNvSpPr>
+            <a:spLocks noGrp="1"/>
+          </p:cNvSpPr>
+          <p:nvPr>
+            <p:ph type="ftr" sz="quarter" idx="11"/>
+          </p:nvPr>
+        </p:nvSpPr>
+        <p:spPr/>
+        <p:txBody>
+          <a:bodyPr/>
+          <a:lstStyle/>
+          <a:p>
+            <a:pPr marL="0" marR="0" lvl="0" indent="0" defTabSz="914099" eaLnBrk="0" fontAlgn="auto" latinLnBrk="0" hangingPunct="0">
+              <a:lnSpc>
+                <a:spcPct val="100000"/>
+              </a:lnSpc>
+              <a:spcBef>
+                <a:spcPts val="0"/>
+              </a:spcBef>
+              <a:spcAft>
+                <a:spcPts val="0"/>
+              </a:spcAft>
+              <a:buClrTx/>
+              <a:buSzTx/>
+              <a:buFontTx/>
+              <a:buNone/>
+              <a:tabLst/>
+              <a:defRPr/>
+            </a:pPr>
+            <a:r>
+              <a:rPr kumimoji="0" lang="en-US" sz="400" b="0" i="0" u="none" strike="noStrike" kern="0" cap="none" spc="0" normalizeH="0" baseline="0" noProof="0" dirty="0">
+                <a:ln>
+                  <a:noFill/>
+                </a:ln>
+                <a:gradFill>
+                  <a:gsLst>
+                    <a:gs pos="0">
+                      <a:prstClr val="black"/>
+                    </a:gs>
+                    <a:gs pos="100000">
+                      <a:prstClr val="black"/>
+                    </a:gs>
+                  </a:gsLst>
+                  <a:lin ang="5400000" scaled="0"/>
+                </a:gradFill>
+                <a:effectLst/>
+                <a:uLnTx/>
+                <a:uFillTx/>
+                <a:latin typeface="Segoe UI" pitchFamily="34" charset="0"/>
+                <a:ea typeface="Segoe UI" pitchFamily="34" charset="0"/>
+                <a:cs typeface="Segoe UI" pitchFamily="34" charset="0"/>
+              </a:rPr>
+              <a:t>© 2014 Microsoft Corporation. All rights reserved. MICROSOFT MAKES NO WARRANTIES, EXPRESS, IMPLIED OR STATUTORY, AS TO THE INFORMATION IN THIS PRESENTATION.</a:t>
+            </a:r>
+          </a:p>
+        </p:txBody>
+      </p:sp>
+      <p:sp>
+        <p:nvSpPr>
+          <p:cNvPr id="6" name="Date Placeholder 5"/>
+          <p:cNvSpPr>
+            <a:spLocks noGrp="1"/>
+          </p:cNvSpPr>
+          <p:nvPr>
+            <p:ph type="dt" idx="12"/>
+          </p:nvPr>
+        </p:nvSpPr>
+        <p:spPr/>
+        <p:txBody>
+          <a:bodyPr/>
+          <a:lstStyle/>
+          <a:p>
+            <a:pPr marL="0" marR="0" lvl="0" indent="0" defTabSz="914400" eaLnBrk="1" fontAlgn="auto" latinLnBrk="0" hangingPunct="1">
+              <a:lnSpc>
+                <a:spcPct val="100000"/>
+              </a:lnSpc>
+              <a:spcBef>
+                <a:spcPts val="0"/>
+              </a:spcBef>
+              <a:spcAft>
+                <a:spcPts val="0"/>
+              </a:spcAft>
+              <a:buClrTx/>
+              <a:buSzTx/>
+              <a:buFontTx/>
+              <a:buNone/>
+              <a:tabLst/>
+              <a:defRPr/>
+            </a:pPr>
+            <a:fld id="{7D10C09F-FCA1-48C8-B40D-42E1045D109E}" type="datetime8">
+              <a:rPr kumimoji="0" lang="en-US" sz="1800" b="0" i="0" u="none" strike="noStrike" kern="0" cap="none" spc="0" normalizeH="0" baseline="0" noProof="0" smtClean="0">
+                <a:ln>
+                  <a:noFill/>
+                </a:ln>
+                <a:solidFill>
+                  <a:sysClr val="windowText" lastClr="000000"/>
+                </a:solidFill>
+                <a:effectLst/>
+                <a:uLnTx/>
+                <a:uFillTx/>
+              </a:rPr>
+              <a:pPr marL="0" marR="0" lvl="0" indent="0" defTabSz="914400" eaLnBrk="1" fontAlgn="auto" latinLnBrk="0" hangingPunct="1">
+                <a:lnSpc>
+                  <a:spcPct val="100000"/>
+                </a:lnSpc>
+                <a:spcBef>
+                  <a:spcPts val="0"/>
+                </a:spcBef>
+                <a:spcAft>
+                  <a:spcPts val="0"/>
+                </a:spcAft>
+                <a:buClrTx/>
+                <a:buSzTx/>
+                <a:buFontTx/>
+                <a:buNone/>
+                <a:tabLst/>
+                <a:defRPr/>
+              </a:pPr>
+              <a:t>2/10/2017 8:49 AM</a:t>
+            </a:fld>
+            <a:endParaRPr kumimoji="0" lang="en-US" sz="1800" b="0" i="0" u="none" strike="noStrike" kern="0" cap="none" spc="0" normalizeH="0" baseline="0" noProof="0" dirty="0">
+              <a:ln>
+                <a:noFill/>
+              </a:ln>
+              <a:solidFill>
+                <a:sysClr val="windowText" lastClr="000000"/>
+              </a:solidFill>
+              <a:effectLst/>
+              <a:uLnTx/>
+              <a:uFillTx/>
+            </a:endParaRPr>
+          </a:p>
+        </p:txBody>
+      </p:sp>
+      <p:sp>
+        <p:nvSpPr>
+          <p:cNvPr id="7" name="Slide Number Placeholder 6"/>
+          <p:cNvSpPr>
+            <a:spLocks noGrp="1"/>
+          </p:cNvSpPr>
+          <p:nvPr>
+            <p:ph type="sldNum" sz="quarter" idx="13"/>
+          </p:nvPr>
+        </p:nvSpPr>
+        <p:spPr/>
+        <p:txBody>
+          <a:bodyPr/>
+          <a:lstStyle/>
+          <a:p>
+            <a:pPr marL="0" marR="0" lvl="0" indent="0" defTabSz="914400" eaLnBrk="1" fontAlgn="auto" latinLnBrk="0" hangingPunct="1">
+              <a:lnSpc>
+                <a:spcPct val="100000"/>
+              </a:lnSpc>
+              <a:spcBef>
+                <a:spcPts val="0"/>
+              </a:spcBef>
+              <a:spcAft>
+                <a:spcPts val="0"/>
+              </a:spcAft>
+              <a:buClrTx/>
+              <a:buSzTx/>
+              <a:buFontTx/>
+              <a:buNone/>
+              <a:tabLst/>
+              <a:defRPr/>
+            </a:pPr>
+            <a:fld id="{B4008EB6-D09E-4580-8CD6-DDB14511944F}" type="slidenum">
+              <a:rPr kumimoji="0" lang="en-US" sz="1800" b="0" i="0" u="none" strike="noStrike" kern="0" cap="none" spc="0" normalizeH="0" baseline="0" noProof="0" smtClean="0">
+                <a:ln>
+                  <a:noFill/>
+                </a:ln>
+                <a:solidFill>
+                  <a:sysClr val="windowText" lastClr="000000"/>
+                </a:solidFill>
+                <a:effectLst/>
+                <a:uLnTx/>
+                <a:uFillTx/>
+              </a:rPr>
+              <a:pPr marL="0" marR="0" lvl="0" indent="0" defTabSz="914400" eaLnBrk="1" fontAlgn="auto" latinLnBrk="0" hangingPunct="1">
+                <a:lnSpc>
+                  <a:spcPct val="100000"/>
+                </a:lnSpc>
+                <a:spcBef>
+                  <a:spcPts val="0"/>
+                </a:spcBef>
+                <a:spcAft>
+                  <a:spcPts val="0"/>
+                </a:spcAft>
+                <a:buClrTx/>
+                <a:buSzTx/>
+                <a:buFontTx/>
+                <a:buNone/>
+                <a:tabLst/>
+                <a:defRPr/>
+              </a:pPr>
+              <a:t>15</a:t>
+            </a:fld>
+            <a:endParaRPr kumimoji="0" lang="en-US" sz="1800" b="0" i="0" u="none" strike="noStrike" kern="0" cap="none" spc="0" normalizeH="0" baseline="0" noProof="0" dirty="0">
+              <a:ln>
+                <a:noFill/>
+              </a:ln>
+              <a:solidFill>
+                <a:sysClr val="windowText" lastClr="000000"/>
+              </a:solidFill>
+              <a:effectLst/>
+              <a:uLnTx/>
+              <a:uFillTx/>
+            </a:endParaRPr>
+          </a:p>
+        </p:txBody>
+      </p:sp>
+    </p:spTree>
+    <p:extLst>
+      <p:ext uri="{BB962C8B-B14F-4D97-AF65-F5344CB8AC3E}">
+        <p14:creationId xmlns:p14="http://schemas.microsoft.com/office/powerpoint/2010/main" val="2268296688"/>
+      </p:ext>
+    </p:extLst>
+  </p:cSld>
+  <p:clrMapOvr>
+    <a:masterClrMapping/>
+  </p:clrMapOvr>
+</p:notes>
+</file>
+
+<file path=ppt/notesSlides/notesSlide16.xml><?xml version="1.0" encoding="utf-8"?>
+<p:notes xmlns:a="http://schemas.openxmlformats.org/drawingml/2006/main" xmlns:r="http://schemas.openxmlformats.org/officeDocument/2006/relationships" xmlns:p="http://schemas.openxmlformats.org/presentationml/2006/main">
+  <p:cSld>
+    <p:spTree>
+      <p:nvGrpSpPr>
+        <p:cNvPr id="1" name=""/>
+        <p:cNvGrpSpPr/>
+        <p:nvPr/>
+      </p:nvGrpSpPr>
+      <p:grpSpPr>
+        <a:xfrm>
+          <a:off x="0" y="0"/>
+          <a:ext cx="0" cy="0"/>
+          <a:chOff x="0" y="0"/>
+          <a:chExt cx="0" cy="0"/>
+        </a:xfrm>
+      </p:grpSpPr>
+      <p:sp>
+        <p:nvSpPr>
+          <p:cNvPr id="2" name="Slide Image Placeholder 1"/>
+          <p:cNvSpPr>
+            <a:spLocks noGrp="1" noRot="1" noChangeAspect="1"/>
+          </p:cNvSpPr>
+          <p:nvPr>
+            <p:ph type="sldImg"/>
+          </p:nvPr>
+        </p:nvSpPr>
+        <p:spPr/>
+      </p:sp>
+      <p:sp>
+        <p:nvSpPr>
+          <p:cNvPr id="3" name="Notes Placeholder 2"/>
+          <p:cNvSpPr>
+            <a:spLocks noGrp="1"/>
+          </p:cNvSpPr>
+          <p:nvPr>
+            <p:ph type="body" idx="1"/>
+          </p:nvPr>
+        </p:nvSpPr>
+        <p:spPr/>
+        <p:txBody>
+          <a:bodyPr/>
+          <a:lstStyle/>
+          <a:p>
+            <a:endParaRPr lang="en-US"/>
+          </a:p>
+        </p:txBody>
+      </p:sp>
+      <p:sp>
+        <p:nvSpPr>
+          <p:cNvPr id="4" name="Header Placeholder 3"/>
+          <p:cNvSpPr>
+            <a:spLocks noGrp="1"/>
+          </p:cNvSpPr>
+          <p:nvPr>
+            <p:ph type="hdr" sz="quarter" idx="10"/>
+          </p:nvPr>
+        </p:nvSpPr>
+        <p:spPr/>
+        <p:txBody>
+          <a:bodyPr/>
+          <a:lstStyle/>
+          <a:p>
+            <a:r>
+              <a:rPr lang="en-US"/>
+              <a:t>Microsoft 2016</a:t>
+            </a:r>
+            <a:endParaRPr lang="en-US" dirty="0"/>
+          </a:p>
+        </p:txBody>
+      </p:sp>
+      <p:sp>
+        <p:nvSpPr>
+          <p:cNvPr id="5" name="Footer Placeholder 4"/>
+          <p:cNvSpPr>
+            <a:spLocks noGrp="1"/>
+          </p:cNvSpPr>
+          <p:nvPr>
+            <p:ph type="ftr" sz="quarter" idx="11"/>
+          </p:nvPr>
+        </p:nvSpPr>
+        <p:spPr/>
+        <p:txBody>
+          <a:bodyPr/>
+          <a:lstStyle/>
+          <a:p>
+            <a:pPr defTabSz="914099" eaLnBrk="0" hangingPunct="0"/>
+            <a:r>
+              <a:rPr lang="en-US" sz="400">
+                <a:gradFill>
+                  <a:gsLst>
+                    <a:gs pos="0">
+                      <a:prstClr val="black"/>
+                    </a:gs>
+                    <a:gs pos="100000">
+                      <a:prstClr val="black"/>
+                    </a:gs>
+                  </a:gsLst>
+                  <a:lin ang="5400000" scaled="0"/>
+                </a:gradFill>
+                <a:latin typeface="Segoe UI" pitchFamily="34" charset="0"/>
+                <a:ea typeface="Segoe UI" pitchFamily="34" charset="0"/>
+                <a:cs typeface="Segoe UI" pitchFamily="34" charset="0"/>
+              </a:rPr>
+              <a:t>© 2016 Microsoft Corporation. All rights reserved. MICROSOFT MAKES NO WARRANTIES, EXPRESS, IMPLIED OR STATUTORY, AS TO THE INFORMATION IN THIS PRESENTATION.</a:t>
+            </a:r>
+            <a:endParaRPr lang="en-US" sz="400" dirty="0">
+              <a:gradFill>
+                <a:gsLst>
+                  <a:gs pos="0">
+                    <a:prstClr val="black"/>
+                  </a:gs>
+                  <a:gs pos="100000">
+                    <a:prstClr val="black"/>
+                  </a:gs>
+                </a:gsLst>
+                <a:lin ang="5400000" scaled="0"/>
+              </a:gradFill>
+              <a:latin typeface="Segoe UI" pitchFamily="34" charset="0"/>
+              <a:ea typeface="Segoe UI" pitchFamily="34" charset="0"/>
+              <a:cs typeface="Segoe UI" pitchFamily="34" charset="0"/>
+            </a:endParaRPr>
+          </a:p>
+        </p:txBody>
+      </p:sp>
+      <p:sp>
+        <p:nvSpPr>
+          <p:cNvPr id="6" name="Date Placeholder 5"/>
+          <p:cNvSpPr>
+            <a:spLocks noGrp="1"/>
+          </p:cNvSpPr>
+          <p:nvPr>
+            <p:ph type="dt" idx="12"/>
+          </p:nvPr>
+        </p:nvSpPr>
+        <p:spPr/>
+        <p:txBody>
+          <a:bodyPr/>
+          <a:lstStyle/>
+          <a:p>
+            <a:fld id="{38EEC551-8CDA-4EB6-89BB-2A86C9F091C8}" type="datetime8">
+              <a:rPr lang="en-US" smtClean="0"/>
+              <a:t>2/10/2017 9:20 AM</a:t>
+            </a:fld>
+            <a:endParaRPr lang="en-US" dirty="0"/>
+          </a:p>
+        </p:txBody>
+      </p:sp>
+      <p:sp>
+        <p:nvSpPr>
+          <p:cNvPr id="7" name="Slide Number Placeholder 6"/>
+          <p:cNvSpPr>
+            <a:spLocks noGrp="1"/>
+          </p:cNvSpPr>
+          <p:nvPr>
+            <p:ph type="sldNum" sz="quarter" idx="13"/>
+          </p:nvPr>
+        </p:nvSpPr>
+        <p:spPr/>
+        <p:txBody>
+          <a:bodyPr/>
+          <a:lstStyle/>
+          <a:p>
+            <a:fld id="{B4008EB6-D09E-4580-8CD6-DDB14511944F}" type="slidenum">
+              <a:rPr lang="en-US" smtClean="0"/>
+              <a:pPr/>
+              <a:t>16</a:t>
+            </a:fld>
+            <a:endParaRPr lang="en-US" dirty="0"/>
+          </a:p>
+        </p:txBody>
+      </p:sp>
+    </p:spTree>
+    <p:extLst>
+      <p:ext uri="{BB962C8B-B14F-4D97-AF65-F5344CB8AC3E}">
+        <p14:creationId xmlns:p14="http://schemas.microsoft.com/office/powerpoint/2010/main" val="3568870280"/>
       </p:ext>
     </p:extLst>
   </p:cSld>
@@ -6128,7 +7652,7 @@
                 <a:tabLst/>
                 <a:defRPr/>
               </a:pPr>
-              <a:t>2/7/2017 9:49 PM</a:t>
+              <a:t>2/10/2017 8:49 AM</a:t>
             </a:fld>
             <a:endParaRPr kumimoji="0" lang="en-US" sz="1800" b="0" i="0" u="none" strike="noStrike" kern="0" cap="none" spc="0" normalizeH="0" baseline="0" noProof="0" dirty="0">
               <a:ln>
@@ -6587,7 +8111,7 @@
                 <a:tabLst/>
                 <a:defRPr/>
               </a:pPr>
-              <a:t>2/7/2017 9:54 PM</a:t>
+              <a:t>2/10/2017 8:49 AM</a:t>
             </a:fld>
             <a:endParaRPr kumimoji="0" lang="en-US" sz="1800" b="0" i="0" u="none" strike="noStrike" kern="0" cap="none" spc="0" normalizeH="0" baseline="0" noProof="0" dirty="0">
               <a:ln>
@@ -6683,7 +8207,7 @@
     </p:spTree>
     <p:extLst>
       <p:ext uri="{BB962C8B-B14F-4D97-AF65-F5344CB8AC3E}">
-        <p14:creationId xmlns:p14="http://schemas.microsoft.com/office/powerpoint/2010/main" val="3482861809"/>
+        <p14:creationId xmlns:p14="http://schemas.microsoft.com/office/powerpoint/2010/main" val="1767742498"/>
       </p:ext>
     </p:extLst>
   </p:cSld>
@@ -6737,7 +8261,7 @@
           <a:bodyPr/>
           <a:lstStyle/>
           <a:p>
-            <a:endParaRPr lang="en-US" dirty="0"/>
+            <a:endParaRPr lang="en-US"/>
           </a:p>
         </p:txBody>
       </p:sp>
@@ -6756,34 +8280,11 @@
           <a:bodyPr/>
           <a:lstStyle/>
           <a:p>
-            <a:pPr marL="0" marR="0" lvl="0" indent="0" defTabSz="914400" eaLnBrk="1" fontAlgn="auto" latinLnBrk="0" hangingPunct="1">
-              <a:lnSpc>
-                <a:spcPct val="100000"/>
-              </a:lnSpc>
-              <a:spcBef>
-                <a:spcPts val="0"/>
-              </a:spcBef>
-              <a:spcAft>
-                <a:spcPts val="0"/>
-              </a:spcAft>
-              <a:buClrTx/>
-              <a:buSzTx/>
-              <a:buFontTx/>
-              <a:buNone/>
-              <a:tabLst/>
-              <a:defRPr/>
-            </a:pPr>
-            <a:endParaRPr kumimoji="0" lang="en-US" sz="1800" b="0" i="0" u="none" strike="noStrike" kern="0" cap="none" spc="0" normalizeH="0" baseline="0" noProof="0" dirty="0">
-              <a:ln>
-                <a:noFill/>
-              </a:ln>
-              <a:solidFill>
-                <a:sysClr val="windowText" lastClr="000000"/>
-              </a:solidFill>
-              <a:effectLst/>
-              <a:uLnTx/>
-              <a:uFillTx/>
-            </a:endParaRPr>
+            <a:r>
+              <a:rPr lang="en-US"/>
+              <a:t>Microsoft 2016</a:t>
+            </a:r>
+            <a:endParaRPr lang="en-US" dirty="0"/>
           </a:p>
         </p:txBody>
       </p:sp>
@@ -6802,28 +8303,9 @@
           <a:bodyPr/>
           <a:lstStyle/>
           <a:p>
-            <a:pPr marL="0" marR="0" lvl="0" indent="0" defTabSz="914099" eaLnBrk="0" fontAlgn="auto" latinLnBrk="0" hangingPunct="0">
-              <a:lnSpc>
-                <a:spcPct val="100000"/>
-              </a:lnSpc>
-              <a:spcBef>
-                <a:spcPts val="0"/>
-              </a:spcBef>
-              <a:spcAft>
-                <a:spcPts val="0"/>
-              </a:spcAft>
-              <a:buClrTx/>
-              <a:buSzTx/>
-              <a:buFontTx/>
-              <a:buNone/>
-              <a:tabLst/>
-              <a:defRPr/>
-            </a:pPr>
-            <a:r>
-              <a:rPr kumimoji="0" lang="en-US" sz="400" b="0" i="0" u="none" strike="noStrike" kern="0" cap="none" spc="0" normalizeH="0" baseline="0" noProof="0" dirty="0">
-                <a:ln>
-                  <a:noFill/>
-                </a:ln>
+            <a:pPr defTabSz="914099" eaLnBrk="0" hangingPunct="0"/>
+            <a:r>
+              <a:rPr lang="en-US" sz="400">
                 <a:gradFill>
                   <a:gsLst>
                     <a:gs pos="0">
@@ -6835,15 +8317,28 @@
                   </a:gsLst>
                   <a:lin ang="5400000" scaled="0"/>
                 </a:gradFill>
-                <a:effectLst/>
-                <a:uLnTx/>
-                <a:uFillTx/>
                 <a:latin typeface="Segoe UI" pitchFamily="34" charset="0"/>
                 <a:ea typeface="Segoe UI" pitchFamily="34" charset="0"/>
                 <a:cs typeface="Segoe UI" pitchFamily="34" charset="0"/>
               </a:rPr>
-              <a:t>© 2014 Microsoft Corporation. All rights reserved. MICROSOFT MAKES NO WARRANTIES, EXPRESS, IMPLIED OR STATUTORY, AS TO THE INFORMATION IN THIS PRESENTATION.</a:t>
-            </a:r>
+              <a:t>© 2016 Microsoft Corporation. All rights reserved. MICROSOFT MAKES NO WARRANTIES, EXPRESS, IMPLIED OR STATUTORY, AS TO THE INFORMATION IN THIS PRESENTATION.</a:t>
+            </a:r>
+            <a:endParaRPr lang="en-US" sz="400" dirty="0">
+              <a:gradFill>
+                <a:gsLst>
+                  <a:gs pos="0">
+                    <a:prstClr val="black"/>
+                  </a:gs>
+                  <a:gs pos="100000">
+                    <a:prstClr val="black"/>
+                  </a:gs>
+                </a:gsLst>
+                <a:lin ang="5400000" scaled="0"/>
+              </a:gradFill>
+              <a:latin typeface="Segoe UI" pitchFamily="34" charset="0"/>
+              <a:ea typeface="Segoe UI" pitchFamily="34" charset="0"/>
+              <a:cs typeface="Segoe UI" pitchFamily="34" charset="0"/>
+            </a:endParaRPr>
           </a:p>
         </p:txBody>
       </p:sp>
@@ -6862,65 +8357,11 @@
           <a:bodyPr/>
           <a:lstStyle/>
           <a:p>
-            <a:pPr marL="0" marR="0" lvl="0" indent="0" defTabSz="914400" eaLnBrk="1" fontAlgn="auto" latinLnBrk="0" hangingPunct="1">
-              <a:lnSpc>
-                <a:spcPct val="100000"/>
-              </a:lnSpc>
-              <a:spcBef>
-                <a:spcPts val="0"/>
-              </a:spcBef>
-              <a:spcAft>
-                <a:spcPts val="0"/>
-              </a:spcAft>
-              <a:buClrTx/>
-              <a:buSzTx/>
-              <a:buFontTx/>
-              <a:buNone/>
-              <a:tabLst/>
-              <a:defRPr/>
-            </a:pPr>
-            <a:fld id="{7D10C09F-FCA1-48C8-B40D-42E1045D109E}" type="datetime8">
-              <a:rPr kumimoji="0" lang="en-US" sz="1800" b="0" i="0" u="none" strike="noStrike" kern="0" cap="none" spc="0" normalizeH="0" baseline="0" noProof="0" smtClean="0">
-                <a:ln>
-                  <a:noFill/>
-                </a:ln>
-                <a:solidFill>
-                  <a:sysClr val="windowText" lastClr="000000"/>
-                </a:solidFill>
-                <a:effectLst/>
-                <a:uLnTx/>
-                <a:uFillTx/>
-              </a:rPr>
-              <a:pPr marL="0" marR="0" lvl="0" indent="0" defTabSz="914400" eaLnBrk="1" fontAlgn="auto" latinLnBrk="0" hangingPunct="1">
-                <a:lnSpc>
-                  <a:spcPct val="100000"/>
-                </a:lnSpc>
-                <a:spcBef>
-                  <a:spcPts val="0"/>
-                </a:spcBef>
-                <a:spcAft>
-                  <a:spcPts val="0"/>
-                </a:spcAft>
-                <a:buClrTx/>
-                <a:buSzTx/>
-                <a:buFontTx/>
-                <a:buNone/>
-                <a:tabLst/>
-                <a:defRPr/>
-              </a:pPr>
-              <a:t>2/7/2017 9:54 PM</a:t>
+            <a:fld id="{38EEC551-8CDA-4EB6-89BB-2A86C9F091C8}" type="datetime8">
+              <a:rPr lang="en-US" smtClean="0"/>
+              <a:t>2/10/2017 9:05 AM</a:t>
             </a:fld>
-            <a:endParaRPr kumimoji="0" lang="en-US" sz="1800" b="0" i="0" u="none" strike="noStrike" kern="0" cap="none" spc="0" normalizeH="0" baseline="0" noProof="0" dirty="0">
-              <a:ln>
-                <a:noFill/>
-              </a:ln>
-              <a:solidFill>
-                <a:sysClr val="windowText" lastClr="000000"/>
-              </a:solidFill>
-              <a:effectLst/>
-              <a:uLnTx/>
-              <a:uFillTx/>
-            </a:endParaRPr>
+            <a:endParaRPr lang="en-US" dirty="0"/>
           </a:p>
         </p:txBody>
       </p:sp>
@@ -6939,72 +8380,19 @@
           <a:bodyPr/>
           <a:lstStyle/>
           <a:p>
-            <a:pPr marL="0" marR="0" lvl="0" indent="0" defTabSz="914400" eaLnBrk="1" fontAlgn="auto" latinLnBrk="0" hangingPunct="1">
-              <a:lnSpc>
-                <a:spcPct val="100000"/>
-              </a:lnSpc>
-              <a:spcBef>
-                <a:spcPts val="0"/>
-              </a:spcBef>
-              <a:spcAft>
-                <a:spcPts val="0"/>
-              </a:spcAft>
-              <a:buClrTx/>
-              <a:buSzTx/>
-              <a:buFontTx/>
-              <a:buNone/>
-              <a:tabLst/>
-              <a:defRPr/>
-            </a:pPr>
             <a:fld id="{B4008EB6-D09E-4580-8CD6-DDB14511944F}" type="slidenum">
-              <a:rPr kumimoji="0" lang="en-US" sz="1800" b="0" i="0" u="none" strike="noStrike" kern="0" cap="none" spc="0" normalizeH="0" baseline="0" noProof="0" smtClean="0">
-                <a:ln>
-                  <a:noFill/>
-                </a:ln>
-                <a:solidFill>
-                  <a:sysClr val="windowText" lastClr="000000"/>
-                </a:solidFill>
-                <a:effectLst/>
-                <a:uLnTx/>
-                <a:uFillTx/>
-              </a:rPr>
-              <a:pPr marL="0" marR="0" lvl="0" indent="0" defTabSz="914400" eaLnBrk="1" fontAlgn="auto" latinLnBrk="0" hangingPunct="1">
-                <a:lnSpc>
-                  <a:spcPct val="100000"/>
-                </a:lnSpc>
-                <a:spcBef>
-                  <a:spcPts val="0"/>
-                </a:spcBef>
-                <a:spcAft>
-                  <a:spcPts val="0"/>
-                </a:spcAft>
-                <a:buClrTx/>
-                <a:buSzTx/>
-                <a:buFontTx/>
-                <a:buNone/>
-                <a:tabLst/>
-                <a:defRPr/>
-              </a:pPr>
+              <a:rPr lang="en-US" smtClean="0"/>
+              <a:pPr/>
               <a:t>6</a:t>
             </a:fld>
-            <a:endParaRPr kumimoji="0" lang="en-US" sz="1800" b="0" i="0" u="none" strike="noStrike" kern="0" cap="none" spc="0" normalizeH="0" baseline="0" noProof="0" dirty="0">
-              <a:ln>
-                <a:noFill/>
-              </a:ln>
-              <a:solidFill>
-                <a:sysClr val="windowText" lastClr="000000"/>
-              </a:solidFill>
-              <a:effectLst/>
-              <a:uLnTx/>
-              <a:uFillTx/>
-            </a:endParaRPr>
+            <a:endParaRPr lang="en-US" dirty="0"/>
           </a:p>
         </p:txBody>
       </p:sp>
     </p:spTree>
     <p:extLst>
       <p:ext uri="{BB962C8B-B14F-4D97-AF65-F5344CB8AC3E}">
-        <p14:creationId xmlns:p14="http://schemas.microsoft.com/office/powerpoint/2010/main" val="1767742498"/>
+        <p14:creationId xmlns:p14="http://schemas.microsoft.com/office/powerpoint/2010/main" val="391628557"/>
       </p:ext>
     </p:extLst>
   </p:cSld>
@@ -7229,7 +8617,7 @@
                 <a:tabLst/>
                 <a:defRPr/>
               </a:pPr>
-              <a:t>2/7/2017 9:42 PM</a:t>
+              <a:t>2/10/2017 9:05 AM</a:t>
             </a:fld>
             <a:endParaRPr kumimoji="0" lang="en-US" sz="1800" b="0" i="0" u="none" strike="noStrike" kern="0" cap="none" spc="0" normalizeH="0" baseline="0" noProof="0" dirty="0">
               <a:ln>
@@ -7325,7 +8713,7 @@
     </p:spTree>
     <p:extLst>
       <p:ext uri="{BB962C8B-B14F-4D97-AF65-F5344CB8AC3E}">
-        <p14:creationId xmlns:p14="http://schemas.microsoft.com/office/powerpoint/2010/main" val="3886261604"/>
+        <p14:creationId xmlns:p14="http://schemas.microsoft.com/office/powerpoint/2010/main" val="1370447276"/>
       </p:ext>
     </p:extLst>
   </p:cSld>
@@ -7379,7 +8767,7 @@
           <a:bodyPr/>
           <a:lstStyle/>
           <a:p>
-            <a:endParaRPr lang="en-US" dirty="0"/>
+            <a:endParaRPr lang="en-US"/>
           </a:p>
         </p:txBody>
       </p:sp>
@@ -7398,34 +8786,11 @@
           <a:bodyPr/>
           <a:lstStyle/>
           <a:p>
-            <a:pPr marL="0" marR="0" lvl="0" indent="0" defTabSz="914400" eaLnBrk="1" fontAlgn="auto" latinLnBrk="0" hangingPunct="1">
-              <a:lnSpc>
-                <a:spcPct val="100000"/>
-              </a:lnSpc>
-              <a:spcBef>
-                <a:spcPts val="0"/>
-              </a:spcBef>
-              <a:spcAft>
-                <a:spcPts val="0"/>
-              </a:spcAft>
-              <a:buClrTx/>
-              <a:buSzTx/>
-              <a:buFontTx/>
-              <a:buNone/>
-              <a:tabLst/>
-              <a:defRPr/>
-            </a:pPr>
-            <a:endParaRPr kumimoji="0" lang="en-US" sz="1800" b="0" i="0" u="none" strike="noStrike" kern="0" cap="none" spc="0" normalizeH="0" baseline="0" noProof="0" dirty="0">
-              <a:ln>
-                <a:noFill/>
-              </a:ln>
-              <a:solidFill>
-                <a:sysClr val="windowText" lastClr="000000"/>
-              </a:solidFill>
-              <a:effectLst/>
-              <a:uLnTx/>
-              <a:uFillTx/>
-            </a:endParaRPr>
+            <a:r>
+              <a:rPr lang="en-US"/>
+              <a:t>Microsoft 2016</a:t>
+            </a:r>
+            <a:endParaRPr lang="en-US" dirty="0"/>
           </a:p>
         </p:txBody>
       </p:sp>
@@ -7444,28 +8809,9 @@
           <a:bodyPr/>
           <a:lstStyle/>
           <a:p>
-            <a:pPr marL="0" marR="0" lvl="0" indent="0" defTabSz="914099" eaLnBrk="0" fontAlgn="auto" latinLnBrk="0" hangingPunct="0">
-              <a:lnSpc>
-                <a:spcPct val="100000"/>
-              </a:lnSpc>
-              <a:spcBef>
-                <a:spcPts val="0"/>
-              </a:spcBef>
-              <a:spcAft>
-                <a:spcPts val="0"/>
-              </a:spcAft>
-              <a:buClrTx/>
-              <a:buSzTx/>
-              <a:buFontTx/>
-              <a:buNone/>
-              <a:tabLst/>
-              <a:defRPr/>
-            </a:pPr>
-            <a:r>
-              <a:rPr kumimoji="0" lang="en-US" sz="400" b="0" i="0" u="none" strike="noStrike" kern="0" cap="none" spc="0" normalizeH="0" baseline="0" noProof="0" dirty="0">
-                <a:ln>
-                  <a:noFill/>
-                </a:ln>
+            <a:pPr defTabSz="914099" eaLnBrk="0" hangingPunct="0"/>
+            <a:r>
+              <a:rPr lang="en-US" sz="400">
                 <a:gradFill>
                   <a:gsLst>
                     <a:gs pos="0">
@@ -7477,15 +8823,28 @@
                   </a:gsLst>
                   <a:lin ang="5400000" scaled="0"/>
                 </a:gradFill>
-                <a:effectLst/>
-                <a:uLnTx/>
-                <a:uFillTx/>
                 <a:latin typeface="Segoe UI" pitchFamily="34" charset="0"/>
                 <a:ea typeface="Segoe UI" pitchFamily="34" charset="0"/>
                 <a:cs typeface="Segoe UI" pitchFamily="34" charset="0"/>
               </a:rPr>
-              <a:t>© 2014 Microsoft Corporation. All rights reserved. MICROSOFT MAKES NO WARRANTIES, EXPRESS, IMPLIED OR STATUTORY, AS TO THE INFORMATION IN THIS PRESENTATION.</a:t>
-            </a:r>
+              <a:t>© 2016 Microsoft Corporation. All rights reserved. MICROSOFT MAKES NO WARRANTIES, EXPRESS, IMPLIED OR STATUTORY, AS TO THE INFORMATION IN THIS PRESENTATION.</a:t>
+            </a:r>
+            <a:endParaRPr lang="en-US" sz="400" dirty="0">
+              <a:gradFill>
+                <a:gsLst>
+                  <a:gs pos="0">
+                    <a:prstClr val="black"/>
+                  </a:gs>
+                  <a:gs pos="100000">
+                    <a:prstClr val="black"/>
+                  </a:gs>
+                </a:gsLst>
+                <a:lin ang="5400000" scaled="0"/>
+              </a:gradFill>
+              <a:latin typeface="Segoe UI" pitchFamily="34" charset="0"/>
+              <a:ea typeface="Segoe UI" pitchFamily="34" charset="0"/>
+              <a:cs typeface="Segoe UI" pitchFamily="34" charset="0"/>
+            </a:endParaRPr>
           </a:p>
         </p:txBody>
       </p:sp>
@@ -7504,65 +8863,11 @@
           <a:bodyPr/>
           <a:lstStyle/>
           <a:p>
-            <a:pPr marL="0" marR="0" lvl="0" indent="0" defTabSz="914400" eaLnBrk="1" fontAlgn="auto" latinLnBrk="0" hangingPunct="1">
-              <a:lnSpc>
-                <a:spcPct val="100000"/>
-              </a:lnSpc>
-              <a:spcBef>
-                <a:spcPts val="0"/>
-              </a:spcBef>
-              <a:spcAft>
-                <a:spcPts val="0"/>
-              </a:spcAft>
-              <a:buClrTx/>
-              <a:buSzTx/>
-              <a:buFontTx/>
-              <a:buNone/>
-              <a:tabLst/>
-              <a:defRPr/>
-            </a:pPr>
-            <a:fld id="{7D10C09F-FCA1-48C8-B40D-42E1045D109E}" type="datetime8">
-              <a:rPr kumimoji="0" lang="en-US" sz="1800" b="0" i="0" u="none" strike="noStrike" kern="0" cap="none" spc="0" normalizeH="0" baseline="0" noProof="0" smtClean="0">
-                <a:ln>
-                  <a:noFill/>
-                </a:ln>
-                <a:solidFill>
-                  <a:sysClr val="windowText" lastClr="000000"/>
-                </a:solidFill>
-                <a:effectLst/>
-                <a:uLnTx/>
-                <a:uFillTx/>
-              </a:rPr>
-              <a:pPr marL="0" marR="0" lvl="0" indent="0" defTabSz="914400" eaLnBrk="1" fontAlgn="auto" latinLnBrk="0" hangingPunct="1">
-                <a:lnSpc>
-                  <a:spcPct val="100000"/>
-                </a:lnSpc>
-                <a:spcBef>
-                  <a:spcPts val="0"/>
-                </a:spcBef>
-                <a:spcAft>
-                  <a:spcPts val="0"/>
-                </a:spcAft>
-                <a:buClrTx/>
-                <a:buSzTx/>
-                <a:buFontTx/>
-                <a:buNone/>
-                <a:tabLst/>
-                <a:defRPr/>
-              </a:pPr>
-              <a:t>2/7/2017 9:42 PM</a:t>
+            <a:fld id="{38EEC551-8CDA-4EB6-89BB-2A86C9F091C8}" type="datetime8">
+              <a:rPr lang="en-US" smtClean="0"/>
+              <a:t>2/10/2017 9:05 AM</a:t>
             </a:fld>
-            <a:endParaRPr kumimoji="0" lang="en-US" sz="1800" b="0" i="0" u="none" strike="noStrike" kern="0" cap="none" spc="0" normalizeH="0" baseline="0" noProof="0" dirty="0">
-              <a:ln>
-                <a:noFill/>
-              </a:ln>
-              <a:solidFill>
-                <a:sysClr val="windowText" lastClr="000000"/>
-              </a:solidFill>
-              <a:effectLst/>
-              <a:uLnTx/>
-              <a:uFillTx/>
-            </a:endParaRPr>
+            <a:endParaRPr lang="en-US" dirty="0"/>
           </a:p>
         </p:txBody>
       </p:sp>
@@ -7581,72 +8886,19 @@
           <a:bodyPr/>
           <a:lstStyle/>
           <a:p>
-            <a:pPr marL="0" marR="0" lvl="0" indent="0" defTabSz="914400" eaLnBrk="1" fontAlgn="auto" latinLnBrk="0" hangingPunct="1">
-              <a:lnSpc>
-                <a:spcPct val="100000"/>
-              </a:lnSpc>
-              <a:spcBef>
-                <a:spcPts val="0"/>
-              </a:spcBef>
-              <a:spcAft>
-                <a:spcPts val="0"/>
-              </a:spcAft>
-              <a:buClrTx/>
-              <a:buSzTx/>
-              <a:buFontTx/>
-              <a:buNone/>
-              <a:tabLst/>
-              <a:defRPr/>
-            </a:pPr>
             <a:fld id="{B4008EB6-D09E-4580-8CD6-DDB14511944F}" type="slidenum">
-              <a:rPr kumimoji="0" lang="en-US" sz="1800" b="0" i="0" u="none" strike="noStrike" kern="0" cap="none" spc="0" normalizeH="0" baseline="0" noProof="0" smtClean="0">
-                <a:ln>
-                  <a:noFill/>
-                </a:ln>
-                <a:solidFill>
-                  <a:sysClr val="windowText" lastClr="000000"/>
-                </a:solidFill>
-                <a:effectLst/>
-                <a:uLnTx/>
-                <a:uFillTx/>
-              </a:rPr>
-              <a:pPr marL="0" marR="0" lvl="0" indent="0" defTabSz="914400" eaLnBrk="1" fontAlgn="auto" latinLnBrk="0" hangingPunct="1">
-                <a:lnSpc>
-                  <a:spcPct val="100000"/>
-                </a:lnSpc>
-                <a:spcBef>
-                  <a:spcPts val="0"/>
-                </a:spcBef>
-                <a:spcAft>
-                  <a:spcPts val="0"/>
-                </a:spcAft>
-                <a:buClrTx/>
-                <a:buSzTx/>
-                <a:buFontTx/>
-                <a:buNone/>
-                <a:tabLst/>
-                <a:defRPr/>
-              </a:pPr>
+              <a:rPr lang="en-US" smtClean="0"/>
+              <a:pPr/>
               <a:t>8</a:t>
             </a:fld>
-            <a:endParaRPr kumimoji="0" lang="en-US" sz="1800" b="0" i="0" u="none" strike="noStrike" kern="0" cap="none" spc="0" normalizeH="0" baseline="0" noProof="0" dirty="0">
-              <a:ln>
-                <a:noFill/>
-              </a:ln>
-              <a:solidFill>
-                <a:sysClr val="windowText" lastClr="000000"/>
-              </a:solidFill>
-              <a:effectLst/>
-              <a:uLnTx/>
-              <a:uFillTx/>
-            </a:endParaRPr>
+            <a:endParaRPr lang="en-US" dirty="0"/>
           </a:p>
         </p:txBody>
       </p:sp>
     </p:spTree>
     <p:extLst>
       <p:ext uri="{BB962C8B-B14F-4D97-AF65-F5344CB8AC3E}">
-        <p14:creationId xmlns:p14="http://schemas.microsoft.com/office/powerpoint/2010/main" val="1424257584"/>
+        <p14:creationId xmlns:p14="http://schemas.microsoft.com/office/powerpoint/2010/main" val="2859760462"/>
       </p:ext>
     </p:extLst>
   </p:cSld>
@@ -7871,7 +9123,7 @@
                 <a:tabLst/>
                 <a:defRPr/>
               </a:pPr>
-              <a:t>2/7/2017 9:56 PM</a:t>
+              <a:t>2/10/2017 8:57 AM</a:t>
             </a:fld>
             <a:endParaRPr kumimoji="0" lang="en-US" sz="1800" b="0" i="0" u="none" strike="noStrike" kern="0" cap="none" spc="0" normalizeH="0" baseline="0" noProof="0" dirty="0">
               <a:ln>
@@ -7967,7 +9219,7 @@
     </p:spTree>
     <p:extLst>
       <p:ext uri="{BB962C8B-B14F-4D97-AF65-F5344CB8AC3E}">
-        <p14:creationId xmlns:p14="http://schemas.microsoft.com/office/powerpoint/2010/main" val="2268296688"/>
+        <p14:creationId xmlns:p14="http://schemas.microsoft.com/office/powerpoint/2010/main" val="1824697971"/>
       </p:ext>
     </p:extLst>
   </p:cSld>
@@ -36170,7 +37422,521 @@
       </p:grpSpPr>
       <p:sp>
         <p:nvSpPr>
-          <p:cNvPr id="3" name="Title 2"/>
+          <p:cNvPr id="4" name="Text Placeholder 3"/>
+          <p:cNvSpPr>
+            <a:spLocks noGrp="1"/>
+          </p:cNvSpPr>
+          <p:nvPr>
+            <p:ph type="body" sz="quarter" idx="10"/>
+          </p:nvPr>
+        </p:nvSpPr>
+        <p:spPr>
+          <a:xfrm>
+            <a:off x="274639" y="449262"/>
+            <a:ext cx="11887200" cy="6205032"/>
+          </a:xfrm>
+        </p:spPr>
+        <p:txBody>
+          <a:bodyPr/>
+          <a:lstStyle/>
+          <a:p>
+            <a:r>
+              <a:rPr lang="en-US" sz="2800" dirty="0"/>
+              <a:t>Any Continuous Deployment Orchestration and release pipeline tool </a:t>
+            </a:r>
+          </a:p>
+          <a:p>
+            <a:pPr lvl="1"/>
+            <a:r>
+              <a:rPr lang="en-US" sz="2001" dirty="0"/>
+              <a:t>Jenkins</a:t>
+            </a:r>
+          </a:p>
+          <a:p>
+            <a:pPr lvl="1"/>
+            <a:r>
+              <a:rPr lang="en-US" sz="2001" dirty="0"/>
+              <a:t>Visual Studio Team Services</a:t>
+            </a:r>
+            <a:endParaRPr lang="en-US" sz="3600" dirty="0"/>
+          </a:p>
+          <a:p>
+            <a:endParaRPr lang="en-US" sz="2800" dirty="0"/>
+          </a:p>
+          <a:p>
+            <a:r>
+              <a:rPr lang="en-US" sz="2800" dirty="0"/>
+              <a:t>PowerShell - </a:t>
+            </a:r>
+            <a:r>
+              <a:rPr lang="en-US" sz="2800" dirty="0"/>
+              <a:t>PowerShell is a task automation and configuration management framework </a:t>
+            </a:r>
+            <a:endParaRPr lang="en-US" sz="2800" dirty="0"/>
+          </a:p>
+          <a:p>
+            <a:endParaRPr lang="en-US" sz="2800" dirty="0"/>
+          </a:p>
+          <a:p>
+            <a:r>
+              <a:rPr lang="en-US" sz="2800" dirty="0"/>
+              <a:t>Pester – BDD (behavior driven development) </a:t>
+            </a:r>
+            <a:r>
+              <a:rPr lang="en-US" sz="2800" dirty="0"/>
+              <a:t>based test runner for PowerShell. Pester provides a framework for running Unit, Integration and Operations Validation Tests </a:t>
+            </a:r>
+            <a:endParaRPr lang="en-US" sz="2800" dirty="0"/>
+          </a:p>
+          <a:p>
+            <a:endParaRPr lang="en-US" sz="2800" dirty="0"/>
+          </a:p>
+          <a:p>
+            <a:r>
+              <a:rPr lang="en-US" sz="2800" dirty="0"/>
+              <a:t>Git - </a:t>
+            </a:r>
+            <a:r>
+              <a:rPr lang="en-US" sz="2800" dirty="0"/>
+              <a:t>version control system (VCS) for tracking changes to test cases</a:t>
+            </a:r>
+          </a:p>
+          <a:p>
+            <a:endParaRPr lang="en-US" sz="2800" dirty="0"/>
+          </a:p>
+          <a:p>
+            <a:r>
+              <a:rPr lang="en-US" sz="2800" dirty="0"/>
+              <a:t>Operations Validation framework – framework to conduct Ops Validation</a:t>
+            </a:r>
+            <a:endParaRPr lang="en-US" sz="2800" dirty="0"/>
+          </a:p>
+        </p:txBody>
+      </p:sp>
+    </p:spTree>
+    <p:extLst>
+      <p:ext uri="{BB962C8B-B14F-4D97-AF65-F5344CB8AC3E}">
+        <p14:creationId xmlns:p14="http://schemas.microsoft.com/office/powerpoint/2010/main" val="2206851592"/>
+      </p:ext>
+    </p:extLst>
+  </p:cSld>
+  <p:clrMapOvr>
+    <a:masterClrMapping/>
+  </p:clrMapOvr>
+  <p:transition>
+    <p:fade/>
+  </p:transition>
+</p:sld>
+</file>
+
+<file path=ppt/slides/slide11.xml><?xml version="1.0" encoding="utf-8"?>
+<p:sld xmlns:a="http://schemas.openxmlformats.org/drawingml/2006/main" xmlns:r="http://schemas.openxmlformats.org/officeDocument/2006/relationships" xmlns:p="http://schemas.openxmlformats.org/presentationml/2006/main">
+  <p:cSld>
+    <p:spTree>
+      <p:nvGrpSpPr>
+        <p:cNvPr id="1" name=""/>
+        <p:cNvGrpSpPr/>
+        <p:nvPr/>
+      </p:nvGrpSpPr>
+      <p:grpSpPr>
+        <a:xfrm>
+          <a:off x="0" y="0"/>
+          <a:ext cx="0" cy="0"/>
+          <a:chOff x="0" y="0"/>
+          <a:chExt cx="0" cy="0"/>
+        </a:xfrm>
+      </p:grpSpPr>
+      <p:sp>
+        <p:nvSpPr>
+          <p:cNvPr id="2" name="Title 1"/>
+          <p:cNvSpPr>
+            <a:spLocks noGrp="1"/>
+          </p:cNvSpPr>
+          <p:nvPr>
+            <p:ph type="title"/>
+          </p:nvPr>
+        </p:nvSpPr>
+        <p:spPr>
+          <a:xfrm>
+            <a:off x="274639" y="2125663"/>
+            <a:ext cx="11887200" cy="2178545"/>
+          </a:xfrm>
+        </p:spPr>
+        <p:txBody>
+          <a:bodyPr/>
+          <a:lstStyle/>
+          <a:p>
+            <a:r>
+              <a:rPr lang="en-US" dirty="0"/>
+              <a:t>Sample Operation validation script</a:t>
+            </a:r>
+          </a:p>
+        </p:txBody>
+      </p:sp>
+    </p:spTree>
+    <p:extLst>
+      <p:ext uri="{BB962C8B-B14F-4D97-AF65-F5344CB8AC3E}">
+        <p14:creationId xmlns:p14="http://schemas.microsoft.com/office/powerpoint/2010/main" val="2099672494"/>
+      </p:ext>
+    </p:extLst>
+  </p:cSld>
+  <p:clrMapOvr>
+    <a:masterClrMapping/>
+  </p:clrMapOvr>
+  <p:transition>
+    <p:fade/>
+  </p:transition>
+</p:sld>
+</file>
+
+<file path=ppt/slides/slide12.xml><?xml version="1.0" encoding="utf-8"?>
+<p:sld xmlns:a="http://schemas.openxmlformats.org/drawingml/2006/main" xmlns:r="http://schemas.openxmlformats.org/officeDocument/2006/relationships" xmlns:p="http://schemas.openxmlformats.org/presentationml/2006/main">
+  <p:cSld>
+    <p:spTree>
+      <p:nvGrpSpPr>
+        <p:cNvPr id="1" name=""/>
+        <p:cNvGrpSpPr/>
+        <p:nvPr/>
+      </p:nvGrpSpPr>
+      <p:grpSpPr>
+        <a:xfrm>
+          <a:off x="0" y="0"/>
+          <a:ext cx="0" cy="0"/>
+          <a:chOff x="0" y="0"/>
+          <a:chExt cx="0" cy="0"/>
+        </a:xfrm>
+      </p:grpSpPr>
+      <p:pic>
+        <p:nvPicPr>
+          <p:cNvPr id="2" name="Picture 1"/>
+          <p:cNvPicPr>
+            <a:picLocks noChangeAspect="1"/>
+          </p:cNvPicPr>
+          <p:nvPr/>
+        </p:nvPicPr>
+        <p:blipFill>
+          <a:blip r:embed="rId3"/>
+          <a:stretch>
+            <a:fillRect/>
+          </a:stretch>
+        </p:blipFill>
+        <p:spPr>
+          <a:xfrm>
+            <a:off x="62542" y="1820862"/>
+            <a:ext cx="7984495" cy="3429000"/>
+          </a:xfrm>
+          <a:prstGeom prst="rect">
+            <a:avLst/>
+          </a:prstGeom>
+        </p:spPr>
+      </p:pic>
+      <p:sp>
+        <p:nvSpPr>
+          <p:cNvPr id="6" name="Text Placeholder 3"/>
+          <p:cNvSpPr txBox="1">
+            <a:spLocks/>
+          </p:cNvSpPr>
+          <p:nvPr/>
+        </p:nvSpPr>
+        <p:spPr>
+          <a:xfrm>
+            <a:off x="8047037" y="449262"/>
+            <a:ext cx="4114802" cy="5635729"/>
+          </a:xfrm>
+          <a:prstGeom prst="rect">
+            <a:avLst/>
+          </a:prstGeom>
+        </p:spPr>
+        <p:txBody>
+          <a:bodyPr/>
+          <a:lstStyle>
+            <a:lvl1pPr marL="342834" marR="0" indent="-342834" algn="l" defTabSz="932563" rtl="0" eaLnBrk="1" fontAlgn="auto" latinLnBrk="0" hangingPunct="1">
+              <a:lnSpc>
+                <a:spcPct val="90000"/>
+              </a:lnSpc>
+              <a:spcBef>
+                <a:spcPct val="20000"/>
+              </a:spcBef>
+              <a:spcAft>
+                <a:spcPts val="0"/>
+              </a:spcAft>
+              <a:buClrTx/>
+              <a:buSzPct val="90000"/>
+              <a:buFont typeface="Arial" pitchFamily="34" charset="0"/>
+              <a:buChar char="•"/>
+              <a:tabLst/>
+              <a:defRPr sz="3999" kern="1200" spc="0" baseline="0">
+                <a:gradFill>
+                  <a:gsLst>
+                    <a:gs pos="1250">
+                      <a:schemeClr val="tx1"/>
+                    </a:gs>
+                    <a:gs pos="100000">
+                      <a:schemeClr val="tx1"/>
+                    </a:gs>
+                  </a:gsLst>
+                  <a:lin ang="5400000" scaled="0"/>
+                </a:gradFill>
+                <a:latin typeface="+mj-lt"/>
+                <a:ea typeface="+mn-ea"/>
+                <a:cs typeface="+mn-cs"/>
+              </a:defRPr>
+            </a:lvl1pPr>
+            <a:lvl2pPr marL="584088" marR="0" indent="-241253" algn="l" defTabSz="932563" rtl="0" eaLnBrk="1" fontAlgn="auto" latinLnBrk="0" hangingPunct="1">
+              <a:lnSpc>
+                <a:spcPct val="90000"/>
+              </a:lnSpc>
+              <a:spcBef>
+                <a:spcPct val="20000"/>
+              </a:spcBef>
+              <a:spcAft>
+                <a:spcPts val="0"/>
+              </a:spcAft>
+              <a:buClrTx/>
+              <a:buSzPct val="90000"/>
+              <a:buFont typeface="Arial" pitchFamily="34" charset="0"/>
+              <a:buChar char="•"/>
+              <a:tabLst/>
+              <a:defRPr sz="2400" kern="1200" spc="0" baseline="0">
+                <a:gradFill>
+                  <a:gsLst>
+                    <a:gs pos="1250">
+                      <a:schemeClr val="tx1"/>
+                    </a:gs>
+                    <a:gs pos="100000">
+                      <a:schemeClr val="tx1"/>
+                    </a:gs>
+                  </a:gsLst>
+                  <a:lin ang="5400000" scaled="0"/>
+                </a:gradFill>
+                <a:latin typeface="+mn-lt"/>
+                <a:ea typeface="+mn-ea"/>
+                <a:cs typeface="+mn-cs"/>
+              </a:defRPr>
+            </a:lvl2pPr>
+            <a:lvl3pPr marL="799946" marR="0" indent="-228557" algn="l" defTabSz="932563" rtl="0" eaLnBrk="1" fontAlgn="auto" latinLnBrk="0" hangingPunct="1">
+              <a:lnSpc>
+                <a:spcPct val="90000"/>
+              </a:lnSpc>
+              <a:spcBef>
+                <a:spcPct val="20000"/>
+              </a:spcBef>
+              <a:spcAft>
+                <a:spcPts val="0"/>
+              </a:spcAft>
+              <a:buClrTx/>
+              <a:buSzPct val="90000"/>
+              <a:buFont typeface="Arial" pitchFamily="34" charset="0"/>
+              <a:buChar char="•"/>
+              <a:tabLst/>
+              <a:defRPr sz="2000" kern="1200" spc="0" baseline="0">
+                <a:gradFill>
+                  <a:gsLst>
+                    <a:gs pos="1250">
+                      <a:schemeClr val="tx1"/>
+                    </a:gs>
+                    <a:gs pos="100000">
+                      <a:schemeClr val="tx1"/>
+                    </a:gs>
+                  </a:gsLst>
+                  <a:lin ang="5400000" scaled="0"/>
+                </a:gradFill>
+                <a:latin typeface="+mn-lt"/>
+                <a:ea typeface="+mn-ea"/>
+                <a:cs typeface="+mn-cs"/>
+              </a:defRPr>
+            </a:lvl3pPr>
+            <a:lvl4pPr marL="1028503" marR="0" indent="-228557" algn="l" defTabSz="932563" rtl="0" eaLnBrk="1" fontAlgn="auto" latinLnBrk="0" hangingPunct="1">
+              <a:lnSpc>
+                <a:spcPct val="90000"/>
+              </a:lnSpc>
+              <a:spcBef>
+                <a:spcPct val="20000"/>
+              </a:spcBef>
+              <a:spcAft>
+                <a:spcPts val="0"/>
+              </a:spcAft>
+              <a:buClrTx/>
+              <a:buSzPct val="90000"/>
+              <a:buFont typeface="Arial" pitchFamily="34" charset="0"/>
+              <a:buChar char="•"/>
+              <a:tabLst/>
+              <a:defRPr sz="1800" kern="1200" spc="0" baseline="0">
+                <a:gradFill>
+                  <a:gsLst>
+                    <a:gs pos="1250">
+                      <a:schemeClr val="tx1"/>
+                    </a:gs>
+                    <a:gs pos="100000">
+                      <a:schemeClr val="tx1"/>
+                    </a:gs>
+                  </a:gsLst>
+                  <a:lin ang="5400000" scaled="0"/>
+                </a:gradFill>
+                <a:latin typeface="+mn-lt"/>
+                <a:ea typeface="+mn-ea"/>
+                <a:cs typeface="+mn-cs"/>
+              </a:defRPr>
+            </a:lvl4pPr>
+            <a:lvl5pPr marL="1257058" marR="0" indent="-228557" algn="l" defTabSz="932563" rtl="0" eaLnBrk="1" fontAlgn="auto" latinLnBrk="0" hangingPunct="1">
+              <a:lnSpc>
+                <a:spcPct val="90000"/>
+              </a:lnSpc>
+              <a:spcBef>
+                <a:spcPct val="20000"/>
+              </a:spcBef>
+              <a:spcAft>
+                <a:spcPts val="0"/>
+              </a:spcAft>
+              <a:buClrTx/>
+              <a:buSzPct val="90000"/>
+              <a:buFont typeface="Arial" pitchFamily="34" charset="0"/>
+              <a:buChar char="•"/>
+              <a:tabLst/>
+              <a:defRPr sz="1800" kern="1200" spc="0" baseline="0">
+                <a:gradFill>
+                  <a:gsLst>
+                    <a:gs pos="1250">
+                      <a:schemeClr val="tx1"/>
+                    </a:gs>
+                    <a:gs pos="100000">
+                      <a:schemeClr val="tx1"/>
+                    </a:gs>
+                  </a:gsLst>
+                  <a:lin ang="5400000" scaled="0"/>
+                </a:gradFill>
+                <a:latin typeface="+mn-lt"/>
+                <a:ea typeface="+mn-ea"/>
+                <a:cs typeface="+mn-cs"/>
+              </a:defRPr>
+            </a:lvl5pPr>
+            <a:lvl6pPr marL="2564548" indent="-233141" algn="l" defTabSz="932563" rtl="0" eaLnBrk="1" latinLnBrk="0" hangingPunct="1">
+              <a:spcBef>
+                <a:spcPct val="20000"/>
+              </a:spcBef>
+              <a:buFont typeface="Arial" pitchFamily="34" charset="0"/>
+              <a:buChar char="•"/>
+              <a:defRPr sz="2000" kern="1200">
+                <a:solidFill>
+                  <a:schemeClr val="tx1"/>
+                </a:solidFill>
+                <a:latin typeface="+mn-lt"/>
+                <a:ea typeface="+mn-ea"/>
+                <a:cs typeface="+mn-cs"/>
+              </a:defRPr>
+            </a:lvl6pPr>
+            <a:lvl7pPr marL="3030830" indent="-233141" algn="l" defTabSz="932563" rtl="0" eaLnBrk="1" latinLnBrk="0" hangingPunct="1">
+              <a:spcBef>
+                <a:spcPct val="20000"/>
+              </a:spcBef>
+              <a:buFont typeface="Arial" pitchFamily="34" charset="0"/>
+              <a:buChar char="•"/>
+              <a:defRPr sz="2000" kern="1200">
+                <a:solidFill>
+                  <a:schemeClr val="tx1"/>
+                </a:solidFill>
+                <a:latin typeface="+mn-lt"/>
+                <a:ea typeface="+mn-ea"/>
+                <a:cs typeface="+mn-cs"/>
+              </a:defRPr>
+            </a:lvl7pPr>
+            <a:lvl8pPr marL="3497112" indent="-233141" algn="l" defTabSz="932563" rtl="0" eaLnBrk="1" latinLnBrk="0" hangingPunct="1">
+              <a:spcBef>
+                <a:spcPct val="20000"/>
+              </a:spcBef>
+              <a:buFont typeface="Arial" pitchFamily="34" charset="0"/>
+              <a:buChar char="•"/>
+              <a:defRPr sz="2000" kern="1200">
+                <a:solidFill>
+                  <a:schemeClr val="tx1"/>
+                </a:solidFill>
+                <a:latin typeface="+mn-lt"/>
+                <a:ea typeface="+mn-ea"/>
+                <a:cs typeface="+mn-cs"/>
+              </a:defRPr>
+            </a:lvl8pPr>
+            <a:lvl9pPr marL="3963394" indent="-233141" algn="l" defTabSz="932563" rtl="0" eaLnBrk="1" latinLnBrk="0" hangingPunct="1">
+              <a:spcBef>
+                <a:spcPct val="20000"/>
+              </a:spcBef>
+              <a:buFont typeface="Arial" pitchFamily="34" charset="0"/>
+              <a:buChar char="•"/>
+              <a:defRPr sz="2000" kern="1200">
+                <a:solidFill>
+                  <a:schemeClr val="tx1"/>
+                </a:solidFill>
+                <a:latin typeface="+mn-lt"/>
+                <a:ea typeface="+mn-ea"/>
+                <a:cs typeface="+mn-cs"/>
+              </a:defRPr>
+            </a:lvl9pPr>
+          </a:lstStyle>
+          <a:p>
+            <a:r>
+              <a:rPr lang="en-US" sz="2800" dirty="0"/>
+              <a:t>A – ‘Describe’ creates a logical grouping of test cases.</a:t>
+            </a:r>
+          </a:p>
+          <a:p>
+            <a:endParaRPr lang="en-US" sz="2800" dirty="0"/>
+          </a:p>
+          <a:p>
+            <a:r>
+              <a:rPr lang="en-US" sz="2800" dirty="0"/>
+              <a:t>B – ‘Context’ provides logical grouping of test cases based on resource state and behavior</a:t>
+            </a:r>
+          </a:p>
+          <a:p>
+            <a:endParaRPr lang="en-US" sz="2800" dirty="0"/>
+          </a:p>
+          <a:p>
+            <a:r>
+              <a:rPr lang="en-US" sz="2800" dirty="0"/>
+              <a:t>C- ‘It’ validates the result of a test inside describe and context block</a:t>
+            </a:r>
+            <a:endParaRPr lang="en-US" sz="3600" dirty="0"/>
+          </a:p>
+          <a:p>
+            <a:endParaRPr lang="en-US" sz="2800" dirty="0"/>
+          </a:p>
+        </p:txBody>
+      </p:sp>
+    </p:spTree>
+    <p:extLst>
+      <p:ext uri="{BB962C8B-B14F-4D97-AF65-F5344CB8AC3E}">
+        <p14:creationId xmlns:p14="http://schemas.microsoft.com/office/powerpoint/2010/main" val="3789858608"/>
+      </p:ext>
+    </p:extLst>
+  </p:cSld>
+  <p:clrMapOvr>
+    <a:masterClrMapping/>
+  </p:clrMapOvr>
+  <p:transition>
+    <p:fade/>
+  </p:transition>
+</p:sld>
+</file>
+
+<file path=ppt/slides/slide13.xml><?xml version="1.0" encoding="utf-8"?>
+<p:sld xmlns:a="http://schemas.openxmlformats.org/drawingml/2006/main" xmlns:r="http://schemas.openxmlformats.org/officeDocument/2006/relationships" xmlns:p="http://schemas.openxmlformats.org/presentationml/2006/main">
+  <p:cSld>
+    <p:spTree>
+      <p:nvGrpSpPr>
+        <p:cNvPr id="1" name=""/>
+        <p:cNvGrpSpPr/>
+        <p:nvPr/>
+      </p:nvGrpSpPr>
+      <p:grpSpPr>
+        <a:xfrm>
+          <a:off x="0" y="0"/>
+          <a:ext cx="0" cy="0"/>
+          <a:chOff x="0" y="0"/>
+          <a:chExt cx="0" cy="0"/>
+        </a:xfrm>
+      </p:grpSpPr>
+      <p:sp>
+        <p:nvSpPr>
+          <p:cNvPr id="2" name="Title 1"/>
           <p:cNvSpPr>
             <a:spLocks noGrp="1"/>
           </p:cNvSpPr>
@@ -36185,366 +37951,188 @@
           <a:p>
             <a:r>
               <a:rPr lang="en-US" dirty="0"/>
-              <a:t>Next steps</a:t>
+              <a:t>Conduct Operations Validation</a:t>
             </a:r>
           </a:p>
         </p:txBody>
       </p:sp>
-      <p:sp>
-        <p:nvSpPr>
-          <p:cNvPr id="4" name="Rectangle 3"/>
-          <p:cNvSpPr/>
+    </p:spTree>
+    <p:extLst>
+      <p:ext uri="{BB962C8B-B14F-4D97-AF65-F5344CB8AC3E}">
+        <p14:creationId xmlns:p14="http://schemas.microsoft.com/office/powerpoint/2010/main" val="2649813028"/>
+      </p:ext>
+    </p:extLst>
+  </p:cSld>
+  <p:clrMapOvr>
+    <a:masterClrMapping/>
+  </p:clrMapOvr>
+  <p:transition>
+    <p:fade/>
+  </p:transition>
+</p:sld>
+</file>
+
+<file path=ppt/slides/slide14.xml><?xml version="1.0" encoding="utf-8"?>
+<p:sld xmlns:a="http://schemas.openxmlformats.org/drawingml/2006/main" xmlns:r="http://schemas.openxmlformats.org/officeDocument/2006/relationships" xmlns:p="http://schemas.openxmlformats.org/presentationml/2006/main">
+  <p:cSld>
+    <p:spTree>
+      <p:nvGrpSpPr>
+        <p:cNvPr id="1" name=""/>
+        <p:cNvGrpSpPr/>
+        <p:nvPr/>
+      </p:nvGrpSpPr>
+      <p:grpSpPr>
+        <a:xfrm>
+          <a:off x="0" y="0"/>
+          <a:ext cx="0" cy="0"/>
+          <a:chOff x="0" y="0"/>
+          <a:chExt cx="0" cy="0"/>
+        </a:xfrm>
+      </p:grpSpPr>
+      <p:pic>
+        <p:nvPicPr>
+          <p:cNvPr id="4" name="Picture 3"/>
+          <p:cNvPicPr>
+            <a:picLocks noChangeAspect="1"/>
+          </p:cNvPicPr>
           <p:nvPr/>
-        </p:nvSpPr>
+        </p:nvPicPr>
+        <p:blipFill>
+          <a:blip r:embed="rId3"/>
+          <a:stretch>
+            <a:fillRect/>
+          </a:stretch>
+        </p:blipFill>
         <p:spPr>
           <a:xfrm>
-            <a:off x="5155978" y="6542395"/>
-            <a:ext cx="7434284" cy="376684"/>
+            <a:off x="1417637" y="830262"/>
+            <a:ext cx="10287000" cy="5672881"/>
           </a:xfrm>
           <a:prstGeom prst="rect">
             <a:avLst/>
           </a:prstGeom>
         </p:spPr>
-        <p:txBody>
-          <a:bodyPr wrap="none">
-            <a:spAutoFit/>
-          </a:bodyPr>
-          <a:lstStyle/>
-          <a:p>
-            <a:pPr defTabSz="932597"/>
-            <a:r>
-              <a:rPr lang="en-US" kern="0" dirty="0">
-                <a:solidFill>
-                  <a:sysClr val="windowText" lastClr="000000"/>
-                </a:solidFill>
-              </a:rPr>
-              <a:t>For </a:t>
-            </a:r>
-            <a:r>
-              <a:rPr lang="en-US" b="1" kern="0" dirty="0">
-                <a:solidFill>
-                  <a:sysClr val="windowText" lastClr="000000"/>
-                </a:solidFill>
-              </a:rPr>
-              <a:t>VMSS Editor </a:t>
-            </a:r>
-            <a:r>
-              <a:rPr lang="en-US" kern="0" dirty="0">
-                <a:solidFill>
-                  <a:sysClr val="windowText" lastClr="000000"/>
-                </a:solidFill>
-              </a:rPr>
-              <a:t>see </a:t>
-            </a:r>
-            <a:r>
-              <a:rPr lang="en-US" kern="0" dirty="0">
-                <a:solidFill>
-                  <a:sysClr val="windowText" lastClr="000000"/>
-                </a:solidFill>
-                <a:hlinkClick r:id="rId3"/>
-              </a:rPr>
-              <a:t>https://github.com/gbowerman/vmssdashboard</a:t>
-            </a:r>
-            <a:endParaRPr lang="en-US" kern="0" dirty="0">
-              <a:solidFill>
-                <a:sysClr val="windowText" lastClr="000000"/>
-              </a:solidFill>
-            </a:endParaRPr>
-          </a:p>
-        </p:txBody>
-      </p:sp>
-      <p:graphicFrame>
-        <p:nvGraphicFramePr>
-          <p:cNvPr id="5" name="Table 4"/>
-          <p:cNvGraphicFramePr>
-            <a:graphicFrameLocks noGrp="1"/>
-          </p:cNvGraphicFramePr>
-          <p:nvPr>
-            <p:extLst/>
-          </p:nvPr>
-        </p:nvGraphicFramePr>
-        <p:xfrm>
-          <a:off x="275482" y="1339290"/>
-          <a:ext cx="11885516" cy="3455813"/>
-        </p:xfrm>
-        <a:graphic>
-          <a:graphicData uri="http://schemas.openxmlformats.org/drawingml/2006/table">
-            <a:tbl>
-              <a:tblPr firstRow="1" bandRow="1">
-                <a:tableStyleId>{5C22544A-7EE6-4342-B048-85BDC9FD1C3A}</a:tableStyleId>
-              </a:tblPr>
-              <a:tblGrid>
-                <a:gridCol w="5942758">
-                  <a:extLst>
-                    <a:ext uri="{9D8B030D-6E8A-4147-A177-3AD203B41FA5}">
-                      <a16:colId xmlns:a16="http://schemas.microsoft.com/office/drawing/2014/main" val="152527980"/>
-                    </a:ext>
-                  </a:extLst>
-                </a:gridCol>
-                <a:gridCol w="5942758">
-                  <a:extLst>
-                    <a:ext uri="{9D8B030D-6E8A-4147-A177-3AD203B41FA5}">
-                      <a16:colId xmlns:a16="http://schemas.microsoft.com/office/drawing/2014/main" val="3500248357"/>
-                    </a:ext>
-                  </a:extLst>
-                </a:gridCol>
-              </a:tblGrid>
-              <a:tr h="378222">
-                <a:tc>
-                  <a:txBody>
-                    <a:bodyPr/>
-                    <a:lstStyle/>
-                    <a:p>
-                      <a:r>
-                        <a:rPr lang="en-US" sz="1800" dirty="0"/>
-                        <a:t>Reference</a:t>
-                      </a:r>
-                    </a:p>
-                  </a:txBody>
-                  <a:tcPr marL="93260" marR="93260" marT="46630" marB="46630"/>
-                </a:tc>
-                <a:tc>
-                  <a:txBody>
-                    <a:bodyPr/>
-                    <a:lstStyle/>
-                    <a:p>
-                      <a:r>
-                        <a:rPr lang="en-US" sz="1800" dirty="0"/>
-                        <a:t>Link</a:t>
-                      </a:r>
-                    </a:p>
-                  </a:txBody>
-                  <a:tcPr marL="93260" marR="93260" marT="46630" marB="46630"/>
-                </a:tc>
-                <a:extLst>
-                  <a:ext uri="{0D108BD9-81ED-4DB2-BD59-A6C34878D82A}">
-                    <a16:rowId xmlns:a16="http://schemas.microsoft.com/office/drawing/2014/main" val="387445822"/>
-                  </a:ext>
-                </a:extLst>
-              </a:tr>
-              <a:tr h="528475">
-                <a:tc>
-                  <a:txBody>
-                    <a:bodyPr/>
-                    <a:lstStyle/>
-                    <a:p>
-                      <a:r>
-                        <a:rPr lang="en-US" sz="1600" dirty="0"/>
-                        <a:t>Creating Virtual Machine Scale Sets using PowerShell cmdlets</a:t>
-                      </a:r>
-                    </a:p>
-                  </a:txBody>
-                  <a:tcPr marL="93260" marR="93260" marT="46630" marB="46630"/>
-                </a:tc>
-                <a:tc>
-                  <a:txBody>
-                    <a:bodyPr/>
-                    <a:lstStyle/>
-                    <a:p>
-                      <a:r>
-                        <a:rPr lang="en-US" sz="1400" dirty="0">
-                          <a:hlinkClick r:id="rId4"/>
-                        </a:rPr>
-                        <a:t>https://azure.microsoft.com/en-us/documentation/articles/virtual-machines-windows-vmss-powershell-creating/</a:t>
-                      </a:r>
-                      <a:endParaRPr lang="en-US" sz="1400" dirty="0"/>
-                    </a:p>
-                  </a:txBody>
-                  <a:tcPr marL="93260" marR="93260" marT="46630" marB="46630"/>
-                </a:tc>
-                <a:extLst>
-                  <a:ext uri="{0D108BD9-81ED-4DB2-BD59-A6C34878D82A}">
-                    <a16:rowId xmlns:a16="http://schemas.microsoft.com/office/drawing/2014/main" val="522901556"/>
-                  </a:ext>
-                </a:extLst>
-              </a:tr>
-              <a:tr h="528475">
-                <a:tc>
-                  <a:txBody>
-                    <a:bodyPr/>
-                    <a:lstStyle/>
-                    <a:p>
-                      <a:pPr marL="0" marR="0" lvl="0" indent="0" algn="l" defTabSz="914367" rtl="0" eaLnBrk="1" fontAlgn="auto" latinLnBrk="0" hangingPunct="1">
-                        <a:lnSpc>
-                          <a:spcPct val="100000"/>
-                        </a:lnSpc>
-                        <a:spcBef>
-                          <a:spcPts val="0"/>
-                        </a:spcBef>
-                        <a:spcAft>
-                          <a:spcPts val="0"/>
-                        </a:spcAft>
-                        <a:buClrTx/>
-                        <a:buSzTx/>
-                        <a:buFontTx/>
-                        <a:buNone/>
-                        <a:tabLst/>
-                        <a:defRPr/>
-                      </a:pPr>
-                      <a:r>
-                        <a:rPr lang="en-US" sz="1600" b="0" i="0" kern="1200" dirty="0">
-                          <a:solidFill>
-                            <a:schemeClr val="dk1"/>
-                          </a:solidFill>
-                          <a:effectLst/>
-                          <a:latin typeface="+mn-lt"/>
-                          <a:ea typeface="+mn-ea"/>
-                          <a:cs typeface="+mn-cs"/>
-                        </a:rPr>
-                        <a:t>Quickly create a scale set using the Azure CLI</a:t>
-                      </a:r>
-                    </a:p>
-                  </a:txBody>
-                  <a:tcPr marL="93260" marR="93260" marT="46630" marB="46630"/>
-                </a:tc>
-                <a:tc>
-                  <a:txBody>
-                    <a:bodyPr/>
-                    <a:lstStyle/>
-                    <a:p>
-                      <a:r>
-                        <a:rPr lang="en-US" sz="1400" dirty="0">
-                          <a:hlinkClick r:id="rId5"/>
-                        </a:rPr>
-                        <a:t>https://azure.microsoft.com/en-us/documentation/articles/virtual-machine-scale-sets-cli-quick-create/</a:t>
-                      </a:r>
-                      <a:r>
-                        <a:rPr lang="en-US" sz="1400" dirty="0"/>
-                        <a:t> </a:t>
-                      </a:r>
-                    </a:p>
-                  </a:txBody>
-                  <a:tcPr marL="93260" marR="93260" marT="46630" marB="46630"/>
-                </a:tc>
-                <a:extLst>
-                  <a:ext uri="{0D108BD9-81ED-4DB2-BD59-A6C34878D82A}">
-                    <a16:rowId xmlns:a16="http://schemas.microsoft.com/office/drawing/2014/main" val="850457089"/>
-                  </a:ext>
-                </a:extLst>
-              </a:tr>
-              <a:tr h="590649">
-                <a:tc>
-                  <a:txBody>
-                    <a:bodyPr/>
-                    <a:lstStyle/>
-                    <a:p>
-                      <a:r>
-                        <a:rPr lang="en-US" sz="1600"/>
-                        <a:t>Azure</a:t>
-                      </a:r>
-                      <a:r>
-                        <a:rPr lang="en-US" sz="1600" baseline="0"/>
-                        <a:t> Autoscale Best Practices</a:t>
-                      </a:r>
-                      <a:endParaRPr lang="en-US" sz="1600" dirty="0"/>
-                    </a:p>
-                  </a:txBody>
-                  <a:tcPr marL="93260" marR="93260" marT="46630" marB="46630"/>
-                </a:tc>
-                <a:tc>
-                  <a:txBody>
-                    <a:bodyPr/>
-                    <a:lstStyle/>
-                    <a:p>
-                      <a:r>
-                        <a:rPr lang="en-US" sz="1600">
-                          <a:hlinkClick r:id="rId6"/>
-                        </a:rPr>
-                        <a:t>https://azure.microsoft.com/en-us/documentation/articles/insights-autoscale-best-practices/</a:t>
-                      </a:r>
-                      <a:endParaRPr lang="en-US" sz="1600" dirty="0"/>
-                    </a:p>
-                  </a:txBody>
-                  <a:tcPr marL="93260" marR="93260" marT="46630" marB="46630"/>
-                </a:tc>
-                <a:extLst>
-                  <a:ext uri="{0D108BD9-81ED-4DB2-BD59-A6C34878D82A}">
-                    <a16:rowId xmlns:a16="http://schemas.microsoft.com/office/drawing/2014/main" val="3518414315"/>
-                  </a:ext>
-                </a:extLst>
-              </a:tr>
-              <a:tr h="839343">
-                <a:tc>
-                  <a:txBody>
-                    <a:bodyPr/>
-                    <a:lstStyle/>
-                    <a:p>
-                      <a:r>
-                        <a:rPr lang="en-US" sz="1600"/>
-                        <a:t>Azure Autoscale Emails and Webhooks</a:t>
-                      </a:r>
-                      <a:endParaRPr lang="en-US" sz="1600" dirty="0"/>
-                    </a:p>
-                  </a:txBody>
-                  <a:tcPr marL="93260" marR="93260" marT="46630" marB="46630"/>
-                </a:tc>
-                <a:tc>
-                  <a:txBody>
-                    <a:bodyPr/>
-                    <a:lstStyle/>
-                    <a:p>
-                      <a:r>
-                        <a:rPr lang="en-US" sz="1600">
-                          <a:hlinkClick r:id="rId7"/>
-                        </a:rPr>
-                        <a:t>https://azure.microsoft.com/en-us/documentation/articles/insights-autoscale-to-webhook-email/</a:t>
-                      </a:r>
-                      <a:endParaRPr lang="en-US" sz="1600" dirty="0"/>
-                    </a:p>
-                  </a:txBody>
-                  <a:tcPr marL="93260" marR="93260" marT="46630" marB="46630"/>
-                </a:tc>
-                <a:extLst>
-                  <a:ext uri="{0D108BD9-81ED-4DB2-BD59-A6C34878D82A}">
-                    <a16:rowId xmlns:a16="http://schemas.microsoft.com/office/drawing/2014/main" val="2580573362"/>
-                  </a:ext>
-                </a:extLst>
-              </a:tr>
-              <a:tr h="590649">
-                <a:tc>
-                  <a:txBody>
-                    <a:bodyPr/>
-                    <a:lstStyle/>
-                    <a:p>
-                      <a:r>
-                        <a:rPr lang="en-US" sz="1600"/>
-                        <a:t>Integrate Pager Duty with Azure Resources</a:t>
-                      </a:r>
-                      <a:endParaRPr lang="en-US" sz="1600" dirty="0"/>
-                    </a:p>
-                  </a:txBody>
-                  <a:tcPr marL="93260" marR="93260" marT="46630" marB="46630"/>
-                </a:tc>
-                <a:tc>
-                  <a:txBody>
-                    <a:bodyPr/>
-                    <a:lstStyle/>
-                    <a:p>
-                      <a:r>
-                        <a:rPr lang="en-US" sz="1600" dirty="0">
-                          <a:hlinkClick r:id="rId8"/>
-                        </a:rPr>
-                        <a:t>https://www.pagerduty.com/docs/guides/azure-integration-guide/</a:t>
-                      </a:r>
-                      <a:endParaRPr lang="en-US" sz="1600" dirty="0"/>
-                    </a:p>
-                  </a:txBody>
-                  <a:tcPr marL="93260" marR="93260" marT="46630" marB="46630"/>
-                </a:tc>
-                <a:extLst>
-                  <a:ext uri="{0D108BD9-81ED-4DB2-BD59-A6C34878D82A}">
-                    <a16:rowId xmlns:a16="http://schemas.microsoft.com/office/drawing/2014/main" val="3767953585"/>
-                  </a:ext>
-                </a:extLst>
-              </a:tr>
-            </a:tbl>
-          </a:graphicData>
-        </a:graphic>
-      </p:graphicFrame>
+      </p:pic>
     </p:spTree>
     <p:extLst>
       <p:ext uri="{BB962C8B-B14F-4D97-AF65-F5344CB8AC3E}">
-        <p14:creationId xmlns:p14="http://schemas.microsoft.com/office/powerpoint/2010/main" val="2403858353"/>
+        <p14:creationId xmlns:p14="http://schemas.microsoft.com/office/powerpoint/2010/main" val="4225725961"/>
+      </p:ext>
+    </p:extLst>
+  </p:cSld>
+  <p:clrMapOvr>
+    <a:masterClrMapping/>
+  </p:clrMapOvr>
+  <p:transition>
+    <p:fade/>
+  </p:transition>
+</p:sld>
+</file>
+
+<file path=ppt/slides/slide15.xml><?xml version="1.0" encoding="utf-8"?>
+<p:sld xmlns:a="http://schemas.openxmlformats.org/drawingml/2006/main" xmlns:r="http://schemas.openxmlformats.org/officeDocument/2006/relationships" xmlns:p="http://schemas.openxmlformats.org/presentationml/2006/main">
+  <p:cSld>
+    <p:spTree>
+      <p:nvGrpSpPr>
+        <p:cNvPr id="1" name=""/>
+        <p:cNvGrpSpPr/>
+        <p:nvPr/>
+      </p:nvGrpSpPr>
+      <p:grpSpPr>
+        <a:xfrm>
+          <a:off x="0" y="0"/>
+          <a:ext cx="0" cy="0"/>
+          <a:chOff x="0" y="0"/>
+          <a:chExt cx="0" cy="0"/>
+        </a:xfrm>
+      </p:grpSpPr>
+      <p:sp>
+        <p:nvSpPr>
+          <p:cNvPr id="2" name="Title 1"/>
+          <p:cNvSpPr>
+            <a:spLocks noGrp="1"/>
+          </p:cNvSpPr>
+          <p:nvPr>
+            <p:ph type="title"/>
+          </p:nvPr>
+        </p:nvSpPr>
+        <p:spPr>
+          <a:xfrm>
+            <a:off x="274639" y="2125663"/>
+            <a:ext cx="11887200" cy="2178545"/>
+          </a:xfrm>
+        </p:spPr>
+        <p:txBody>
+          <a:bodyPr/>
+          <a:lstStyle/>
+          <a:p>
+            <a:pPr lvl="0"/>
+            <a:r>
+              <a:rPr lang="en-US" dirty="0"/>
+              <a:t>Operational validation as part of Release pipeline </a:t>
+            </a:r>
+          </a:p>
+        </p:txBody>
+      </p:sp>
+    </p:spTree>
+    <p:extLst>
+      <p:ext uri="{BB962C8B-B14F-4D97-AF65-F5344CB8AC3E}">
+        <p14:creationId xmlns:p14="http://schemas.microsoft.com/office/powerpoint/2010/main" val="325935969"/>
+      </p:ext>
+    </p:extLst>
+  </p:cSld>
+  <p:clrMapOvr>
+    <a:masterClrMapping/>
+  </p:clrMapOvr>
+  <p:transition>
+    <p:fade/>
+  </p:transition>
+</p:sld>
+</file>
+
+<file path=ppt/slides/slide16.xml><?xml version="1.0" encoding="utf-8"?>
+<p:sld xmlns:a="http://schemas.openxmlformats.org/drawingml/2006/main" xmlns:r="http://schemas.openxmlformats.org/officeDocument/2006/relationships" xmlns:p="http://schemas.openxmlformats.org/presentationml/2006/main">
+  <p:cSld>
+    <p:spTree>
+      <p:nvGrpSpPr>
+        <p:cNvPr id="1" name=""/>
+        <p:cNvGrpSpPr/>
+        <p:nvPr/>
+      </p:nvGrpSpPr>
+      <p:grpSpPr>
+        <a:xfrm>
+          <a:off x="0" y="0"/>
+          <a:ext cx="0" cy="0"/>
+          <a:chOff x="0" y="0"/>
+          <a:chExt cx="0" cy="0"/>
+        </a:xfrm>
+      </p:grpSpPr>
+      <p:sp>
+        <p:nvSpPr>
+          <p:cNvPr id="2" name="Title 1"/>
+          <p:cNvSpPr>
+            <a:spLocks noGrp="1"/>
+          </p:cNvSpPr>
+          <p:nvPr>
+            <p:ph type="title"/>
+          </p:nvPr>
+        </p:nvSpPr>
+        <p:spPr/>
+        <p:txBody>
+          <a:bodyPr/>
+          <a:lstStyle/>
+          <a:p>
+            <a:r>
+              <a:rPr lang="en-US" dirty="0"/>
+              <a:t>Questions and Thank you</a:t>
+            </a:r>
+          </a:p>
+        </p:txBody>
+      </p:sp>
+    </p:spTree>
+    <p:extLst>
+      <p:ext uri="{BB962C8B-B14F-4D97-AF65-F5344CB8AC3E}">
+        <p14:creationId xmlns:p14="http://schemas.microsoft.com/office/powerpoint/2010/main" val="950163084"/>
       </p:ext>
     </p:extLst>
   </p:cSld>
@@ -37166,16 +38754,17 @@
         <p:spPr>
           <a:xfrm>
             <a:off x="274639" y="2125663"/>
-            <a:ext cx="11887200" cy="2178545"/>
+            <a:ext cx="11887200" cy="2179058"/>
           </a:xfrm>
         </p:spPr>
         <p:txBody>
           <a:bodyPr/>
           <a:lstStyle/>
           <a:p>
+            <a:pPr lvl="0"/>
             <a:r>
               <a:rPr lang="en-US" dirty="0"/>
-              <a:t>Understanding Infrastructure as Code lifecycle</a:t>
+              <a:t>What is Operational validation Tests</a:t>
             </a:r>
           </a:p>
         </p:txBody>
@@ -37183,7 +38772,7 @@
     </p:spTree>
     <p:extLst>
       <p:ext uri="{BB962C8B-B14F-4D97-AF65-F5344CB8AC3E}">
-        <p14:creationId xmlns:p14="http://schemas.microsoft.com/office/powerpoint/2010/main" val="3218699129"/>
+        <p14:creationId xmlns:p14="http://schemas.microsoft.com/office/powerpoint/2010/main" val="4002659959"/>
       </p:ext>
     </p:extLst>
   </p:cSld>
@@ -37215,28 +38804,72 @@
       </p:grpSpPr>
       <p:sp>
         <p:nvSpPr>
-          <p:cNvPr id="2" name="Title 1"/>
+          <p:cNvPr id="4" name="Text Placeholder 3"/>
           <p:cNvSpPr>
             <a:spLocks noGrp="1"/>
           </p:cNvSpPr>
           <p:nvPr>
-            <p:ph type="title"/>
+            <p:ph type="body" sz="quarter" idx="10"/>
           </p:nvPr>
         </p:nvSpPr>
         <p:spPr>
           <a:xfrm>
-            <a:off x="274639" y="2125663"/>
-            <a:ext cx="11887200" cy="2179058"/>
+            <a:off x="274639" y="296862"/>
+            <a:ext cx="11887200" cy="6863417"/>
           </a:xfrm>
         </p:spPr>
         <p:txBody>
           <a:bodyPr/>
           <a:lstStyle/>
           <a:p>
-            <a:pPr lvl="0"/>
-            <a:r>
-              <a:rPr lang="en-US" dirty="0"/>
-              <a:t>What is Operational validation Tests</a:t>
+            <a:r>
+              <a:rPr lang="en-US" sz="2800" dirty="0"/>
+              <a:t>Perform end-to-end validation of system operations for applications consisting of multiple tiers.</a:t>
+            </a:r>
+          </a:p>
+          <a:p>
+            <a:endParaRPr lang="en-US" sz="2800" dirty="0"/>
+          </a:p>
+          <a:p>
+            <a:r>
+              <a:rPr lang="en-US" sz="2800" dirty="0"/>
+              <a:t>Ensure application and environments are working according to what they are supposed to do.</a:t>
+            </a:r>
+          </a:p>
+          <a:p>
+            <a:endParaRPr lang="en-US" sz="2800" dirty="0"/>
+          </a:p>
+          <a:p>
+            <a:r>
+              <a:rPr lang="en-US" sz="2800" dirty="0"/>
+              <a:t>It includes every component including directory services and network connectivity.</a:t>
+            </a:r>
+          </a:p>
+          <a:p>
+            <a:endParaRPr lang="en-US" sz="2800" dirty="0"/>
+          </a:p>
+          <a:p>
+            <a:r>
+              <a:rPr lang="en-US" sz="2800" dirty="0"/>
+              <a:t>Means to ensure high reliability for environments and applications</a:t>
+            </a:r>
+          </a:p>
+          <a:p>
+            <a:endParaRPr lang="en-US" sz="2800" dirty="0"/>
+          </a:p>
+          <a:p>
+            <a:r>
+              <a:rPr lang="en-US" sz="2800" dirty="0"/>
+              <a:t>Executed continuously and before every release and change to system and environments</a:t>
+            </a:r>
+          </a:p>
+          <a:p>
+            <a:endParaRPr lang="en-US" sz="2800" dirty="0"/>
+          </a:p>
+          <a:p>
+            <a:r>
+              <a:rPr lang="en-US" sz="2800" dirty="0"/>
+              <a:t>Performed on production environment</a:t>
             </a:r>
           </a:p>
         </p:txBody>
@@ -37244,7 +38877,7 @@
     </p:spTree>
     <p:extLst>
       <p:ext uri="{BB962C8B-B14F-4D97-AF65-F5344CB8AC3E}">
-        <p14:creationId xmlns:p14="http://schemas.microsoft.com/office/powerpoint/2010/main" val="4002659959"/>
+        <p14:creationId xmlns:p14="http://schemas.microsoft.com/office/powerpoint/2010/main" val="42862252"/>
       </p:ext>
     </p:extLst>
   </p:cSld>
@@ -37287,16 +38920,17 @@
         <p:spPr>
           <a:xfrm>
             <a:off x="274639" y="2125663"/>
-            <a:ext cx="11887200" cy="2178545"/>
+            <a:ext cx="11887200" cy="2179058"/>
           </a:xfrm>
         </p:spPr>
         <p:txBody>
           <a:bodyPr/>
           <a:lstStyle/>
           <a:p>
+            <a:pPr lvl="0"/>
             <a:r>
               <a:rPr lang="en-US" dirty="0"/>
-              <a:t>Sample Application and deployment</a:t>
+              <a:t>Why Operational validation Tests</a:t>
             </a:r>
           </a:p>
         </p:txBody>
@@ -37304,7 +38938,7 @@
     </p:spTree>
     <p:extLst>
       <p:ext uri="{BB962C8B-B14F-4D97-AF65-F5344CB8AC3E}">
-        <p14:creationId xmlns:p14="http://schemas.microsoft.com/office/powerpoint/2010/main" val="2099672494"/>
+        <p14:creationId xmlns:p14="http://schemas.microsoft.com/office/powerpoint/2010/main" val="3201442464"/>
       </p:ext>
     </p:extLst>
   </p:cSld>
@@ -37336,22 +38970,86 @@
       </p:grpSpPr>
       <p:sp>
         <p:nvSpPr>
-          <p:cNvPr id="2" name="Title 1"/>
+          <p:cNvPr id="4" name="Text Placeholder 3"/>
           <p:cNvSpPr>
             <a:spLocks noGrp="1"/>
           </p:cNvSpPr>
           <p:nvPr>
-            <p:ph type="title"/>
+            <p:ph type="body" sz="quarter" idx="10"/>
           </p:nvPr>
         </p:nvSpPr>
-        <p:spPr/>
+        <p:spPr>
+          <a:xfrm>
+            <a:off x="274639" y="220663"/>
+            <a:ext cx="11887200" cy="6765185"/>
+          </a:xfrm>
+        </p:spPr>
         <p:txBody>
           <a:bodyPr/>
           <a:lstStyle/>
           <a:p>
             <a:r>
-              <a:rPr lang="en-US" dirty="0"/>
-              <a:t>Conduct Operations Validation</a:t>
+              <a:rPr lang="en-US" sz="2800" dirty="0"/>
+              <a:t>Gain insights into production environment on continuous basis</a:t>
+            </a:r>
+          </a:p>
+          <a:p>
+            <a:pPr lvl="1"/>
+            <a:r>
+              <a:rPr lang="en-US" sz="2001" dirty="0"/>
+              <a:t>Configuration meets industry, organization and engagement standards</a:t>
+            </a:r>
+          </a:p>
+          <a:p>
+            <a:pPr lvl="1"/>
+            <a:r>
+              <a:rPr lang="en-US" sz="2001" dirty="0"/>
+              <a:t>Environments are in desired configuration</a:t>
+            </a:r>
+          </a:p>
+          <a:p>
+            <a:endParaRPr lang="en-US" sz="2800" dirty="0"/>
+          </a:p>
+          <a:p>
+            <a:r>
+              <a:rPr lang="en-US" sz="2800" dirty="0"/>
+              <a:t>Stack and Pop up an drifts and deviation</a:t>
+            </a:r>
+          </a:p>
+          <a:p>
+            <a:endParaRPr lang="en-US" sz="2800" dirty="0"/>
+          </a:p>
+          <a:p>
+            <a:r>
+              <a:rPr lang="en-US" sz="2800" dirty="0"/>
+              <a:t>Environments and applications operating properly after upgrades and maintenance.</a:t>
+            </a:r>
+          </a:p>
+          <a:p>
+            <a:endParaRPr lang="en-US" sz="2800" dirty="0"/>
+          </a:p>
+          <a:p>
+            <a:r>
+              <a:rPr lang="en-US" sz="2800" dirty="0"/>
+              <a:t>Brings high fidelity, cadence and confidence to overall deployment on production</a:t>
+            </a:r>
+          </a:p>
+          <a:p>
+            <a:endParaRPr lang="en-US" sz="2800" dirty="0"/>
+          </a:p>
+          <a:p>
+            <a:r>
+              <a:rPr lang="en-US" sz="2800" dirty="0"/>
+              <a:t>Fixing issues before going live on production</a:t>
+            </a:r>
+          </a:p>
+          <a:p>
+            <a:endParaRPr lang="en-US" sz="2800" dirty="0"/>
+          </a:p>
+          <a:p>
+            <a:r>
+              <a:rPr lang="en-US" sz="2800" dirty="0"/>
+              <a:t>Improves Reliability and helps in conducting advance tests like A/B testing</a:t>
             </a:r>
           </a:p>
         </p:txBody>
@@ -37359,7 +39057,7 @@
     </p:spTree>
     <p:extLst>
       <p:ext uri="{BB962C8B-B14F-4D97-AF65-F5344CB8AC3E}">
-        <p14:creationId xmlns:p14="http://schemas.microsoft.com/office/powerpoint/2010/main" val="2649813028"/>
+        <p14:creationId xmlns:p14="http://schemas.microsoft.com/office/powerpoint/2010/main" val="3834845927"/>
       </p:ext>
     </p:extLst>
   </p:cSld>
@@ -37409,10 +39107,9 @@
           <a:bodyPr/>
           <a:lstStyle/>
           <a:p>
-            <a:pPr lvl="0"/>
             <a:r>
               <a:rPr lang="en-US" dirty="0"/>
-              <a:t>Operational validation as part of Release pipeline </a:t>
+              <a:t>Tools for conducting Operation Validation</a:t>
             </a:r>
           </a:p>
         </p:txBody>
@@ -37420,7 +39117,7 @@
     </p:spTree>
     <p:extLst>
       <p:ext uri="{BB962C8B-B14F-4D97-AF65-F5344CB8AC3E}">
-        <p14:creationId xmlns:p14="http://schemas.microsoft.com/office/powerpoint/2010/main" val="325935969"/>
+        <p14:creationId xmlns:p14="http://schemas.microsoft.com/office/powerpoint/2010/main" val="97760307"/>
       </p:ext>
     </p:extLst>
   </p:cSld>
@@ -39473,12 +41170,82 @@
 </file>
 
 <file path=customXml/item1.xml><?xml version="1.0" encoding="utf-8"?>
-<?mso-contentType ?>
-<FormTemplates xmlns="http://schemas.microsoft.com/sharepoint/v3/contenttype/forms">
-  <Display>DocumentLibraryForm</Display>
-  <Edit>DocumentLibraryForm</Edit>
-  <New>DocumentLibraryForm</New>
-</FormTemplates>
+<p:properties xmlns:p="http://schemas.microsoft.com/office/2006/metadata/properties" xmlns:xsi="http://www.w3.org/2001/XMLSchema-instance" xmlns:pc="http://schemas.microsoft.com/office/infopath/2007/PartnerControls">
+  <documentManagement>
+    <LikesCount xmlns="http://schemas.microsoft.com/sharepoint/v3" xsi:nil="true"/>
+    <d12e2661e9634d9aa98bbb375f31aced xmlns="01c77077-aee4-4b5f-bd4e-9cd40a6fff29">
+      <Terms xmlns="http://schemas.microsoft.com/office/infopath/2007/PartnerControls">
+        <TermInfo xmlns="http://schemas.microsoft.com/office/infopath/2007/PartnerControls">
+          <TermName xmlns="http://schemas.microsoft.com/office/infopath/2007/PartnerControls">Georgia World Congress Center</TermName>
+          <TermId xmlns="http://schemas.microsoft.com/office/infopath/2007/PartnerControls">ea0ece34-59a6-4d43-8d9e-d0f9e2a2f1ce</TermId>
+        </TermInfo>
+      </Terms>
+    </d12e2661e9634d9aa98bbb375f31aced>
+    <Event_x0020_Start_x0020_Date xmlns="01c77077-aee4-4b5f-bd4e-9cd40a6fff29">2016-09-25T07:00:00+00:00</Event_x0020_Start_x0020_Date>
+    <Target_x0020_Audiences xmlns="8ff673fc-3231-4e3a-893b-6d7f7cd32766" xsi:nil="true"/>
+    <iaa5f83406f94009a0f6a3e890699ff7 xmlns="01c77077-aee4-4b5f-bd4e-9cd40a6fff29">
+      <Terms xmlns="http://schemas.microsoft.com/office/infopath/2007/PartnerControls">
+        <TermInfo xmlns="http://schemas.microsoft.com/office/infopath/2007/PartnerControls">
+          <TermName xmlns="http://schemas.microsoft.com/office/infopath/2007/PartnerControls">Atlanta</TermName>
+          <TermId xmlns="http://schemas.microsoft.com/office/infopath/2007/PartnerControls">01fb9831-5840-48a0-a576-3e48f42baa53</TermId>
+        </TermInfo>
+      </Terms>
+    </iaa5f83406f94009a0f6a3e890699ff7>
+    <External_x0020_Speaker xmlns="01c77077-aee4-4b5f-bd4e-9cd40a6fff29">Guy  Bowerman, Neil Gat</External_x0020_Speaker>
+    <m6878b9dd7994da4ba144f95347d99c6 xmlns="01c77077-aee4-4b5f-bd4e-9cd40a6fff29">
+      <Terms xmlns="http://schemas.microsoft.com/office/infopath/2007/PartnerControls"/>
+    </m6878b9dd7994da4ba144f95347d99c6>
+    <Presentation_x0020_Date xmlns="01c77077-aee4-4b5f-bd4e-9cd40a6fff29">2016-09-27T04:00:00+00:00</Presentation_x0020_Date>
+    <fc15c16204564de583b4c942b10d19ec xmlns="01c77077-aee4-4b5f-bd4e-9cd40a6fff29">
+      <Terms xmlns="http://schemas.microsoft.com/office/infopath/2007/PartnerControls"/>
+    </fc15c16204564de583b4c942b10d19ec>
+    <mb2e01f7e2d8413988e28e59aa226eec xmlns="01c77077-aee4-4b5f-bd4e-9cd40a6fff29">
+      <Terms xmlns="http://schemas.microsoft.com/office/infopath/2007/PartnerControls">
+        <TermInfo xmlns="http://schemas.microsoft.com/office/infopath/2007/PartnerControls">
+          <TermName xmlns="http://schemas.microsoft.com/office/infopath/2007/PartnerControls">Microsoft Ignite</TermName>
+          <TermId xmlns="http://schemas.microsoft.com/office/infopath/2007/PartnerControls">9323c522-fe4b-4922-816b-10a1920d7afb</TermId>
+        </TermInfo>
+      </Terms>
+    </mb2e01f7e2d8413988e28e59aa226eec>
+    <MS_x0020_Content_x0020_Owner xmlns="01c77077-aee4-4b5f-bd4e-9cd40a6fff29">
+      <UserInfo>
+        <DisplayName/>
+        <AccountId xsi:nil="true"/>
+        <AccountType/>
+      </UserInfo>
+    </MS_x0020_Content_x0020_Owner>
+    <Session_x0020_Code xmlns="01c77077-aee4-4b5f-bd4e-9cd40a6fff29">BRK3283</Session_x0020_Code>
+    <Event_x0020_End_x0020_Date xmlns="01c77077-aee4-4b5f-bd4e-9cd40a6fff29">2016-09-30T07:00:00+00:00</Event_x0020_End_x0020_Date>
+    <o1010385baed4da9b5076a6aa651d1e5 xmlns="01c77077-aee4-4b5f-bd4e-9cd40a6fff29">
+      <Terms xmlns="http://schemas.microsoft.com/office/infopath/2007/PartnerControls"/>
+    </o1010385baed4da9b5076a6aa651d1e5>
+    <kc6d1bd9a46e4e5fbbbf99ca3de7a092 xmlns="01c77077-aee4-4b5f-bd4e-9cd40a6fff29">
+      <Terms xmlns="http://schemas.microsoft.com/office/infopath/2007/PartnerControls"/>
+    </kc6d1bd9a46e4e5fbbbf99ca3de7a092>
+    <MS_x0020_Speaker xmlns="01c77077-aee4-4b5f-bd4e-9cd40a6fff29">
+      <UserInfo>
+        <DisplayName/>
+        <AccountId xsi:nil="true"/>
+        <AccountType/>
+      </UserInfo>
+    </MS_x0020_Speaker>
+    <TaxKeywordTaxHTField xmlns="230e9df3-be65-4c73-a93b-d1236ebd677e">
+      <Terms xmlns="http://schemas.microsoft.com/office/infopath/2007/PartnerControls">
+        <TermInfo xmlns="http://schemas.microsoft.com/office/infopath/2007/PartnerControls">
+          <TermName xmlns="http://schemas.microsoft.com/office/infopath/2007/PartnerControls">Microsoft Ignite 2016</TermName>
+          <TermId xmlns="http://schemas.microsoft.com/office/infopath/2007/PartnerControls">e2f6a88c-86f9-4b25-a2af-b5c3afa8c82a</TermId>
+        </TermInfo>
+      </Terms>
+    </TaxKeywordTaxHTField>
+    <TaxCatchAll xmlns="230e9df3-be65-4c73-a93b-d1236ebd677e">
+      <Value>174</Value>
+      <Value>177</Value>
+      <Value>176</Value>
+      <Value>175</Value>
+    </TaxCatchAll>
+    <NumberofDownloads xmlns="230e9df3-be65-4c73-a93b-d1236ebd677e" xsi:nil="true"/>
+  </documentManagement>
+</p:properties>
 </file>
 
 <file path=customXml/item2.xml><?xml version="1.0" encoding="utf-8"?>
@@ -39839,88 +41606,29 @@
 </file>
 
 <file path=customXml/item3.xml><?xml version="1.0" encoding="utf-8"?>
-<p:properties xmlns:p="http://schemas.microsoft.com/office/2006/metadata/properties" xmlns:xsi="http://www.w3.org/2001/XMLSchema-instance" xmlns:pc="http://schemas.microsoft.com/office/infopath/2007/PartnerControls">
-  <documentManagement>
-    <LikesCount xmlns="http://schemas.microsoft.com/sharepoint/v3" xsi:nil="true"/>
-    <d12e2661e9634d9aa98bbb375f31aced xmlns="01c77077-aee4-4b5f-bd4e-9cd40a6fff29">
-      <Terms xmlns="http://schemas.microsoft.com/office/infopath/2007/PartnerControls">
-        <TermInfo xmlns="http://schemas.microsoft.com/office/infopath/2007/PartnerControls">
-          <TermName xmlns="http://schemas.microsoft.com/office/infopath/2007/PartnerControls">Georgia World Congress Center</TermName>
-          <TermId xmlns="http://schemas.microsoft.com/office/infopath/2007/PartnerControls">ea0ece34-59a6-4d43-8d9e-d0f9e2a2f1ce</TermId>
-        </TermInfo>
-      </Terms>
-    </d12e2661e9634d9aa98bbb375f31aced>
-    <Event_x0020_Start_x0020_Date xmlns="01c77077-aee4-4b5f-bd4e-9cd40a6fff29">2016-09-25T07:00:00+00:00</Event_x0020_Start_x0020_Date>
-    <Target_x0020_Audiences xmlns="8ff673fc-3231-4e3a-893b-6d7f7cd32766" xsi:nil="true"/>
-    <iaa5f83406f94009a0f6a3e890699ff7 xmlns="01c77077-aee4-4b5f-bd4e-9cd40a6fff29">
-      <Terms xmlns="http://schemas.microsoft.com/office/infopath/2007/PartnerControls">
-        <TermInfo xmlns="http://schemas.microsoft.com/office/infopath/2007/PartnerControls">
-          <TermName xmlns="http://schemas.microsoft.com/office/infopath/2007/PartnerControls">Atlanta</TermName>
-          <TermId xmlns="http://schemas.microsoft.com/office/infopath/2007/PartnerControls">01fb9831-5840-48a0-a576-3e48f42baa53</TermId>
-        </TermInfo>
-      </Terms>
-    </iaa5f83406f94009a0f6a3e890699ff7>
-    <External_x0020_Speaker xmlns="01c77077-aee4-4b5f-bd4e-9cd40a6fff29">Guy  Bowerman, Neil Gat</External_x0020_Speaker>
-    <m6878b9dd7994da4ba144f95347d99c6 xmlns="01c77077-aee4-4b5f-bd4e-9cd40a6fff29">
-      <Terms xmlns="http://schemas.microsoft.com/office/infopath/2007/PartnerControls"/>
-    </m6878b9dd7994da4ba144f95347d99c6>
-    <Presentation_x0020_Date xmlns="01c77077-aee4-4b5f-bd4e-9cd40a6fff29">2016-09-27T04:00:00+00:00</Presentation_x0020_Date>
-    <fc15c16204564de583b4c942b10d19ec xmlns="01c77077-aee4-4b5f-bd4e-9cd40a6fff29">
-      <Terms xmlns="http://schemas.microsoft.com/office/infopath/2007/PartnerControls"/>
-    </fc15c16204564de583b4c942b10d19ec>
-    <mb2e01f7e2d8413988e28e59aa226eec xmlns="01c77077-aee4-4b5f-bd4e-9cd40a6fff29">
-      <Terms xmlns="http://schemas.microsoft.com/office/infopath/2007/PartnerControls">
-        <TermInfo xmlns="http://schemas.microsoft.com/office/infopath/2007/PartnerControls">
-          <TermName xmlns="http://schemas.microsoft.com/office/infopath/2007/PartnerControls">Microsoft Ignite</TermName>
-          <TermId xmlns="http://schemas.microsoft.com/office/infopath/2007/PartnerControls">9323c522-fe4b-4922-816b-10a1920d7afb</TermId>
-        </TermInfo>
-      </Terms>
-    </mb2e01f7e2d8413988e28e59aa226eec>
-    <MS_x0020_Content_x0020_Owner xmlns="01c77077-aee4-4b5f-bd4e-9cd40a6fff29">
-      <UserInfo>
-        <DisplayName/>
-        <AccountId xsi:nil="true"/>
-        <AccountType/>
-      </UserInfo>
-    </MS_x0020_Content_x0020_Owner>
-    <Session_x0020_Code xmlns="01c77077-aee4-4b5f-bd4e-9cd40a6fff29">BRK3283</Session_x0020_Code>
-    <Event_x0020_End_x0020_Date xmlns="01c77077-aee4-4b5f-bd4e-9cd40a6fff29">2016-09-30T07:00:00+00:00</Event_x0020_End_x0020_Date>
-    <o1010385baed4da9b5076a6aa651d1e5 xmlns="01c77077-aee4-4b5f-bd4e-9cd40a6fff29">
-      <Terms xmlns="http://schemas.microsoft.com/office/infopath/2007/PartnerControls"/>
-    </o1010385baed4da9b5076a6aa651d1e5>
-    <kc6d1bd9a46e4e5fbbbf99ca3de7a092 xmlns="01c77077-aee4-4b5f-bd4e-9cd40a6fff29">
-      <Terms xmlns="http://schemas.microsoft.com/office/infopath/2007/PartnerControls"/>
-    </kc6d1bd9a46e4e5fbbbf99ca3de7a092>
-    <MS_x0020_Speaker xmlns="01c77077-aee4-4b5f-bd4e-9cd40a6fff29">
-      <UserInfo>
-        <DisplayName/>
-        <AccountId xsi:nil="true"/>
-        <AccountType/>
-      </UserInfo>
-    </MS_x0020_Speaker>
-    <TaxKeywordTaxHTField xmlns="230e9df3-be65-4c73-a93b-d1236ebd677e">
-      <Terms xmlns="http://schemas.microsoft.com/office/infopath/2007/PartnerControls">
-        <TermInfo xmlns="http://schemas.microsoft.com/office/infopath/2007/PartnerControls">
-          <TermName xmlns="http://schemas.microsoft.com/office/infopath/2007/PartnerControls">Microsoft Ignite 2016</TermName>
-          <TermId xmlns="http://schemas.microsoft.com/office/infopath/2007/PartnerControls">e2f6a88c-86f9-4b25-a2af-b5c3afa8c82a</TermId>
-        </TermInfo>
-      </Terms>
-    </TaxKeywordTaxHTField>
-    <TaxCatchAll xmlns="230e9df3-be65-4c73-a93b-d1236ebd677e">
-      <Value>174</Value>
-      <Value>177</Value>
-      <Value>176</Value>
-      <Value>175</Value>
-    </TaxCatchAll>
-    <NumberofDownloads xmlns="230e9df3-be65-4c73-a93b-d1236ebd677e" xsi:nil="true"/>
-  </documentManagement>
-</p:properties>
+<?mso-contentType ?>
+<FormTemplates xmlns="http://schemas.microsoft.com/sharepoint/v3/contenttype/forms">
+  <Display>DocumentLibraryForm</Display>
+  <Edit>DocumentLibraryForm</Edit>
+  <New>DocumentLibraryForm</New>
+</FormTemplates>
 </file>
 
 <file path=customXml/itemProps1.xml><?xml version="1.0" encoding="utf-8"?>
-<ds:datastoreItem xmlns:ds="http://schemas.openxmlformats.org/officeDocument/2006/customXml" ds:itemID="{758FDAC0-319D-4A54-8D8E-1D42CB1F8004}">
+<ds:datastoreItem xmlns:ds="http://schemas.openxmlformats.org/officeDocument/2006/customXml" ds:itemID="{F990F116-B58F-4255-B05B-DA3808E0E5C6}">
   <ds:schemaRefs>
-    <ds:schemaRef ds:uri="http://schemas.microsoft.com/sharepoint/v3/contenttype/forms"/>
+    <ds:schemaRef ds:uri="http://schemas.microsoft.com/office/2006/documentManagement/types"/>
+    <ds:schemaRef ds:uri="http://purl.org/dc/elements/1.1/"/>
+    <ds:schemaRef ds:uri="http://schemas.microsoft.com/office/2006/metadata/properties"/>
+    <ds:schemaRef ds:uri="01c77077-aee4-4b5f-bd4e-9cd40a6fff29"/>
+    <ds:schemaRef ds:uri="8ff673fc-3231-4e3a-893b-6d7f7cd32766"/>
+    <ds:schemaRef ds:uri="http://schemas.microsoft.com/sharepoint/v3"/>
+    <ds:schemaRef ds:uri="230e9df3-be65-4c73-a93b-d1236ebd677e"/>
+    <ds:schemaRef ds:uri="http://purl.org/dc/terms/"/>
+    <ds:schemaRef ds:uri="http://schemas.openxmlformats.org/package/2006/metadata/core-properties"/>
+    <ds:schemaRef ds:uri="http://purl.org/dc/dcmitype/"/>
+    <ds:schemaRef ds:uri="http://schemas.microsoft.com/office/infopath/2007/PartnerControls"/>
+    <ds:schemaRef ds:uri="http://www.w3.org/XML/1998/namespace"/>
   </ds:schemaRefs>
 </ds:datastoreItem>
 </file>
@@ -39947,20 +41655,9 @@
 </file>
 
 <file path=customXml/itemProps3.xml><?xml version="1.0" encoding="utf-8"?>
-<ds:datastoreItem xmlns:ds="http://schemas.openxmlformats.org/officeDocument/2006/customXml" ds:itemID="{F990F116-B58F-4255-B05B-DA3808E0E5C6}">
+<ds:datastoreItem xmlns:ds="http://schemas.openxmlformats.org/officeDocument/2006/customXml" ds:itemID="{758FDAC0-319D-4A54-8D8E-1D42CB1F8004}">
   <ds:schemaRefs>
-    <ds:schemaRef ds:uri="230e9df3-be65-4c73-a93b-d1236ebd677e"/>
-    <ds:schemaRef ds:uri="http://purl.org/dc/terms/"/>
-    <ds:schemaRef ds:uri="01c77077-aee4-4b5f-bd4e-9cd40a6fff29"/>
-    <ds:schemaRef ds:uri="8ff673fc-3231-4e3a-893b-6d7f7cd32766"/>
-    <ds:schemaRef ds:uri="http://schemas.microsoft.com/office/2006/documentManagement/types"/>
-    <ds:schemaRef ds:uri="http://schemas.microsoft.com/office/infopath/2007/PartnerControls"/>
-    <ds:schemaRef ds:uri="http://purl.org/dc/elements/1.1/"/>
-    <ds:schemaRef ds:uri="http://schemas.microsoft.com/office/2006/metadata/properties"/>
-    <ds:schemaRef ds:uri="http://schemas.microsoft.com/sharepoint/v3"/>
-    <ds:schemaRef ds:uri="http://schemas.openxmlformats.org/package/2006/metadata/core-properties"/>
-    <ds:schemaRef ds:uri="http://www.w3.org/XML/1998/namespace"/>
-    <ds:schemaRef ds:uri="http://purl.org/dc/dcmitype/"/>
+    <ds:schemaRef ds:uri="http://schemas.microsoft.com/sharepoint/v3/contenttype/forms"/>
   </ds:schemaRefs>
 </ds:datastoreItem>
 </file>
--- a/OpsValidation.pptx
+++ b/OpsValidation.pptx
@@ -1154,8 +1154,11 @@
             <a:rPr lang="en-US" sz="1600" b="0" cap="all" baseline="0" dirty="0">
               <a:latin typeface="Gill Sans Light"/>
             </a:rPr>
-            <a:t>Understanding Infrastructure as Code lifecycle</a:t>
+            <a:t>What is Operational validation Tests?</a:t>
           </a:r>
+          <a:endParaRPr lang="en-US" sz="1600" b="0" cap="all" baseline="0" dirty="0">
+            <a:latin typeface="Gill Sans Light"/>
+          </a:endParaRPr>
         </a:p>
       </dgm:t>
     </dgm:pt>
@@ -1199,7 +1202,7 @@
             <a:rPr lang="en-US" sz="1600" b="0" cap="all" baseline="0" dirty="0">
               <a:latin typeface="Gill Sans Light"/>
             </a:rPr>
-            <a:t>What is Operational validation Tests</a:t>
+            <a:t>Why Operational validation Tests?</a:t>
           </a:r>
         </a:p>
       </dgm:t>
@@ -1237,7 +1240,7 @@
             <a:rPr lang="en-US" sz="1600" b="0" cap="all" baseline="0" dirty="0">
               <a:latin typeface="Gill Sans Light"/>
             </a:rPr>
-            <a:t>Provision environment and deploy application </a:t>
+            <a:t>Conduct Operational validation</a:t>
           </a:r>
         </a:p>
       </dgm:t>
@@ -1267,18 +1270,6 @@
     <dgm:pt modelId="{480113CA-C268-4CA5-8DE1-D0A233A6B69B}">
       <dgm:prSet phldrT="[Text]" custT="1"/>
       <dgm:spPr/>
-      <dgm:t>
-        <a:bodyPr/>
-        <a:lstStyle/>
-        <a:p>
-          <a:r>
-            <a:rPr lang="en-US" sz="1600" b="0" cap="all" baseline="0" dirty="0">
-              <a:latin typeface="Gill Sans Light"/>
-            </a:rPr>
-            <a:t>Operational validation as part of Release pipeline </a:t>
-          </a:r>
-        </a:p>
-      </dgm:t>
     </dgm:pt>
     <dgm:pt modelId="{6D2E9D6D-6D6B-4257-AEB8-A20BC032899B}" type="parTrans" cxnId="{69A2EB2C-A281-407C-92A2-A6D3BC79B0D3}">
       <dgm:prSet/>
@@ -1320,8 +1311,11 @@
             <a:rPr lang="en-US" sz="1600" b="0" cap="all" baseline="0" dirty="0">
               <a:latin typeface="Gill Sans Light"/>
             </a:rPr>
-            <a:t>Introduce sample highly available environment and application </a:t>
+            <a:t>Tools for conducting Operations validation</a:t>
           </a:r>
+          <a:endParaRPr lang="en-US" sz="1600" b="0" cap="all" baseline="0" dirty="0">
+            <a:latin typeface="Gill Sans Light"/>
+          </a:endParaRPr>
         </a:p>
       </dgm:t>
     </dgm:pt>
@@ -1358,7 +1352,7 @@
             <a:rPr lang="en-US" sz="1600" b="0" cap="all" baseline="0" dirty="0">
               <a:latin typeface="Gill Sans Light"/>
             </a:rPr>
-            <a:t>Operational validation of provisioned environment </a:t>
+            <a:t>Operational validation as part of release pipeline</a:t>
           </a:r>
         </a:p>
       </dgm:t>
@@ -1375,6 +1369,54 @@
       </dgm:t>
     </dgm:pt>
     <dgm:pt modelId="{9D6ED532-3ACE-4F1A-8AD2-ADAF53B49571}" type="sibTrans" cxnId="{8028A6B7-DDDD-4580-BE64-444E5433E2C7}">
+      <dgm:prSet/>
+      <dgm:spPr/>
+      <dgm:t>
+        <a:bodyPr/>
+        <a:lstStyle/>
+        <a:p>
+          <a:endParaRPr lang="en-US"/>
+        </a:p>
+      </dgm:t>
+    </dgm:pt>
+    <dgm:pt modelId="{0C462EB6-0E3E-41D0-83D9-A8DACD53F066}">
+      <dgm:prSet phldrT="[Text]" custT="1"/>
+      <dgm:spPr>
+        <a:solidFill>
+          <a:schemeClr val="tx1">
+            <a:lumMod val="60000"/>
+            <a:lumOff val="40000"/>
+          </a:schemeClr>
+        </a:solidFill>
+      </dgm:spPr>
+      <dgm:t>
+        <a:bodyPr/>
+        <a:lstStyle/>
+        <a:p>
+          <a:r>
+            <a:rPr lang="en-US" sz="1600" b="0" cap="all" baseline="0" dirty="0">
+              <a:latin typeface="Gill Sans Light"/>
+            </a:rPr>
+            <a:t>sample Operational validation script</a:t>
+          </a:r>
+          <a:endParaRPr lang="en-US" sz="1600" b="0" cap="all" baseline="0" dirty="0">
+            <a:latin typeface="Gill Sans Light"/>
+          </a:endParaRPr>
+        </a:p>
+      </dgm:t>
+    </dgm:pt>
+    <dgm:pt modelId="{82C6CE5C-12AE-41DA-9648-53EBDA8B9910}" type="parTrans" cxnId="{28D2C6FA-3595-43A4-BB64-00B3BFDE5C50}">
+      <dgm:prSet/>
+      <dgm:spPr/>
+      <dgm:t>
+        <a:bodyPr/>
+        <a:lstStyle/>
+        <a:p>
+          <a:endParaRPr lang="en-US"/>
+        </a:p>
+      </dgm:t>
+    </dgm:pt>
+    <dgm:pt modelId="{3CF54E18-F565-4F15-8751-F24EB9E1D497}" type="sibTrans" cxnId="{28D2C6FA-3595-43A4-BB64-00B3BFDE5C50}">
       <dgm:prSet/>
       <dgm:spPr/>
       <dgm:t>
@@ -1483,72 +1525,73 @@
       <dgm:prSet presAssocID="{F18225CD-2221-4499-AF9A-94E0A73ED569}" presName="accentRepeatNode" presStyleLbl="solidFgAcc1" presStyleIdx="3" presStyleCnt="7"/>
       <dgm:spPr/>
     </dgm:pt>
-    <dgm:pt modelId="{0238FBFC-12CB-4B9A-8969-633C47CFE04A}" type="pres">
-      <dgm:prSet presAssocID="{55223F95-6EC8-46B2-B135-57AF3FEEEFB3}" presName="text_5" presStyleLbl="node1" presStyleIdx="4" presStyleCnt="7">
+    <dgm:pt modelId="{054FA043-5EF6-4DB1-ACC5-F92D64C70FE2}" type="pres">
+      <dgm:prSet presAssocID="{0C462EB6-0E3E-41D0-83D9-A8DACD53F066}" presName="text_5" presStyleLbl="node1" presStyleIdx="4" presStyleCnt="7">
         <dgm:presLayoutVars>
           <dgm:bulletEnabled val="1"/>
         </dgm:presLayoutVars>
       </dgm:prSet>
       <dgm:spPr/>
     </dgm:pt>
-    <dgm:pt modelId="{E8291A70-E678-4ACC-88E1-412930AA4610}" type="pres">
-      <dgm:prSet presAssocID="{55223F95-6EC8-46B2-B135-57AF3FEEEFB3}" presName="accent_5" presStyleCnt="0"/>
+    <dgm:pt modelId="{9F58D7D2-45C9-4257-A6DA-1B73905C6E94}" type="pres">
+      <dgm:prSet presAssocID="{0C462EB6-0E3E-41D0-83D9-A8DACD53F066}" presName="accent_5" presStyleCnt="0"/>
       <dgm:spPr/>
     </dgm:pt>
-    <dgm:pt modelId="{A1A0109C-2FCC-42F8-85B3-C573D3BC6C49}" type="pres">
-      <dgm:prSet presAssocID="{55223F95-6EC8-46B2-B135-57AF3FEEEFB3}" presName="accentRepeatNode" presStyleLbl="solidFgAcc1" presStyleIdx="4" presStyleCnt="7"/>
+    <dgm:pt modelId="{3ED675D9-63AC-48C4-840A-9F89A058672F}" type="pres">
+      <dgm:prSet presAssocID="{0C462EB6-0E3E-41D0-83D9-A8DACD53F066}" presName="accentRepeatNode" presStyleLbl="solidFgAcc1" presStyleIdx="4" presStyleCnt="7"/>
       <dgm:spPr/>
     </dgm:pt>
-    <dgm:pt modelId="{A6F56AA4-D9DA-4E65-AC12-7B9334454C19}" type="pres">
-      <dgm:prSet presAssocID="{D3F85054-8A20-4D2D-8305-FFDA24308DBA}" presName="text_6" presStyleLbl="node1" presStyleIdx="5" presStyleCnt="7" custLinFactNeighborX="-301">
+    <dgm:pt modelId="{EB67D276-CCB4-4586-97E2-0E0043BC4EED}" type="pres">
+      <dgm:prSet presAssocID="{55223F95-6EC8-46B2-B135-57AF3FEEEFB3}" presName="text_6" presStyleLbl="node1" presStyleIdx="5" presStyleCnt="7">
         <dgm:presLayoutVars>
           <dgm:bulletEnabled val="1"/>
         </dgm:presLayoutVars>
       </dgm:prSet>
       <dgm:spPr/>
     </dgm:pt>
-    <dgm:pt modelId="{961B6B8E-D44F-4632-805D-E83DB94ED63D}" type="pres">
-      <dgm:prSet presAssocID="{D3F85054-8A20-4D2D-8305-FFDA24308DBA}" presName="accent_6" presStyleCnt="0"/>
+    <dgm:pt modelId="{70C46C03-85FC-4E74-A888-110969B1536D}" type="pres">
+      <dgm:prSet presAssocID="{55223F95-6EC8-46B2-B135-57AF3FEEEFB3}" presName="accent_6" presStyleCnt="0"/>
       <dgm:spPr/>
     </dgm:pt>
-    <dgm:pt modelId="{58EB3F5A-E0DD-4D6C-BCBC-D1F38ED32216}" type="pres">
-      <dgm:prSet presAssocID="{D3F85054-8A20-4D2D-8305-FFDA24308DBA}" presName="accentRepeatNode" presStyleLbl="solidFgAcc1" presStyleIdx="5" presStyleCnt="7"/>
+    <dgm:pt modelId="{A1A0109C-2FCC-42F8-85B3-C573D3BC6C49}" type="pres">
+      <dgm:prSet presAssocID="{55223F95-6EC8-46B2-B135-57AF3FEEEFB3}" presName="accentRepeatNode" presStyleLbl="solidFgAcc1" presStyleIdx="5" presStyleCnt="7"/>
       <dgm:spPr/>
     </dgm:pt>
-    <dgm:pt modelId="{A1328B6F-7292-4B5A-A6DB-DC1A9EB11F3D}" type="pres">
-      <dgm:prSet presAssocID="{480113CA-C268-4CA5-8DE1-D0A233A6B69B}" presName="text_7" presStyleLbl="node1" presStyleIdx="6" presStyleCnt="7">
+    <dgm:pt modelId="{6C104D64-1520-4342-8F2C-2AE797776F54}" type="pres">
+      <dgm:prSet presAssocID="{D3F85054-8A20-4D2D-8305-FFDA24308DBA}" presName="text_7" presStyleLbl="node1" presStyleIdx="6" presStyleCnt="7">
         <dgm:presLayoutVars>
           <dgm:bulletEnabled val="1"/>
         </dgm:presLayoutVars>
       </dgm:prSet>
       <dgm:spPr/>
     </dgm:pt>
-    <dgm:pt modelId="{68F8A13B-D312-41BC-9ECE-60EFDB988782}" type="pres">
-      <dgm:prSet presAssocID="{480113CA-C268-4CA5-8DE1-D0A233A6B69B}" presName="accent_7" presStyleCnt="0"/>
+    <dgm:pt modelId="{D0D7CA6B-F3A3-4A54-B42F-9699E0E330A5}" type="pres">
+      <dgm:prSet presAssocID="{D3F85054-8A20-4D2D-8305-FFDA24308DBA}" presName="accent_7" presStyleCnt="0"/>
       <dgm:spPr/>
     </dgm:pt>
-    <dgm:pt modelId="{43038923-8019-4DC3-AAF5-93198AD4F850}" type="pres">
-      <dgm:prSet presAssocID="{480113CA-C268-4CA5-8DE1-D0A233A6B69B}" presName="accentRepeatNode" presStyleLbl="solidFgAcc1" presStyleIdx="6" presStyleCnt="7"/>
+    <dgm:pt modelId="{58EB3F5A-E0DD-4D6C-BCBC-D1F38ED32216}" type="pres">
+      <dgm:prSet presAssocID="{D3F85054-8A20-4D2D-8305-FFDA24308DBA}" presName="accentRepeatNode" presStyleLbl="solidFgAcc1" presStyleIdx="6" presStyleCnt="7"/>
       <dgm:spPr/>
     </dgm:pt>
   </dgm:ptLst>
   <dgm:cxnLst>
-    <dgm:cxn modelId="{A001510E-4F11-4894-A85B-8DE3BC079C94}" srcId="{27132313-E107-4E35-B853-4B6CA06F868E}" destId="{55223F95-6EC8-46B2-B135-57AF3FEEEFB3}" srcOrd="4" destOrd="0" parTransId="{DA82DCA2-373B-4944-89AE-372B58C486C4}" sibTransId="{371D3D49-E515-4C86-AFCD-519F27E60EB9}"/>
+    <dgm:cxn modelId="{A001510E-4F11-4894-A85B-8DE3BC079C94}" srcId="{27132313-E107-4E35-B853-4B6CA06F868E}" destId="{55223F95-6EC8-46B2-B135-57AF3FEEEFB3}" srcOrd="5" destOrd="0" parTransId="{DA82DCA2-373B-4944-89AE-372B58C486C4}" sibTransId="{371D3D49-E515-4C86-AFCD-519F27E60EB9}"/>
     <dgm:cxn modelId="{AC9286E1-C52F-4CAC-9957-88123CEBE9C1}" srcId="{27132313-E107-4E35-B853-4B6CA06F868E}" destId="{F18225CD-2221-4499-AF9A-94E0A73ED569}" srcOrd="3" destOrd="0" parTransId="{3B3FA8C2-EA50-4448-BAC8-0CFE800FEA1C}" sibTransId="{B9988998-88C8-4A16-9019-F9E4F06C7A61}"/>
+    <dgm:cxn modelId="{442E632C-D807-40FD-B519-004BF4FF5C4F}" type="presOf" srcId="{0C462EB6-0E3E-41D0-83D9-A8DACD53F066}" destId="{054FA043-5EF6-4DB1-ACC5-F92D64C70FE2}" srcOrd="0" destOrd="0" presId="urn:microsoft.com/office/officeart/2008/layout/VerticalCurvedList"/>
     <dgm:cxn modelId="{286C57E0-1CEA-4DA3-A0D4-C7278A00F3E3}" type="presOf" srcId="{6CF88BC9-5DFF-4DD4-BEAD-B77D82FCC47A}" destId="{CBEDC5D5-A5A6-44CF-86F2-C3E187A6307B}" srcOrd="0" destOrd="0" presId="urn:microsoft.com/office/officeart/2008/layout/VerticalCurvedList"/>
     <dgm:cxn modelId="{D3CC7E7F-0ADD-4B01-A3CD-EA422EBF07DB}" type="presOf" srcId="{A37A6FC0-FEB4-4D5B-83EC-20B487807D46}" destId="{E9DD4E32-D06A-47F9-B023-55893571D181}" srcOrd="0" destOrd="0" presId="urn:microsoft.com/office/officeart/2008/layout/VerticalCurvedList"/>
     <dgm:cxn modelId="{323A326E-A57F-4B88-8B1C-F28F34BD1C5E}" srcId="{27132313-E107-4E35-B853-4B6CA06F868E}" destId="{15DB0D06-E9AA-4B84-A5D1-E506B437A9F1}" srcOrd="0" destOrd="0" parTransId="{DD04E1D7-7DB4-4D8E-A85C-0B638F2C305F}" sibTransId="{A37A6FC0-FEB4-4D5B-83EC-20B487807D46}"/>
-    <dgm:cxn modelId="{D37265C9-79AE-45C5-AD50-C6D167A45A75}" type="presOf" srcId="{55223F95-6EC8-46B2-B135-57AF3FEEEFB3}" destId="{0238FBFC-12CB-4B9A-8969-633C47CFE04A}" srcOrd="0" destOrd="0" presId="urn:microsoft.com/office/officeart/2008/layout/VerticalCurvedList"/>
+    <dgm:cxn modelId="{9542F20C-5AF0-473C-A3CF-85ABF034B409}" type="presOf" srcId="{55223F95-6EC8-46B2-B135-57AF3FEEEFB3}" destId="{EB67D276-CCB4-4586-97E2-0E0043BC4EED}" srcOrd="0" destOrd="0" presId="urn:microsoft.com/office/officeart/2008/layout/VerticalCurvedList"/>
     <dgm:cxn modelId="{26D94D23-1D8C-4660-ABCD-A84CDAE837CD}" type="presOf" srcId="{27132313-E107-4E35-B853-4B6CA06F868E}" destId="{3A4CECF0-377C-4AF4-B179-C0FB2E1B425A}" srcOrd="0" destOrd="0" presId="urn:microsoft.com/office/officeart/2008/layout/VerticalCurvedList"/>
-    <dgm:cxn modelId="{8028A6B7-DDDD-4580-BE64-444E5433E2C7}" srcId="{27132313-E107-4E35-B853-4B6CA06F868E}" destId="{D3F85054-8A20-4D2D-8305-FFDA24308DBA}" srcOrd="5" destOrd="0" parTransId="{9488879E-DA06-40B8-B49C-649AEA2BFD97}" sibTransId="{9D6ED532-3ACE-4F1A-8AD2-ADAF53B49571}"/>
+    <dgm:cxn modelId="{8028A6B7-DDDD-4580-BE64-444E5433E2C7}" srcId="{27132313-E107-4E35-B853-4B6CA06F868E}" destId="{D3F85054-8A20-4D2D-8305-FFDA24308DBA}" srcOrd="6" destOrd="0" parTransId="{9488879E-DA06-40B8-B49C-649AEA2BFD97}" sibTransId="{9D6ED532-3ACE-4F1A-8AD2-ADAF53B49571}"/>
     <dgm:cxn modelId="{EAD46129-5A1C-4D8F-833A-60D4A982D230}" type="presOf" srcId="{4B26D6C1-5672-4BD1-92FA-170B7B1862CD}" destId="{6EFC8853-DCF2-4592-8462-5520C60C7557}" srcOrd="0" destOrd="0" presId="urn:microsoft.com/office/officeart/2008/layout/VerticalCurvedList"/>
-    <dgm:cxn modelId="{F3CFE7A3-23A1-4C51-B0AF-5AB72A900914}" type="presOf" srcId="{480113CA-C268-4CA5-8DE1-D0A233A6B69B}" destId="{A1328B6F-7292-4B5A-A6DB-DC1A9EB11F3D}" srcOrd="0" destOrd="0" presId="urn:microsoft.com/office/officeart/2008/layout/VerticalCurvedList"/>
-    <dgm:cxn modelId="{D9F8E8E7-121F-4221-BD40-D733AB24803C}" type="presOf" srcId="{D3F85054-8A20-4D2D-8305-FFDA24308DBA}" destId="{A6F56AA4-D9DA-4E65-AC12-7B9334454C19}" srcOrd="0" destOrd="0" presId="urn:microsoft.com/office/officeart/2008/layout/VerticalCurvedList"/>
     <dgm:cxn modelId="{83657945-54FA-48FE-A62E-D4C722383B61}" type="presOf" srcId="{15DB0D06-E9AA-4B84-A5D1-E506B437A9F1}" destId="{5F30E847-773C-4184-9B56-8B5EC2CE4DA6}" srcOrd="0" destOrd="0" presId="urn:microsoft.com/office/officeart/2008/layout/VerticalCurvedList"/>
-    <dgm:cxn modelId="{69A2EB2C-A281-407C-92A2-A6D3BC79B0D3}" srcId="{27132313-E107-4E35-B853-4B6CA06F868E}" destId="{480113CA-C268-4CA5-8DE1-D0A233A6B69B}" srcOrd="6" destOrd="0" parTransId="{6D2E9D6D-6D6B-4257-AEB8-A20BC032899B}" sibTransId="{89CCD36B-2BA5-4D57-95AC-494EA83513AC}"/>
+    <dgm:cxn modelId="{69A2EB2C-A281-407C-92A2-A6D3BC79B0D3}" srcId="{27132313-E107-4E35-B853-4B6CA06F868E}" destId="{480113CA-C268-4CA5-8DE1-D0A233A6B69B}" srcOrd="7" destOrd="0" parTransId="{6D2E9D6D-6D6B-4257-AEB8-A20BC032899B}" sibTransId="{89CCD36B-2BA5-4D57-95AC-494EA83513AC}"/>
+    <dgm:cxn modelId="{90068939-A57F-4390-9419-B4B434399E73}" type="presOf" srcId="{D3F85054-8A20-4D2D-8305-FFDA24308DBA}" destId="{6C104D64-1520-4342-8F2C-2AE797776F54}" srcOrd="0" destOrd="0" presId="urn:microsoft.com/office/officeart/2008/layout/VerticalCurvedList"/>
     <dgm:cxn modelId="{24663807-2921-41A7-AAE3-A5212FEC9A83}" type="presOf" srcId="{F18225CD-2221-4499-AF9A-94E0A73ED569}" destId="{AD3228F9-AD03-4CF4-AB80-72755C7B22F9}" srcOrd="0" destOrd="0" presId="urn:microsoft.com/office/officeart/2008/layout/VerticalCurvedList"/>
     <dgm:cxn modelId="{B301DD32-5A17-4DEC-8342-35430CA29358}" srcId="{27132313-E107-4E35-B853-4B6CA06F868E}" destId="{4B26D6C1-5672-4BD1-92FA-170B7B1862CD}" srcOrd="2" destOrd="0" parTransId="{DC216AA3-8EB8-4A9D-89A7-D7C7C5F7D74A}" sibTransId="{E2FC53D4-23DC-44FE-A71E-8D3134170E14}"/>
     <dgm:cxn modelId="{9B8CF851-3535-4E4D-8BEC-29CB591FE0A1}" srcId="{27132313-E107-4E35-B853-4B6CA06F868E}" destId="{6CF88BC9-5DFF-4DD4-BEAD-B77D82FCC47A}" srcOrd="1" destOrd="0" parTransId="{83D5E11A-0986-4225-BFBB-894D22AF6CE6}" sibTransId="{3A41363D-9B80-4E9F-80C3-BD0DF0E8299E}"/>
+    <dgm:cxn modelId="{28D2C6FA-3595-43A4-BB64-00B3BFDE5C50}" srcId="{27132313-E107-4E35-B853-4B6CA06F868E}" destId="{0C462EB6-0E3E-41D0-83D9-A8DACD53F066}" srcOrd="4" destOrd="0" parTransId="{82C6CE5C-12AE-41DA-9648-53EBDA8B9910}" sibTransId="{3CF54E18-F565-4F15-8751-F24EB9E1D497}"/>
     <dgm:cxn modelId="{1CD4C3C0-5664-4E77-9DD8-1CEFC501C09A}" type="presParOf" srcId="{3A4CECF0-377C-4AF4-B179-C0FB2E1B425A}" destId="{02658D17-CDEC-4C2C-AA60-BAC9C3B3ACC6}" srcOrd="0" destOrd="0" presId="urn:microsoft.com/office/officeart/2008/layout/VerticalCurvedList"/>
     <dgm:cxn modelId="{C8BCFBCD-1554-4C8E-BBBD-B49CDE3D66A1}" type="presParOf" srcId="{02658D17-CDEC-4C2C-AA60-BAC9C3B3ACC6}" destId="{F1813580-1A93-40E5-A155-B4375BD7F04F}" srcOrd="0" destOrd="0" presId="urn:microsoft.com/office/officeart/2008/layout/VerticalCurvedList"/>
     <dgm:cxn modelId="{7739051E-1B1C-4C61-BEAE-E76CAEC05714}" type="presParOf" srcId="{F1813580-1A93-40E5-A155-B4375BD7F04F}" destId="{418912A9-9D08-4484-AE5C-2DB9FC88BB58}" srcOrd="0" destOrd="0" presId="urn:microsoft.com/office/officeart/2008/layout/VerticalCurvedList"/>
@@ -1567,15 +1610,15 @@
     <dgm:cxn modelId="{5F84A228-41B9-49D9-8D35-D0794939F6CD}" type="presParOf" srcId="{02658D17-CDEC-4C2C-AA60-BAC9C3B3ACC6}" destId="{AD3228F9-AD03-4CF4-AB80-72755C7B22F9}" srcOrd="7" destOrd="0" presId="urn:microsoft.com/office/officeart/2008/layout/VerticalCurvedList"/>
     <dgm:cxn modelId="{ED01A06E-B800-4D21-B7FF-7B8C882ACFE9}" type="presParOf" srcId="{02658D17-CDEC-4C2C-AA60-BAC9C3B3ACC6}" destId="{18655D88-0FED-40BD-A24E-C67AF9E6D379}" srcOrd="8" destOrd="0" presId="urn:microsoft.com/office/officeart/2008/layout/VerticalCurvedList"/>
     <dgm:cxn modelId="{D1D3FB34-FDA8-40B9-B34D-72A19DF7F08A}" type="presParOf" srcId="{18655D88-0FED-40BD-A24E-C67AF9E6D379}" destId="{6C72EB8A-1968-40BF-BA60-8B68BAE226E8}" srcOrd="0" destOrd="0" presId="urn:microsoft.com/office/officeart/2008/layout/VerticalCurvedList"/>
-    <dgm:cxn modelId="{F53C1D0E-5A52-4D7A-A8F0-00E48FF0017B}" type="presParOf" srcId="{02658D17-CDEC-4C2C-AA60-BAC9C3B3ACC6}" destId="{0238FBFC-12CB-4B9A-8969-633C47CFE04A}" srcOrd="9" destOrd="0" presId="urn:microsoft.com/office/officeart/2008/layout/VerticalCurvedList"/>
-    <dgm:cxn modelId="{6408E0C4-08DA-4B59-9080-00DFD4D60DFC}" type="presParOf" srcId="{02658D17-CDEC-4C2C-AA60-BAC9C3B3ACC6}" destId="{E8291A70-E678-4ACC-88E1-412930AA4610}" srcOrd="10" destOrd="0" presId="urn:microsoft.com/office/officeart/2008/layout/VerticalCurvedList"/>
-    <dgm:cxn modelId="{E1083FEC-74C8-4B3F-963E-B9589A7082B5}" type="presParOf" srcId="{E8291A70-E678-4ACC-88E1-412930AA4610}" destId="{A1A0109C-2FCC-42F8-85B3-C573D3BC6C49}" srcOrd="0" destOrd="0" presId="urn:microsoft.com/office/officeart/2008/layout/VerticalCurvedList"/>
-    <dgm:cxn modelId="{2C39CACC-DE47-4638-A853-3E72C393B433}" type="presParOf" srcId="{02658D17-CDEC-4C2C-AA60-BAC9C3B3ACC6}" destId="{A6F56AA4-D9DA-4E65-AC12-7B9334454C19}" srcOrd="11" destOrd="0" presId="urn:microsoft.com/office/officeart/2008/layout/VerticalCurvedList"/>
-    <dgm:cxn modelId="{A073EA8D-4C36-4D65-8578-822B90B97870}" type="presParOf" srcId="{02658D17-CDEC-4C2C-AA60-BAC9C3B3ACC6}" destId="{961B6B8E-D44F-4632-805D-E83DB94ED63D}" srcOrd="12" destOrd="0" presId="urn:microsoft.com/office/officeart/2008/layout/VerticalCurvedList"/>
-    <dgm:cxn modelId="{0F0E8E68-6E8F-4544-8BF5-8BC627AB5229}" type="presParOf" srcId="{961B6B8E-D44F-4632-805D-E83DB94ED63D}" destId="{58EB3F5A-E0DD-4D6C-BCBC-D1F38ED32216}" srcOrd="0" destOrd="0" presId="urn:microsoft.com/office/officeart/2008/layout/VerticalCurvedList"/>
-    <dgm:cxn modelId="{209C5427-4C37-48F6-B1BA-3C4AA2EAFD92}" type="presParOf" srcId="{02658D17-CDEC-4C2C-AA60-BAC9C3B3ACC6}" destId="{A1328B6F-7292-4B5A-A6DB-DC1A9EB11F3D}" srcOrd="13" destOrd="0" presId="urn:microsoft.com/office/officeart/2008/layout/VerticalCurvedList"/>
-    <dgm:cxn modelId="{5639A951-28AB-4B24-AFB0-1BB8647835EC}" type="presParOf" srcId="{02658D17-CDEC-4C2C-AA60-BAC9C3B3ACC6}" destId="{68F8A13B-D312-41BC-9ECE-60EFDB988782}" srcOrd="14" destOrd="0" presId="urn:microsoft.com/office/officeart/2008/layout/VerticalCurvedList"/>
-    <dgm:cxn modelId="{42E931FD-583F-449A-9DCB-DD6A9A52AA53}" type="presParOf" srcId="{68F8A13B-D312-41BC-9ECE-60EFDB988782}" destId="{43038923-8019-4DC3-AAF5-93198AD4F850}" srcOrd="0" destOrd="0" presId="urn:microsoft.com/office/officeart/2008/layout/VerticalCurvedList"/>
+    <dgm:cxn modelId="{D72CCAA3-773F-4934-A47A-7DD592B6B6C0}" type="presParOf" srcId="{02658D17-CDEC-4C2C-AA60-BAC9C3B3ACC6}" destId="{054FA043-5EF6-4DB1-ACC5-F92D64C70FE2}" srcOrd="9" destOrd="0" presId="urn:microsoft.com/office/officeart/2008/layout/VerticalCurvedList"/>
+    <dgm:cxn modelId="{8D566A98-DDE5-4539-9D36-AAA82558A22E}" type="presParOf" srcId="{02658D17-CDEC-4C2C-AA60-BAC9C3B3ACC6}" destId="{9F58D7D2-45C9-4257-A6DA-1B73905C6E94}" srcOrd="10" destOrd="0" presId="urn:microsoft.com/office/officeart/2008/layout/VerticalCurvedList"/>
+    <dgm:cxn modelId="{ECFB8152-952A-40B3-BEB5-CEACF7DCB9F3}" type="presParOf" srcId="{9F58D7D2-45C9-4257-A6DA-1B73905C6E94}" destId="{3ED675D9-63AC-48C4-840A-9F89A058672F}" srcOrd="0" destOrd="0" presId="urn:microsoft.com/office/officeart/2008/layout/VerticalCurvedList"/>
+    <dgm:cxn modelId="{3AC737B2-F22C-432B-B373-66F2A65F4E1A}" type="presParOf" srcId="{02658D17-CDEC-4C2C-AA60-BAC9C3B3ACC6}" destId="{EB67D276-CCB4-4586-97E2-0E0043BC4EED}" srcOrd="11" destOrd="0" presId="urn:microsoft.com/office/officeart/2008/layout/VerticalCurvedList"/>
+    <dgm:cxn modelId="{224DBE28-FA53-4567-8ECA-9160E3360D6A}" type="presParOf" srcId="{02658D17-CDEC-4C2C-AA60-BAC9C3B3ACC6}" destId="{70C46C03-85FC-4E74-A888-110969B1536D}" srcOrd="12" destOrd="0" presId="urn:microsoft.com/office/officeart/2008/layout/VerticalCurvedList"/>
+    <dgm:cxn modelId="{78FA8C0A-223A-46CF-8BC5-D979CB0CF4FE}" type="presParOf" srcId="{70C46C03-85FC-4E74-A888-110969B1536D}" destId="{A1A0109C-2FCC-42F8-85B3-C573D3BC6C49}" srcOrd="0" destOrd="0" presId="urn:microsoft.com/office/officeart/2008/layout/VerticalCurvedList"/>
+    <dgm:cxn modelId="{A94FD8EA-B113-457A-87A2-0DF5ADF8F21E}" type="presParOf" srcId="{02658D17-CDEC-4C2C-AA60-BAC9C3B3ACC6}" destId="{6C104D64-1520-4342-8F2C-2AE797776F54}" srcOrd="13" destOrd="0" presId="urn:microsoft.com/office/officeart/2008/layout/VerticalCurvedList"/>
+    <dgm:cxn modelId="{A3924505-FA8A-4B79-8A00-DCBC39C4BB2D}" type="presParOf" srcId="{02658D17-CDEC-4C2C-AA60-BAC9C3B3ACC6}" destId="{D0D7CA6B-F3A3-4A54-B42F-9699E0E330A5}" srcOrd="14" destOrd="0" presId="urn:microsoft.com/office/officeart/2008/layout/VerticalCurvedList"/>
+    <dgm:cxn modelId="{C136B767-1841-4EC3-AE1C-0FC9764D6A0D}" type="presParOf" srcId="{D0D7CA6B-F3A3-4A54-B42F-9699E0E330A5}" destId="{58EB3F5A-E0DD-4D6C-BCBC-D1F38ED32216}" srcOrd="0" destOrd="0" presId="urn:microsoft.com/office/officeart/2008/layout/VerticalCurvedList"/>
   </dgm:cxnLst>
   <dgm:bg/>
   <dgm:whole/>
@@ -1835,8 +1878,11 @@
             <a:rPr lang="en-US" sz="1600" b="0" kern="1200" cap="all" baseline="0" dirty="0">
               <a:latin typeface="Gill Sans Light"/>
             </a:rPr>
-            <a:t>Understanding Infrastructure as Code lifecycle</a:t>
+            <a:t>What is Operational validation Tests?</a:t>
           </a:r>
+          <a:endParaRPr lang="en-US" sz="1600" b="0" kern="1200" cap="all" baseline="0" dirty="0">
+            <a:latin typeface="Gill Sans Light"/>
+          </a:endParaRPr>
         </a:p>
       </dsp:txBody>
       <dsp:txXfrm>
@@ -1959,7 +2005,7 @@
             <a:rPr lang="en-US" sz="1600" b="0" kern="1200" cap="all" baseline="0" dirty="0">
               <a:latin typeface="Gill Sans Light"/>
             </a:rPr>
-            <a:t>What is Operational validation Tests</a:t>
+            <a:t>Why Operational validation Tests?</a:t>
           </a:r>
         </a:p>
       </dsp:txBody>
@@ -2083,8 +2129,11 @@
             <a:rPr lang="en-US" sz="1600" b="0" kern="1200" cap="all" baseline="0" dirty="0">
               <a:latin typeface="Gill Sans Light"/>
             </a:rPr>
-            <a:t>Introduce sample highly available environment and application </a:t>
+            <a:t>Tools for conducting Operations validation</a:t>
           </a:r>
+          <a:endParaRPr lang="en-US" sz="1600" b="0" kern="1200" cap="all" baseline="0" dirty="0">
+            <a:latin typeface="Gill Sans Light"/>
+          </a:endParaRPr>
         </a:p>
       </dsp:txBody>
       <dsp:txXfrm>
@@ -2139,7 +2188,7 @@
         <a:fontRef idx="minor"/>
       </dsp:style>
     </dsp:sp>
-    <dsp:sp modelId="{0238FBFC-12CB-4B9A-8969-633C47CFE04A}">
+    <dsp:sp modelId="{054FA043-5EF6-4DB1-ACC5-F92D64C70FE2}">
       <dsp:nvSpPr>
         <dsp:cNvPr id="0" name=""/>
         <dsp:cNvSpPr/>
@@ -2153,11 +2202,9 @@
           <a:avLst/>
         </a:prstGeom>
         <a:solidFill>
-          <a:schemeClr val="accent6">
-            <a:hueOff val="0"/>
-            <a:satOff val="0"/>
-            <a:lumOff val="0"/>
-            <a:alphaOff val="0"/>
+          <a:schemeClr val="tx1">
+            <a:lumMod val="60000"/>
+            <a:lumOff val="40000"/>
           </a:schemeClr>
         </a:solidFill>
         <a:ln w="10795" cap="flat" cmpd="sng" algn="ctr">
@@ -2209,8 +2256,11 @@
             <a:rPr lang="en-US" sz="1600" b="0" kern="1200" cap="all" baseline="0" dirty="0">
               <a:latin typeface="Gill Sans Light"/>
             </a:rPr>
-            <a:t>Provision environment and deploy application </a:t>
+            <a:t>sample Operational validation script</a:t>
           </a:r>
+          <a:endParaRPr lang="en-US" sz="1600" b="0" kern="1200" cap="all" baseline="0" dirty="0">
+            <a:latin typeface="Gill Sans Light"/>
+          </a:endParaRPr>
         </a:p>
       </dsp:txBody>
       <dsp:txXfrm>
@@ -2218,7 +2268,7 @@
         <a:ext cx="10853673" cy="502180"/>
       </dsp:txXfrm>
     </dsp:sp>
-    <dsp:sp modelId="{A1A0109C-2FCC-42F8-85B3-C573D3BC6C49}">
+    <dsp:sp modelId="{3ED675D9-63AC-48C4-840A-9F89A058672F}">
       <dsp:nvSpPr>
         <dsp:cNvPr id="0" name=""/>
         <dsp:cNvSpPr/>
@@ -2265,14 +2315,14 @@
         <a:fontRef idx="minor"/>
       </dsp:style>
     </dsp:sp>
-    <dsp:sp modelId="{A6F56AA4-D9DA-4E65-AC12-7B9334454C19}">
+    <dsp:sp modelId="{EB67D276-CCB4-4586-97E2-0E0043BC4EED}">
       <dsp:nvSpPr>
         <dsp:cNvPr id="0" name=""/>
         <dsp:cNvSpPr/>
       </dsp:nvSpPr>
       <dsp:spPr>
         <a:xfrm>
-          <a:off x="808981" y="4018660"/>
+          <a:off x="842401" y="4018660"/>
           <a:ext cx="11102884" cy="502180"/>
         </a:xfrm>
         <a:prstGeom prst="rect">
@@ -2335,16 +2385,16 @@
             <a:rPr lang="en-US" sz="1600" b="0" kern="1200" cap="all" baseline="0" dirty="0">
               <a:latin typeface="Gill Sans Light"/>
             </a:rPr>
-            <a:t>Operational validation of provisioned environment </a:t>
+            <a:t>Conduct Operational validation</a:t>
           </a:r>
         </a:p>
       </dsp:txBody>
       <dsp:txXfrm>
-        <a:off x="808981" y="4018660"/>
+        <a:off x="842401" y="4018660"/>
         <a:ext cx="11102884" cy="502180"/>
       </dsp:txXfrm>
     </dsp:sp>
-    <dsp:sp modelId="{58EB3F5A-E0DD-4D6C-BCBC-D1F38ED32216}">
+    <dsp:sp modelId="{A1A0109C-2FCC-42F8-85B3-C573D3BC6C49}">
       <dsp:nvSpPr>
         <dsp:cNvPr id="0" name=""/>
         <dsp:cNvSpPr/>
@@ -2391,7 +2441,7 @@
         <a:fontRef idx="minor"/>
       </dsp:style>
     </dsp:sp>
-    <dsp:sp modelId="{A1328B6F-7292-4B5A-A6DB-DC1A9EB11F3D}">
+    <dsp:sp modelId="{6C104D64-1520-4342-8F2C-2AE797776F54}">
       <dsp:nvSpPr>
         <dsp:cNvPr id="0" name=""/>
         <dsp:cNvSpPr/>
@@ -2461,7 +2511,7 @@
             <a:rPr lang="en-US" sz="1600" b="0" kern="1200" cap="all" baseline="0" dirty="0">
               <a:latin typeface="Gill Sans Light"/>
             </a:rPr>
-            <a:t>Operational validation as part of Release pipeline </a:t>
+            <a:t>Operational validation as part of release pipeline</a:t>
           </a:r>
         </a:p>
       </dsp:txBody>
@@ -2470,7 +2520,7 @@
         <a:ext cx="11557654" cy="502180"/>
       </dsp:txXfrm>
     </dsp:sp>
-    <dsp:sp modelId="{43038923-8019-4DC3-AAF5-93198AD4F850}">
+    <dsp:sp modelId="{58EB3F5A-E0DD-4D6C-BCBC-D1F38ED32216}">
       <dsp:nvSpPr>
         <dsp:cNvPr id="0" name=""/>
         <dsp:cNvSpPr/>
@@ -4922,7 +4972,7 @@
               <a:rPr lang="en-US" smtClean="0">
                 <a:latin typeface="Segoe UI" pitchFamily="34" charset="0"/>
               </a:rPr>
-              <a:t>2/10/2017 8:49 AM</a:t>
+              <a:t>2/10/2017 9:52 AM</a:t>
             </a:fld>
             <a:endParaRPr lang="en-US" dirty="0">
               <a:latin typeface="Segoe UI" pitchFamily="34" charset="0"/>
@@ -5203,7 +5253,7 @@
           <a:p>
             <a:fld id="{38EEC551-8CDA-4EB6-89BB-2A86C9F091C8}" type="datetime8">
               <a:rPr lang="en-US" smtClean="0"/>
-              <a:t>2/10/2017 8:49 AM</a:t>
+              <a:t>2/10/2017 9:52 AM</a:t>
             </a:fld>
             <a:endParaRPr lang="en-US" dirty="0"/>
           </a:p>
@@ -5728,7 +5778,7 @@
           <a:p>
             <a:fld id="{38EEC551-8CDA-4EB6-89BB-2A86C9F091C8}" type="datetime8">
               <a:rPr lang="en-US" smtClean="0"/>
-              <a:t>2/10/2017 9:05 AM</a:t>
+              <a:t>2/10/2017 9:52 AM</a:t>
             </a:fld>
             <a:endParaRPr lang="en-US" dirty="0"/>
           </a:p>
@@ -5986,7 +6036,7 @@
                 <a:tabLst/>
                 <a:defRPr/>
               </a:pPr>
-              <a:t>2/10/2017 8:49 AM</a:t>
+              <a:t>2/10/2017 9:52 AM</a:t>
             </a:fld>
             <a:endParaRPr kumimoji="0" lang="en-US" sz="1800" b="0" i="0" u="none" strike="noStrike" kern="0" cap="none" spc="0" normalizeH="0" baseline="0" noProof="0" dirty="0">
               <a:ln>
@@ -6234,7 +6284,7 @@
           <a:p>
             <a:fld id="{38EEC551-8CDA-4EB6-89BB-2A86C9F091C8}" type="datetime8">
               <a:rPr lang="en-US" smtClean="0"/>
-              <a:t>2/10/2017 9:50 AM</a:t>
+              <a:t>2/10/2017 9:52 AM</a:t>
             </a:fld>
             <a:endParaRPr lang="en-US" dirty="0"/>
           </a:p>
@@ -6492,7 +6542,7 @@
                 <a:tabLst/>
                 <a:defRPr/>
               </a:pPr>
-              <a:t>2/10/2017 9:47 AM</a:t>
+              <a:t>2/10/2017 9:52 AM</a:t>
             </a:fld>
             <a:endParaRPr kumimoji="0" lang="en-US" sz="1800" b="0" i="0" u="none" strike="noStrike" kern="0" cap="none" spc="0" normalizeH="0" baseline="0" noProof="0" dirty="0">
               <a:ln>
@@ -6740,7 +6790,7 @@
           <a:p>
             <a:fld id="{38EEC551-8CDA-4EB6-89BB-2A86C9F091C8}" type="datetime8">
               <a:rPr lang="en-US" smtClean="0"/>
-              <a:t>2/10/2017 9:50 AM</a:t>
+              <a:t>2/10/2017 9:52 AM</a:t>
             </a:fld>
             <a:endParaRPr lang="en-US" dirty="0"/>
           </a:p>
@@ -6998,7 +7048,7 @@
                 <a:tabLst/>
                 <a:defRPr/>
               </a:pPr>
-              <a:t>2/10/2017 8:49 AM</a:t>
+              <a:t>2/10/2017 9:52 AM</a:t>
             </a:fld>
             <a:endParaRPr kumimoji="0" lang="en-US" sz="1800" b="0" i="0" u="none" strike="noStrike" kern="0" cap="none" spc="0" normalizeH="0" baseline="0" noProof="0" dirty="0">
               <a:ln>
@@ -7246,7 +7296,7 @@
           <a:p>
             <a:fld id="{38EEC551-8CDA-4EB6-89BB-2A86C9F091C8}" type="datetime8">
               <a:rPr lang="en-US" smtClean="0"/>
-              <a:t>2/10/2017 9:20 AM</a:t>
+              <a:t>2/10/2017 9:52 AM</a:t>
             </a:fld>
             <a:endParaRPr lang="en-US" dirty="0"/>
           </a:p>
@@ -7652,7 +7702,7 @@
                 <a:tabLst/>
                 <a:defRPr/>
               </a:pPr>
-              <a:t>2/10/2017 8:49 AM</a:t>
+              <a:t>2/10/2017 9:52 AM</a:t>
             </a:fld>
             <a:endParaRPr kumimoji="0" lang="en-US" sz="1800" b="0" i="0" u="none" strike="noStrike" kern="0" cap="none" spc="0" normalizeH="0" baseline="0" noProof="0" dirty="0">
               <a:ln>
@@ -8111,7 +8161,7 @@
                 <a:tabLst/>
                 <a:defRPr/>
               </a:pPr>
-              <a:t>2/10/2017 8:49 AM</a:t>
+              <a:t>2/10/2017 9:52 AM</a:t>
             </a:fld>
             <a:endParaRPr kumimoji="0" lang="en-US" sz="1800" b="0" i="0" u="none" strike="noStrike" kern="0" cap="none" spc="0" normalizeH="0" baseline="0" noProof="0" dirty="0">
               <a:ln>
@@ -8359,7 +8409,7 @@
           <a:p>
             <a:fld id="{38EEC551-8CDA-4EB6-89BB-2A86C9F091C8}" type="datetime8">
               <a:rPr lang="en-US" smtClean="0"/>
-              <a:t>2/10/2017 9:05 AM</a:t>
+              <a:t>2/10/2017 9:52 AM</a:t>
             </a:fld>
             <a:endParaRPr lang="en-US" dirty="0"/>
           </a:p>
@@ -8617,7 +8667,7 @@
                 <a:tabLst/>
                 <a:defRPr/>
               </a:pPr>
-              <a:t>2/10/2017 9:05 AM</a:t>
+              <a:t>2/10/2017 9:52 AM</a:t>
             </a:fld>
             <a:endParaRPr kumimoji="0" lang="en-US" sz="1800" b="0" i="0" u="none" strike="noStrike" kern="0" cap="none" spc="0" normalizeH="0" baseline="0" noProof="0" dirty="0">
               <a:ln>
@@ -8865,7 +8915,7 @@
           <a:p>
             <a:fld id="{38EEC551-8CDA-4EB6-89BB-2A86C9F091C8}" type="datetime8">
               <a:rPr lang="en-US" smtClean="0"/>
-              <a:t>2/10/2017 9:05 AM</a:t>
+              <a:t>2/10/2017 9:52 AM</a:t>
             </a:fld>
             <a:endParaRPr lang="en-US" dirty="0"/>
           </a:p>
@@ -9123,7 +9173,7 @@
                 <a:tabLst/>
                 <a:defRPr/>
               </a:pPr>
-              <a:t>2/10/2017 8:57 AM</a:t>
+              <a:t>2/10/2017 9:52 AM</a:t>
             </a:fld>
             <a:endParaRPr kumimoji="0" lang="en-US" sz="1800" b="0" i="0" u="none" strike="noStrike" kern="0" cap="none" spc="0" normalizeH="0" baseline="0" noProof="0" dirty="0">
               <a:ln>
@@ -37466,39 +37516,25 @@
           <a:p>
             <a:r>
               <a:rPr lang="en-US" sz="2800" dirty="0"/>
-              <a:t>PowerShell - </a:t>
-            </a:r>
+              <a:t>PowerShell - PowerShell is a task automation and configuration management framework </a:t>
+            </a:r>
+          </a:p>
+          <a:p>
+            <a:endParaRPr lang="en-US" sz="2800" dirty="0"/>
+          </a:p>
+          <a:p>
             <a:r>
               <a:rPr lang="en-US" sz="2800" dirty="0"/>
-              <a:t>PowerShell is a task automation and configuration management framework </a:t>
-            </a:r>
+              <a:t>Pester – BDD (behavior driven development) based test runner for PowerShell. Pester provides a framework for running Unit, Integration and Operations Validation Tests </a:t>
+            </a:r>
+          </a:p>
+          <a:p>
             <a:endParaRPr lang="en-US" sz="2800" dirty="0"/>
           </a:p>
           <a:p>
-            <a:endParaRPr lang="en-US" sz="2800" dirty="0"/>
-          </a:p>
-          <a:p>
             <a:r>
               <a:rPr lang="en-US" sz="2800" dirty="0"/>
-              <a:t>Pester – BDD (behavior driven development) </a:t>
-            </a:r>
-            <a:r>
-              <a:rPr lang="en-US" sz="2800" dirty="0"/>
-              <a:t>based test runner for PowerShell. Pester provides a framework for running Unit, Integration and Operations Validation Tests </a:t>
-            </a:r>
-            <a:endParaRPr lang="en-US" sz="2800" dirty="0"/>
-          </a:p>
-          <a:p>
-            <a:endParaRPr lang="en-US" sz="2800" dirty="0"/>
-          </a:p>
-          <a:p>
-            <a:r>
-              <a:rPr lang="en-US" sz="2800" dirty="0"/>
-              <a:t>Git - </a:t>
-            </a:r>
-            <a:r>
-              <a:rPr lang="en-US" sz="2800" dirty="0"/>
-              <a:t>version control system (VCS) for tracking changes to test cases</a:t>
+              <a:t>Git - version control system (VCS) for tracking changes to test cases</a:t>
             </a:r>
           </a:p>
           <a:p>
@@ -37509,7 +37545,6 @@
               <a:rPr lang="en-US" sz="2800" dirty="0"/>
               <a:t>Operations Validation framework – framework to conduct Ops Validation</a:t>
             </a:r>
-            <a:endParaRPr lang="en-US" sz="2800" dirty="0"/>
           </a:p>
         </p:txBody>
       </p:sp>
@@ -38214,7 +38249,7 @@
           <p:nvPr>
             <p:extLst>
               <p:ext uri="{D42A27DB-BD31-4B8C-83A1-F6EECF244321}">
-                <p14:modId xmlns:p14="http://schemas.microsoft.com/office/powerpoint/2010/main" val="329212658"/>
+                <p14:modId xmlns:p14="http://schemas.microsoft.com/office/powerpoint/2010/main" val="854538674"/>
               </p:ext>
             </p:extLst>
           </p:nvPr>
@@ -41170,82 +41205,12 @@
 </file>
 
 <file path=customXml/item1.xml><?xml version="1.0" encoding="utf-8"?>
-<p:properties xmlns:p="http://schemas.microsoft.com/office/2006/metadata/properties" xmlns:xsi="http://www.w3.org/2001/XMLSchema-instance" xmlns:pc="http://schemas.microsoft.com/office/infopath/2007/PartnerControls">
-  <documentManagement>
-    <LikesCount xmlns="http://schemas.microsoft.com/sharepoint/v3" xsi:nil="true"/>
-    <d12e2661e9634d9aa98bbb375f31aced xmlns="01c77077-aee4-4b5f-bd4e-9cd40a6fff29">
-      <Terms xmlns="http://schemas.microsoft.com/office/infopath/2007/PartnerControls">
-        <TermInfo xmlns="http://schemas.microsoft.com/office/infopath/2007/PartnerControls">
-          <TermName xmlns="http://schemas.microsoft.com/office/infopath/2007/PartnerControls">Georgia World Congress Center</TermName>
-          <TermId xmlns="http://schemas.microsoft.com/office/infopath/2007/PartnerControls">ea0ece34-59a6-4d43-8d9e-d0f9e2a2f1ce</TermId>
-        </TermInfo>
-      </Terms>
-    </d12e2661e9634d9aa98bbb375f31aced>
-    <Event_x0020_Start_x0020_Date xmlns="01c77077-aee4-4b5f-bd4e-9cd40a6fff29">2016-09-25T07:00:00+00:00</Event_x0020_Start_x0020_Date>
-    <Target_x0020_Audiences xmlns="8ff673fc-3231-4e3a-893b-6d7f7cd32766" xsi:nil="true"/>
-    <iaa5f83406f94009a0f6a3e890699ff7 xmlns="01c77077-aee4-4b5f-bd4e-9cd40a6fff29">
-      <Terms xmlns="http://schemas.microsoft.com/office/infopath/2007/PartnerControls">
-        <TermInfo xmlns="http://schemas.microsoft.com/office/infopath/2007/PartnerControls">
-          <TermName xmlns="http://schemas.microsoft.com/office/infopath/2007/PartnerControls">Atlanta</TermName>
-          <TermId xmlns="http://schemas.microsoft.com/office/infopath/2007/PartnerControls">01fb9831-5840-48a0-a576-3e48f42baa53</TermId>
-        </TermInfo>
-      </Terms>
-    </iaa5f83406f94009a0f6a3e890699ff7>
-    <External_x0020_Speaker xmlns="01c77077-aee4-4b5f-bd4e-9cd40a6fff29">Guy  Bowerman, Neil Gat</External_x0020_Speaker>
-    <m6878b9dd7994da4ba144f95347d99c6 xmlns="01c77077-aee4-4b5f-bd4e-9cd40a6fff29">
-      <Terms xmlns="http://schemas.microsoft.com/office/infopath/2007/PartnerControls"/>
-    </m6878b9dd7994da4ba144f95347d99c6>
-    <Presentation_x0020_Date xmlns="01c77077-aee4-4b5f-bd4e-9cd40a6fff29">2016-09-27T04:00:00+00:00</Presentation_x0020_Date>
-    <fc15c16204564de583b4c942b10d19ec xmlns="01c77077-aee4-4b5f-bd4e-9cd40a6fff29">
-      <Terms xmlns="http://schemas.microsoft.com/office/infopath/2007/PartnerControls"/>
-    </fc15c16204564de583b4c942b10d19ec>
-    <mb2e01f7e2d8413988e28e59aa226eec xmlns="01c77077-aee4-4b5f-bd4e-9cd40a6fff29">
-      <Terms xmlns="http://schemas.microsoft.com/office/infopath/2007/PartnerControls">
-        <TermInfo xmlns="http://schemas.microsoft.com/office/infopath/2007/PartnerControls">
-          <TermName xmlns="http://schemas.microsoft.com/office/infopath/2007/PartnerControls">Microsoft Ignite</TermName>
-          <TermId xmlns="http://schemas.microsoft.com/office/infopath/2007/PartnerControls">9323c522-fe4b-4922-816b-10a1920d7afb</TermId>
-        </TermInfo>
-      </Terms>
-    </mb2e01f7e2d8413988e28e59aa226eec>
-    <MS_x0020_Content_x0020_Owner xmlns="01c77077-aee4-4b5f-bd4e-9cd40a6fff29">
-      <UserInfo>
-        <DisplayName/>
-        <AccountId xsi:nil="true"/>
-        <AccountType/>
-      </UserInfo>
-    </MS_x0020_Content_x0020_Owner>
-    <Session_x0020_Code xmlns="01c77077-aee4-4b5f-bd4e-9cd40a6fff29">BRK3283</Session_x0020_Code>
-    <Event_x0020_End_x0020_Date xmlns="01c77077-aee4-4b5f-bd4e-9cd40a6fff29">2016-09-30T07:00:00+00:00</Event_x0020_End_x0020_Date>
-    <o1010385baed4da9b5076a6aa651d1e5 xmlns="01c77077-aee4-4b5f-bd4e-9cd40a6fff29">
-      <Terms xmlns="http://schemas.microsoft.com/office/infopath/2007/PartnerControls"/>
-    </o1010385baed4da9b5076a6aa651d1e5>
-    <kc6d1bd9a46e4e5fbbbf99ca3de7a092 xmlns="01c77077-aee4-4b5f-bd4e-9cd40a6fff29">
-      <Terms xmlns="http://schemas.microsoft.com/office/infopath/2007/PartnerControls"/>
-    </kc6d1bd9a46e4e5fbbbf99ca3de7a092>
-    <MS_x0020_Speaker xmlns="01c77077-aee4-4b5f-bd4e-9cd40a6fff29">
-      <UserInfo>
-        <DisplayName/>
-        <AccountId xsi:nil="true"/>
-        <AccountType/>
-      </UserInfo>
-    </MS_x0020_Speaker>
-    <TaxKeywordTaxHTField xmlns="230e9df3-be65-4c73-a93b-d1236ebd677e">
-      <Terms xmlns="http://schemas.microsoft.com/office/infopath/2007/PartnerControls">
-        <TermInfo xmlns="http://schemas.microsoft.com/office/infopath/2007/PartnerControls">
-          <TermName xmlns="http://schemas.microsoft.com/office/infopath/2007/PartnerControls">Microsoft Ignite 2016</TermName>
-          <TermId xmlns="http://schemas.microsoft.com/office/infopath/2007/PartnerControls">e2f6a88c-86f9-4b25-a2af-b5c3afa8c82a</TermId>
-        </TermInfo>
-      </Terms>
-    </TaxKeywordTaxHTField>
-    <TaxCatchAll xmlns="230e9df3-be65-4c73-a93b-d1236ebd677e">
-      <Value>174</Value>
-      <Value>177</Value>
-      <Value>176</Value>
-      <Value>175</Value>
-    </TaxCatchAll>
-    <NumberofDownloads xmlns="230e9df3-be65-4c73-a93b-d1236ebd677e" xsi:nil="true"/>
-  </documentManagement>
-</p:properties>
+<?mso-contentType ?>
+<FormTemplates xmlns="http://schemas.microsoft.com/sharepoint/v3/contenttype/forms">
+  <Display>DocumentLibraryForm</Display>
+  <Edit>DocumentLibraryForm</Edit>
+  <New>DocumentLibraryForm</New>
+</FormTemplates>
 </file>
 
 <file path=customXml/item2.xml><?xml version="1.0" encoding="utf-8"?>
@@ -41606,29 +41571,88 @@
 </file>
 
 <file path=customXml/item3.xml><?xml version="1.0" encoding="utf-8"?>
-<?mso-contentType ?>
-<FormTemplates xmlns="http://schemas.microsoft.com/sharepoint/v3/contenttype/forms">
-  <Display>DocumentLibraryForm</Display>
-  <Edit>DocumentLibraryForm</Edit>
-  <New>DocumentLibraryForm</New>
-</FormTemplates>
+<p:properties xmlns:p="http://schemas.microsoft.com/office/2006/metadata/properties" xmlns:xsi="http://www.w3.org/2001/XMLSchema-instance" xmlns:pc="http://schemas.microsoft.com/office/infopath/2007/PartnerControls">
+  <documentManagement>
+    <LikesCount xmlns="http://schemas.microsoft.com/sharepoint/v3" xsi:nil="true"/>
+    <d12e2661e9634d9aa98bbb375f31aced xmlns="01c77077-aee4-4b5f-bd4e-9cd40a6fff29">
+      <Terms xmlns="http://schemas.microsoft.com/office/infopath/2007/PartnerControls">
+        <TermInfo xmlns="http://schemas.microsoft.com/office/infopath/2007/PartnerControls">
+          <TermName xmlns="http://schemas.microsoft.com/office/infopath/2007/PartnerControls">Georgia World Congress Center</TermName>
+          <TermId xmlns="http://schemas.microsoft.com/office/infopath/2007/PartnerControls">ea0ece34-59a6-4d43-8d9e-d0f9e2a2f1ce</TermId>
+        </TermInfo>
+      </Terms>
+    </d12e2661e9634d9aa98bbb375f31aced>
+    <Event_x0020_Start_x0020_Date xmlns="01c77077-aee4-4b5f-bd4e-9cd40a6fff29">2016-09-25T07:00:00+00:00</Event_x0020_Start_x0020_Date>
+    <Target_x0020_Audiences xmlns="8ff673fc-3231-4e3a-893b-6d7f7cd32766" xsi:nil="true"/>
+    <iaa5f83406f94009a0f6a3e890699ff7 xmlns="01c77077-aee4-4b5f-bd4e-9cd40a6fff29">
+      <Terms xmlns="http://schemas.microsoft.com/office/infopath/2007/PartnerControls">
+        <TermInfo xmlns="http://schemas.microsoft.com/office/infopath/2007/PartnerControls">
+          <TermName xmlns="http://schemas.microsoft.com/office/infopath/2007/PartnerControls">Atlanta</TermName>
+          <TermId xmlns="http://schemas.microsoft.com/office/infopath/2007/PartnerControls">01fb9831-5840-48a0-a576-3e48f42baa53</TermId>
+        </TermInfo>
+      </Terms>
+    </iaa5f83406f94009a0f6a3e890699ff7>
+    <External_x0020_Speaker xmlns="01c77077-aee4-4b5f-bd4e-9cd40a6fff29">Guy  Bowerman, Neil Gat</External_x0020_Speaker>
+    <m6878b9dd7994da4ba144f95347d99c6 xmlns="01c77077-aee4-4b5f-bd4e-9cd40a6fff29">
+      <Terms xmlns="http://schemas.microsoft.com/office/infopath/2007/PartnerControls"/>
+    </m6878b9dd7994da4ba144f95347d99c6>
+    <Presentation_x0020_Date xmlns="01c77077-aee4-4b5f-bd4e-9cd40a6fff29">2016-09-27T04:00:00+00:00</Presentation_x0020_Date>
+    <fc15c16204564de583b4c942b10d19ec xmlns="01c77077-aee4-4b5f-bd4e-9cd40a6fff29">
+      <Terms xmlns="http://schemas.microsoft.com/office/infopath/2007/PartnerControls"/>
+    </fc15c16204564de583b4c942b10d19ec>
+    <mb2e01f7e2d8413988e28e59aa226eec xmlns="01c77077-aee4-4b5f-bd4e-9cd40a6fff29">
+      <Terms xmlns="http://schemas.microsoft.com/office/infopath/2007/PartnerControls">
+        <TermInfo xmlns="http://schemas.microsoft.com/office/infopath/2007/PartnerControls">
+          <TermName xmlns="http://schemas.microsoft.com/office/infopath/2007/PartnerControls">Microsoft Ignite</TermName>
+          <TermId xmlns="http://schemas.microsoft.com/office/infopath/2007/PartnerControls">9323c522-fe4b-4922-816b-10a1920d7afb</TermId>
+        </TermInfo>
+      </Terms>
+    </mb2e01f7e2d8413988e28e59aa226eec>
+    <MS_x0020_Content_x0020_Owner xmlns="01c77077-aee4-4b5f-bd4e-9cd40a6fff29">
+      <UserInfo>
+        <DisplayName/>
+        <AccountId xsi:nil="true"/>
+        <AccountType/>
+      </UserInfo>
+    </MS_x0020_Content_x0020_Owner>
+    <Session_x0020_Code xmlns="01c77077-aee4-4b5f-bd4e-9cd40a6fff29">BRK3283</Session_x0020_Code>
+    <Event_x0020_End_x0020_Date xmlns="01c77077-aee4-4b5f-bd4e-9cd40a6fff29">2016-09-30T07:00:00+00:00</Event_x0020_End_x0020_Date>
+    <o1010385baed4da9b5076a6aa651d1e5 xmlns="01c77077-aee4-4b5f-bd4e-9cd40a6fff29">
+      <Terms xmlns="http://schemas.microsoft.com/office/infopath/2007/PartnerControls"/>
+    </o1010385baed4da9b5076a6aa651d1e5>
+    <kc6d1bd9a46e4e5fbbbf99ca3de7a092 xmlns="01c77077-aee4-4b5f-bd4e-9cd40a6fff29">
+      <Terms xmlns="http://schemas.microsoft.com/office/infopath/2007/PartnerControls"/>
+    </kc6d1bd9a46e4e5fbbbf99ca3de7a092>
+    <MS_x0020_Speaker xmlns="01c77077-aee4-4b5f-bd4e-9cd40a6fff29">
+      <UserInfo>
+        <DisplayName/>
+        <AccountId xsi:nil="true"/>
+        <AccountType/>
+      </UserInfo>
+    </MS_x0020_Speaker>
+    <TaxKeywordTaxHTField xmlns="230e9df3-be65-4c73-a93b-d1236ebd677e">
+      <Terms xmlns="http://schemas.microsoft.com/office/infopath/2007/PartnerControls">
+        <TermInfo xmlns="http://schemas.microsoft.com/office/infopath/2007/PartnerControls">
+          <TermName xmlns="http://schemas.microsoft.com/office/infopath/2007/PartnerControls">Microsoft Ignite 2016</TermName>
+          <TermId xmlns="http://schemas.microsoft.com/office/infopath/2007/PartnerControls">e2f6a88c-86f9-4b25-a2af-b5c3afa8c82a</TermId>
+        </TermInfo>
+      </Terms>
+    </TaxKeywordTaxHTField>
+    <TaxCatchAll xmlns="230e9df3-be65-4c73-a93b-d1236ebd677e">
+      <Value>174</Value>
+      <Value>177</Value>
+      <Value>176</Value>
+      <Value>175</Value>
+    </TaxCatchAll>
+    <NumberofDownloads xmlns="230e9df3-be65-4c73-a93b-d1236ebd677e" xsi:nil="true"/>
+  </documentManagement>
+</p:properties>
 </file>
 
 <file path=customXml/itemProps1.xml><?xml version="1.0" encoding="utf-8"?>
-<ds:datastoreItem xmlns:ds="http://schemas.openxmlformats.org/officeDocument/2006/customXml" ds:itemID="{F990F116-B58F-4255-B05B-DA3808E0E5C6}">
+<ds:datastoreItem xmlns:ds="http://schemas.openxmlformats.org/officeDocument/2006/customXml" ds:itemID="{758FDAC0-319D-4A54-8D8E-1D42CB1F8004}">
   <ds:schemaRefs>
-    <ds:schemaRef ds:uri="http://schemas.microsoft.com/office/2006/documentManagement/types"/>
-    <ds:schemaRef ds:uri="http://purl.org/dc/elements/1.1/"/>
-    <ds:schemaRef ds:uri="http://schemas.microsoft.com/office/2006/metadata/properties"/>
-    <ds:schemaRef ds:uri="01c77077-aee4-4b5f-bd4e-9cd40a6fff29"/>
-    <ds:schemaRef ds:uri="8ff673fc-3231-4e3a-893b-6d7f7cd32766"/>
-    <ds:schemaRef ds:uri="http://schemas.microsoft.com/sharepoint/v3"/>
-    <ds:schemaRef ds:uri="230e9df3-be65-4c73-a93b-d1236ebd677e"/>
-    <ds:schemaRef ds:uri="http://purl.org/dc/terms/"/>
-    <ds:schemaRef ds:uri="http://schemas.openxmlformats.org/package/2006/metadata/core-properties"/>
-    <ds:schemaRef ds:uri="http://purl.org/dc/dcmitype/"/>
-    <ds:schemaRef ds:uri="http://schemas.microsoft.com/office/infopath/2007/PartnerControls"/>
-    <ds:schemaRef ds:uri="http://www.w3.org/XML/1998/namespace"/>
+    <ds:schemaRef ds:uri="http://schemas.microsoft.com/sharepoint/v3/contenttype/forms"/>
   </ds:schemaRefs>
 </ds:datastoreItem>
 </file>
@@ -41655,9 +41679,20 @@
 </file>
 
 <file path=customXml/itemProps3.xml><?xml version="1.0" encoding="utf-8"?>
-<ds:datastoreItem xmlns:ds="http://schemas.openxmlformats.org/officeDocument/2006/customXml" ds:itemID="{758FDAC0-319D-4A54-8D8E-1D42CB1F8004}">
+<ds:datastoreItem xmlns:ds="http://schemas.openxmlformats.org/officeDocument/2006/customXml" ds:itemID="{F990F116-B58F-4255-B05B-DA3808E0E5C6}">
   <ds:schemaRefs>
-    <ds:schemaRef ds:uri="http://schemas.microsoft.com/sharepoint/v3/contenttype/forms"/>
+    <ds:schemaRef ds:uri="http://schemas.microsoft.com/office/2006/documentManagement/types"/>
+    <ds:schemaRef ds:uri="http://purl.org/dc/elements/1.1/"/>
+    <ds:schemaRef ds:uri="http://schemas.microsoft.com/office/2006/metadata/properties"/>
+    <ds:schemaRef ds:uri="01c77077-aee4-4b5f-bd4e-9cd40a6fff29"/>
+    <ds:schemaRef ds:uri="8ff673fc-3231-4e3a-893b-6d7f7cd32766"/>
+    <ds:schemaRef ds:uri="http://schemas.microsoft.com/sharepoint/v3"/>
+    <ds:schemaRef ds:uri="230e9df3-be65-4c73-a93b-d1236ebd677e"/>
+    <ds:schemaRef ds:uri="http://purl.org/dc/terms/"/>
+    <ds:schemaRef ds:uri="http://schemas.openxmlformats.org/package/2006/metadata/core-properties"/>
+    <ds:schemaRef ds:uri="http://purl.org/dc/dcmitype/"/>
+    <ds:schemaRef ds:uri="http://schemas.microsoft.com/office/infopath/2007/PartnerControls"/>
+    <ds:schemaRef ds:uri="http://www.w3.org/XML/1998/namespace"/>
   </ds:schemaRefs>
 </ds:datastoreItem>
 </file>